--- a/Présentation Projet_8.pptx
+++ b/Présentation Projet_8.pptx
@@ -5,7 +5,7 @@
     <p:sldMasterId id="2147483648" r:id="rId1"/>
   </p:sldMasterIdLst>
   <p:notesMasterIdLst>
-    <p:notesMasterId r:id="rId28"/>
+    <p:notesMasterId r:id="rId29"/>
   </p:notesMasterIdLst>
   <p:sldIdLst>
     <p:sldId id="257" r:id="rId2"/>
@@ -32,8 +32,9 @@
     <p:sldId id="351" r:id="rId23"/>
     <p:sldId id="356" r:id="rId24"/>
     <p:sldId id="358" r:id="rId25"/>
-    <p:sldId id="357" r:id="rId26"/>
+    <p:sldId id="359" r:id="rId26"/>
     <p:sldId id="344" r:id="rId27"/>
+    <p:sldId id="357" r:id="rId28"/>
   </p:sldIdLst>
   <p:sldSz cx="12192000" cy="6858000"/>
   <p:notesSz cx="6858000" cy="9144000"/>
@@ -222,7 +223,7 @@
           <a:p>
             <a:fld id="{24BDB1B6-1944-4F8E-B0F9-2E045F0EA551}" type="datetimeFigureOut">
               <a:rPr lang="fr-FR" smtClean="0"/>
-              <a:t>08/08/2019</a:t>
+              <a:t>12/08/2019</a:t>
             </a:fld>
             <a:endParaRPr lang="fr-FR"/>
           </a:p>
@@ -1319,6 +1320,93 @@
     </p:spTree>
     <p:extLst>
       <p:ext uri="{BB962C8B-B14F-4D97-AF65-F5344CB8AC3E}">
+        <p14:creationId xmlns:p14="http://schemas.microsoft.com/office/powerpoint/2010/main" val="4070164464"/>
+      </p:ext>
+    </p:extLst>
+  </p:cSld>
+  <p:clrMapOvr>
+    <a:masterClrMapping/>
+  </p:clrMapOvr>
+</p:notes>
+</file>
+
+<file path=ppt/notesSlides/notesSlide19.xml><?xml version="1.0" encoding="utf-8"?>
+<p:notes xmlns:a="http://schemas.openxmlformats.org/drawingml/2006/main" xmlns:r="http://schemas.openxmlformats.org/officeDocument/2006/relationships" xmlns:p="http://schemas.openxmlformats.org/presentationml/2006/main">
+  <p:cSld>
+    <p:spTree>
+      <p:nvGrpSpPr>
+        <p:cNvPr id="1" name=""/>
+        <p:cNvGrpSpPr/>
+        <p:nvPr/>
+      </p:nvGrpSpPr>
+      <p:grpSpPr>
+        <a:xfrm>
+          <a:off x="0" y="0"/>
+          <a:ext cx="0" cy="0"/>
+          <a:chOff x="0" y="0"/>
+          <a:chExt cx="0" cy="0"/>
+        </a:xfrm>
+      </p:grpSpPr>
+      <p:sp>
+        <p:nvSpPr>
+          <p:cNvPr id="2" name="Espace réservé de l'image des diapositives 1"/>
+          <p:cNvSpPr>
+            <a:spLocks noGrp="1" noRot="1" noChangeAspect="1"/>
+          </p:cNvSpPr>
+          <p:nvPr>
+            <p:ph type="sldImg"/>
+          </p:nvPr>
+        </p:nvSpPr>
+        <p:spPr/>
+      </p:sp>
+      <p:sp>
+        <p:nvSpPr>
+          <p:cNvPr id="3" name="Espace réservé des notes 2"/>
+          <p:cNvSpPr>
+            <a:spLocks noGrp="1"/>
+          </p:cNvSpPr>
+          <p:nvPr>
+            <p:ph type="body" idx="1"/>
+          </p:nvPr>
+        </p:nvSpPr>
+        <p:spPr/>
+        <p:txBody>
+          <a:bodyPr/>
+          <a:lstStyle/>
+          <a:p>
+            <a:r>
+              <a:rPr lang="fr-FR" dirty="0"/>
+              <a:t>https://www.infoclimat.fr/climatologie/annee/2018/clermont-ferrand-aulnat/valeurs/07460.html</a:t>
+            </a:r>
+          </a:p>
+        </p:txBody>
+      </p:sp>
+      <p:sp>
+        <p:nvSpPr>
+          <p:cNvPr id="4" name="Espace réservé du numéro de diapositive 3"/>
+          <p:cNvSpPr>
+            <a:spLocks noGrp="1"/>
+          </p:cNvSpPr>
+          <p:nvPr>
+            <p:ph type="sldNum" sz="quarter" idx="5"/>
+          </p:nvPr>
+        </p:nvSpPr>
+        <p:spPr/>
+        <p:txBody>
+          <a:bodyPr/>
+          <a:lstStyle/>
+          <a:p>
+            <a:fld id="{325B34E7-32E1-48C9-BFA3-CE4FB073F9A9}" type="slidenum">
+              <a:rPr lang="fr-FR" smtClean="0"/>
+              <a:t>27</a:t>
+            </a:fld>
+            <a:endParaRPr lang="fr-FR"/>
+          </a:p>
+        </p:txBody>
+      </p:sp>
+    </p:spTree>
+    <p:extLst>
+      <p:ext uri="{BB962C8B-B14F-4D97-AF65-F5344CB8AC3E}">
         <p14:creationId xmlns:p14="http://schemas.microsoft.com/office/powerpoint/2010/main" val="1235642754"/>
       </p:ext>
     </p:extLst>
@@ -2148,7 +2236,7 @@
           <a:p>
             <a:fld id="{2D857B19-A201-4351-B69C-6F9100DB4F49}" type="datetimeFigureOut">
               <a:rPr lang="fr-FR" smtClean="0"/>
-              <a:t>08/08/2019</a:t>
+              <a:t>12/08/2019</a:t>
             </a:fld>
             <a:endParaRPr lang="fr-FR"/>
           </a:p>
@@ -2346,7 +2434,7 @@
           <a:p>
             <a:fld id="{2D857B19-A201-4351-B69C-6F9100DB4F49}" type="datetimeFigureOut">
               <a:rPr lang="fr-FR" smtClean="0"/>
-              <a:t>08/08/2019</a:t>
+              <a:t>12/08/2019</a:t>
             </a:fld>
             <a:endParaRPr lang="fr-FR"/>
           </a:p>
@@ -2554,7 +2642,7 @@
           <a:p>
             <a:fld id="{2D857B19-A201-4351-B69C-6F9100DB4F49}" type="datetimeFigureOut">
               <a:rPr lang="fr-FR" smtClean="0"/>
-              <a:t>08/08/2019</a:t>
+              <a:t>12/08/2019</a:t>
             </a:fld>
             <a:endParaRPr lang="fr-FR"/>
           </a:p>
@@ -2752,7 +2840,7 @@
           <a:p>
             <a:fld id="{2D857B19-A201-4351-B69C-6F9100DB4F49}" type="datetimeFigureOut">
               <a:rPr lang="fr-FR" smtClean="0"/>
-              <a:t>08/08/2019</a:t>
+              <a:t>12/08/2019</a:t>
             </a:fld>
             <a:endParaRPr lang="fr-FR"/>
           </a:p>
@@ -3027,7 +3115,7 @@
           <a:p>
             <a:fld id="{2D857B19-A201-4351-B69C-6F9100DB4F49}" type="datetimeFigureOut">
               <a:rPr lang="fr-FR" smtClean="0"/>
-              <a:t>08/08/2019</a:t>
+              <a:t>12/08/2019</a:t>
             </a:fld>
             <a:endParaRPr lang="fr-FR"/>
           </a:p>
@@ -3292,7 +3380,7 @@
           <a:p>
             <a:fld id="{2D857B19-A201-4351-B69C-6F9100DB4F49}" type="datetimeFigureOut">
               <a:rPr lang="fr-FR" smtClean="0"/>
-              <a:t>08/08/2019</a:t>
+              <a:t>12/08/2019</a:t>
             </a:fld>
             <a:endParaRPr lang="fr-FR"/>
           </a:p>
@@ -3704,7 +3792,7 @@
           <a:p>
             <a:fld id="{2D857B19-A201-4351-B69C-6F9100DB4F49}" type="datetimeFigureOut">
               <a:rPr lang="fr-FR" smtClean="0"/>
-              <a:t>08/08/2019</a:t>
+              <a:t>12/08/2019</a:t>
             </a:fld>
             <a:endParaRPr lang="fr-FR"/>
           </a:p>
@@ -3845,7 +3933,7 @@
           <a:p>
             <a:fld id="{2D857B19-A201-4351-B69C-6F9100DB4F49}" type="datetimeFigureOut">
               <a:rPr lang="fr-FR" smtClean="0"/>
-              <a:t>08/08/2019</a:t>
+              <a:t>12/08/2019</a:t>
             </a:fld>
             <a:endParaRPr lang="fr-FR"/>
           </a:p>
@@ -3958,7 +4046,7 @@
           <a:p>
             <a:fld id="{2D857B19-A201-4351-B69C-6F9100DB4F49}" type="datetimeFigureOut">
               <a:rPr lang="fr-FR" smtClean="0"/>
-              <a:t>08/08/2019</a:t>
+              <a:t>12/08/2019</a:t>
             </a:fld>
             <a:endParaRPr lang="fr-FR"/>
           </a:p>
@@ -4269,7 +4357,7 @@
           <a:p>
             <a:fld id="{2D857B19-A201-4351-B69C-6F9100DB4F49}" type="datetimeFigureOut">
               <a:rPr lang="fr-FR" smtClean="0"/>
-              <a:t>08/08/2019</a:t>
+              <a:t>12/08/2019</a:t>
             </a:fld>
             <a:endParaRPr lang="fr-FR"/>
           </a:p>
@@ -4557,7 +4645,7 @@
           <a:p>
             <a:fld id="{2D857B19-A201-4351-B69C-6F9100DB4F49}" type="datetimeFigureOut">
               <a:rPr lang="fr-FR" smtClean="0"/>
-              <a:t>08/08/2019</a:t>
+              <a:t>12/08/2019</a:t>
             </a:fld>
             <a:endParaRPr lang="fr-FR"/>
           </a:p>
@@ -4798,7 +4886,7 @@
           <a:p>
             <a:fld id="{2D857B19-A201-4351-B69C-6F9100DB4F49}" type="datetimeFigureOut">
               <a:rPr lang="fr-FR" smtClean="0"/>
-              <a:t>08/08/2019</a:t>
+              <a:t>12/08/2019</a:t>
             </a:fld>
             <a:endParaRPr lang="fr-FR"/>
           </a:p>
@@ -10076,7 +10164,7 @@
     </p:spTree>
     <p:extLst>
       <p:ext uri="{BB962C8B-B14F-4D97-AF65-F5344CB8AC3E}">
-        <p14:creationId xmlns:p14="http://schemas.microsoft.com/office/powerpoint/2010/main" val="2024546779"/>
+        <p14:creationId xmlns:p14="http://schemas.microsoft.com/office/powerpoint/2010/main" val="1428905732"/>
       </p:ext>
     </p:extLst>
   </p:cSld>
@@ -10426,6 +10514,131 @@
   </p:cSld>
   <p:clrMapOvr>
     <a:overrideClrMapping bg1="dk1" tx1="lt1" bg2="dk2" tx2="lt2" accent1="accent1" accent2="accent2" accent3="accent3" accent4="accent4" accent5="accent5" accent6="accent6" hlink="hlink" folHlink="folHlink"/>
+  </p:clrMapOvr>
+</p:sld>
+</file>
+
+<file path=ppt/slides/slide27.xml><?xml version="1.0" encoding="utf-8"?>
+<p:sld xmlns:a="http://schemas.openxmlformats.org/drawingml/2006/main" xmlns:r="http://schemas.openxmlformats.org/officeDocument/2006/relationships" xmlns:p="http://schemas.openxmlformats.org/presentationml/2006/main">
+  <p:cSld>
+    <p:spTree>
+      <p:nvGrpSpPr>
+        <p:cNvPr id="1" name=""/>
+        <p:cNvGrpSpPr/>
+        <p:nvPr/>
+      </p:nvGrpSpPr>
+      <p:grpSpPr>
+        <a:xfrm>
+          <a:off x="0" y="0"/>
+          <a:ext cx="0" cy="0"/>
+          <a:chOff x="0" y="0"/>
+          <a:chExt cx="0" cy="0"/>
+        </a:xfrm>
+      </p:grpSpPr>
+      <p:sp>
+        <p:nvSpPr>
+          <p:cNvPr id="2" name="Titre 1">
+            <a:extLst>
+              <a:ext uri="{FF2B5EF4-FFF2-40B4-BE49-F238E27FC236}">
+                <a16:creationId xmlns:a16="http://schemas.microsoft.com/office/drawing/2014/main" id="{97FA8879-5ADD-4153-9C4A-CF78B1D5CA27}"/>
+              </a:ext>
+            </a:extLst>
+          </p:cNvPr>
+          <p:cNvSpPr>
+            <a:spLocks noGrp="1"/>
+          </p:cNvSpPr>
+          <p:nvPr>
+            <p:ph type="title"/>
+          </p:nvPr>
+        </p:nvSpPr>
+        <p:spPr/>
+        <p:txBody>
+          <a:bodyPr/>
+          <a:lstStyle/>
+          <a:p>
+            <a:pPr algn="ctr"/>
+            <a:r>
+              <a:rPr lang="fr-FR" dirty="0"/>
+              <a:t>Annexes</a:t>
+            </a:r>
+          </a:p>
+        </p:txBody>
+      </p:sp>
+      <p:pic>
+        <p:nvPicPr>
+          <p:cNvPr id="3" name="Image 2">
+            <a:extLst>
+              <a:ext uri="{FF2B5EF4-FFF2-40B4-BE49-F238E27FC236}">
+                <a16:creationId xmlns:a16="http://schemas.microsoft.com/office/drawing/2014/main" id="{0FF4B3BB-055B-47BF-B548-DF65C111BFFB}"/>
+              </a:ext>
+            </a:extLst>
+          </p:cNvPr>
+          <p:cNvPicPr>
+            <a:picLocks noChangeAspect="1"/>
+          </p:cNvPicPr>
+          <p:nvPr/>
+        </p:nvPicPr>
+        <p:blipFill>
+          <a:blip r:embed="rId3">
+            <a:extLst>
+              <a:ext uri="{28A0092B-C50C-407E-A947-70E740481C1C}">
+                <a14:useLocalDpi xmlns:a14="http://schemas.microsoft.com/office/drawing/2010/main" val="0"/>
+              </a:ext>
+            </a:extLst>
+          </a:blip>
+          <a:stretch>
+            <a:fillRect/>
+          </a:stretch>
+        </p:blipFill>
+        <p:spPr>
+          <a:xfrm>
+            <a:off x="10769600" y="5435600"/>
+            <a:ext cx="1422400" cy="1422400"/>
+          </a:xfrm>
+          <a:prstGeom prst="rect">
+            <a:avLst/>
+          </a:prstGeom>
+        </p:spPr>
+      </p:pic>
+      <p:pic>
+        <p:nvPicPr>
+          <p:cNvPr id="4" name="Image 3">
+            <a:extLst>
+              <a:ext uri="{FF2B5EF4-FFF2-40B4-BE49-F238E27FC236}">
+                <a16:creationId xmlns:a16="http://schemas.microsoft.com/office/drawing/2014/main" id="{D6A7E1DE-8146-4F8F-A265-BF9B585287E6}"/>
+              </a:ext>
+            </a:extLst>
+          </p:cNvPr>
+          <p:cNvPicPr>
+            <a:picLocks noChangeAspect="1"/>
+          </p:cNvPicPr>
+          <p:nvPr/>
+        </p:nvPicPr>
+        <p:blipFill>
+          <a:blip r:embed="rId4"/>
+          <a:stretch>
+            <a:fillRect/>
+          </a:stretch>
+        </p:blipFill>
+        <p:spPr>
+          <a:xfrm>
+            <a:off x="4805362" y="1624012"/>
+            <a:ext cx="2581275" cy="3609975"/>
+          </a:xfrm>
+          <a:prstGeom prst="rect">
+            <a:avLst/>
+          </a:prstGeom>
+        </p:spPr>
+      </p:pic>
+    </p:spTree>
+    <p:extLst>
+      <p:ext uri="{BB962C8B-B14F-4D97-AF65-F5344CB8AC3E}">
+        <p14:creationId xmlns:p14="http://schemas.microsoft.com/office/powerpoint/2010/main" val="2024546779"/>
+      </p:ext>
+    </p:extLst>
+  </p:cSld>
+  <p:clrMapOvr>
+    <a:masterClrMapping/>
   </p:clrMapOvr>
 </p:sld>
 </file>

--- a/Présentation Projet_8.pptx
+++ b/Présentation Projet_8.pptx
@@ -5,7 +5,7 @@
     <p:sldMasterId id="2147483648" r:id="rId1"/>
   </p:sldMasterIdLst>
   <p:notesMasterIdLst>
-    <p:notesMasterId r:id="rId29"/>
+    <p:notesMasterId r:id="rId33"/>
   </p:notesMasterIdLst>
   <p:sldIdLst>
     <p:sldId id="257" r:id="rId2"/>
@@ -24,17 +24,21 @@
     <p:sldId id="348" r:id="rId15"/>
     <p:sldId id="349" r:id="rId16"/>
     <p:sldId id="347" r:id="rId17"/>
-    <p:sldId id="350" r:id="rId18"/>
-    <p:sldId id="352" r:id="rId19"/>
-    <p:sldId id="353" r:id="rId20"/>
-    <p:sldId id="354" r:id="rId21"/>
-    <p:sldId id="355" r:id="rId22"/>
-    <p:sldId id="351" r:id="rId23"/>
-    <p:sldId id="356" r:id="rId24"/>
-    <p:sldId id="358" r:id="rId25"/>
+    <p:sldId id="356" r:id="rId18"/>
+    <p:sldId id="360" r:id="rId19"/>
+    <p:sldId id="361" r:id="rId20"/>
+    <p:sldId id="358" r:id="rId21"/>
+    <p:sldId id="362" r:id="rId22"/>
+    <p:sldId id="363" r:id="rId23"/>
+    <p:sldId id="364" r:id="rId24"/>
+    <p:sldId id="365" r:id="rId25"/>
     <p:sldId id="359" r:id="rId26"/>
-    <p:sldId id="344" r:id="rId27"/>
-    <p:sldId id="357" r:id="rId28"/>
+    <p:sldId id="366" r:id="rId27"/>
+    <p:sldId id="344" r:id="rId28"/>
+    <p:sldId id="357" r:id="rId29"/>
+    <p:sldId id="350" r:id="rId30"/>
+    <p:sldId id="352" r:id="rId31"/>
+    <p:sldId id="353" r:id="rId32"/>
   </p:sldIdLst>
   <p:sldSz cx="12192000" cy="6858000"/>
   <p:notesSz cx="6858000" cy="9144000"/>
@@ -223,7 +227,7 @@
           <a:p>
             <a:fld id="{24BDB1B6-1944-4F8E-B0F9-2E045F0EA551}" type="datetimeFigureOut">
               <a:rPr lang="fr-FR" smtClean="0"/>
-              <a:t>12/08/2019</a:t>
+              <a:t>13/08/2019</a:t>
             </a:fld>
             <a:endParaRPr lang="fr-FR"/>
           </a:p>
@@ -618,7 +622,48 @@
           <a:bodyPr/>
           <a:lstStyle/>
           <a:p>
-            <a:endParaRPr lang="fr-FR" dirty="0"/>
+            <a:r>
+              <a:rPr lang="fr-FR" dirty="0"/>
+              <a:t>On reprend notre variable </a:t>
+            </a:r>
+            <a:r>
+              <a:rPr lang="fr-FR" dirty="0" err="1"/>
+              <a:t>decomp_x</a:t>
+            </a:r>
+            <a:r>
+              <a:rPr lang="fr-FR" dirty="0"/>
+              <a:t> de la partie précédente, on applique un .trend </a:t>
+            </a:r>
+            <a:br>
+              <a:rPr lang="fr-FR" dirty="0"/>
+            </a:br>
+            <a:br>
+              <a:rPr lang="fr-FR" dirty="0"/>
+            </a:br>
+            <a:r>
+              <a:rPr lang="fr-FR" dirty="0"/>
+              <a:t>Puis on plot le tout : [CLICK] encore une fois avec les deux courbes pour se rendre compte</a:t>
+            </a:r>
+            <a:br>
+              <a:rPr lang="fr-FR" dirty="0"/>
+            </a:br>
+            <a:br>
+              <a:rPr lang="fr-FR" dirty="0"/>
+            </a:br>
+            <a:r>
+              <a:rPr lang="fr-FR" dirty="0"/>
+              <a:t>On obtient la consommation sans la saisonnalité </a:t>
+            </a:r>
+            <a:br>
+              <a:rPr lang="fr-FR" dirty="0"/>
+            </a:br>
+            <a:br>
+              <a:rPr lang="fr-FR" dirty="0"/>
+            </a:br>
+            <a:r>
+              <a:rPr lang="fr-FR" dirty="0"/>
+              <a:t>Nous passons maintenant à la dernière partie de cette présentation, la prévision.</a:t>
+            </a:r>
           </a:p>
         </p:txBody>
       </p:sp>
@@ -639,7 +684,7 @@
           <a:p>
             <a:fld id="{325B34E7-32E1-48C9-BFA3-CE4FB073F9A9}" type="slidenum">
               <a:rPr lang="fr-FR" smtClean="0"/>
-              <a:t>17</a:t>
+              <a:t>11</a:t>
             </a:fld>
             <a:endParaRPr lang="fr-FR"/>
           </a:p>
@@ -648,7 +693,7 @@
     </p:spTree>
     <p:extLst>
       <p:ext uri="{BB962C8B-B14F-4D97-AF65-F5344CB8AC3E}">
-        <p14:creationId xmlns:p14="http://schemas.microsoft.com/office/powerpoint/2010/main" val="1630352046"/>
+        <p14:creationId xmlns:p14="http://schemas.microsoft.com/office/powerpoint/2010/main" val="192670061"/>
       </p:ext>
     </p:extLst>
   </p:cSld>
@@ -702,7 +747,25 @@
           <a:bodyPr/>
           <a:lstStyle/>
           <a:p>
-            <a:endParaRPr lang="fr-FR" dirty="0"/>
+            <a:r>
+              <a:rPr lang="fr-FR" dirty="0"/>
+              <a:t>Deux méthodes seront évoquées ici : </a:t>
+            </a:r>
+            <a:br>
+              <a:rPr lang="fr-FR" dirty="0"/>
+            </a:br>
+            <a:r>
+              <a:rPr lang="fr-FR" dirty="0"/>
+              <a:t>Holt-</a:t>
+            </a:r>
+            <a:r>
+              <a:rPr lang="fr-FR" dirty="0" err="1"/>
+              <a:t>winters</a:t>
+            </a:r>
+            <a:r>
+              <a:rPr lang="fr-FR" dirty="0"/>
+              <a:t> et SARIMA</a:t>
+            </a:r>
           </a:p>
         </p:txBody>
       </p:sp>
@@ -721,9 +784,9 @@
           <a:bodyPr/>
           <a:lstStyle/>
           <a:p>
-            <a:fld id="{325B34E7-32E1-48C9-BFA3-CE4FB073F9A9}" type="slidenum">
+            <a:fld id="{5F05756B-5F5C-4EED-907C-E25857D58D0B}" type="slidenum">
               <a:rPr lang="fr-FR" smtClean="0"/>
-              <a:t>18</a:t>
+              <a:t>12</a:t>
             </a:fld>
             <a:endParaRPr lang="fr-FR"/>
           </a:p>
@@ -732,7 +795,7 @@
     </p:spTree>
     <p:extLst>
       <p:ext uri="{BB962C8B-B14F-4D97-AF65-F5344CB8AC3E}">
-        <p14:creationId xmlns:p14="http://schemas.microsoft.com/office/powerpoint/2010/main" val="2118780634"/>
+        <p14:creationId xmlns:p14="http://schemas.microsoft.com/office/powerpoint/2010/main" val="3746022030"/>
       </p:ext>
     </p:extLst>
   </p:cSld>
@@ -786,7 +849,10 @@
           <a:bodyPr/>
           <a:lstStyle/>
           <a:p>
-            <a:endParaRPr lang="fr-FR" dirty="0"/>
+            <a:r>
+              <a:rPr lang="fr-FR" dirty="0"/>
+              <a:t>Commençons par Holt-Winters</a:t>
+            </a:r>
           </a:p>
         </p:txBody>
       </p:sp>
@@ -805,9 +871,9 @@
           <a:bodyPr/>
           <a:lstStyle/>
           <a:p>
-            <a:fld id="{325B34E7-32E1-48C9-BFA3-CE4FB073F9A9}" type="slidenum">
+            <a:fld id="{5F05756B-5F5C-4EED-907C-E25857D58D0B}" type="slidenum">
               <a:rPr lang="fr-FR" smtClean="0"/>
-              <a:t>19</a:t>
+              <a:t>13</a:t>
             </a:fld>
             <a:endParaRPr lang="fr-FR"/>
           </a:p>
@@ -816,7 +882,7 @@
     </p:spTree>
     <p:extLst>
       <p:ext uri="{BB962C8B-B14F-4D97-AF65-F5344CB8AC3E}">
-        <p14:creationId xmlns:p14="http://schemas.microsoft.com/office/powerpoint/2010/main" val="3190854432"/>
+        <p14:creationId xmlns:p14="http://schemas.microsoft.com/office/powerpoint/2010/main" val="3274164730"/>
       </p:ext>
     </p:extLst>
   </p:cSld>
@@ -870,7 +936,58 @@
           <a:bodyPr/>
           <a:lstStyle/>
           <a:p>
+            <a:r>
+              <a:rPr lang="fr-FR" dirty="0"/>
+              <a:t>On commence par préparer notre </a:t>
+            </a:r>
+            <a:r>
+              <a:rPr lang="fr-FR" dirty="0" err="1"/>
+              <a:t>df</a:t>
+            </a:r>
+            <a:r>
+              <a:rPr lang="fr-FR" dirty="0"/>
+              <a:t> ; Il va nous falloir 1 fichier de train et un de test pour savoir quel modèle est le plus performant.</a:t>
+            </a:r>
+            <a:br>
+              <a:rPr lang="fr-FR" dirty="0"/>
+            </a:br>
+            <a:br>
+              <a:rPr lang="fr-FR" dirty="0"/>
+            </a:br>
+            <a:r>
+              <a:rPr lang="fr-FR" dirty="0"/>
+              <a:t>On applique ensuite la fonction </a:t>
+            </a:r>
+            <a:r>
+              <a:rPr lang="fr-FR" dirty="0" err="1"/>
+              <a:t>exponentialSmoothing</a:t>
+            </a:r>
+            <a:r>
+              <a:rPr lang="fr-FR" dirty="0"/>
+              <a:t> sur nos données [CLICK]</a:t>
+            </a:r>
+          </a:p>
+          <a:p>
             <a:endParaRPr lang="fr-FR" dirty="0"/>
+          </a:p>
+          <a:p>
+            <a:r>
+              <a:rPr lang="fr-FR" dirty="0"/>
+              <a:t>Puis on plot le tout [CLICK]</a:t>
+            </a:r>
+          </a:p>
+          <a:p>
+            <a:r>
+              <a:rPr lang="fr-FR" dirty="0"/>
+              <a:t>On peut voir ici que l’année 2018 a été prédite. </a:t>
+            </a:r>
+            <a:br>
+              <a:rPr lang="fr-FR" dirty="0"/>
+            </a:br>
+            <a:r>
+              <a:rPr lang="fr-FR" dirty="0"/>
+              <a:t>Voyons maintenant avec nos vraies données ce que donne se résultat : </a:t>
+            </a:r>
           </a:p>
         </p:txBody>
       </p:sp>
@@ -891,7 +1008,7 @@
           <a:p>
             <a:fld id="{325B34E7-32E1-48C9-BFA3-CE4FB073F9A9}" type="slidenum">
               <a:rPr lang="fr-FR" smtClean="0"/>
-              <a:t>20</a:t>
+              <a:t>14</a:t>
             </a:fld>
             <a:endParaRPr lang="fr-FR"/>
           </a:p>
@@ -900,7 +1017,7 @@
     </p:spTree>
     <p:extLst>
       <p:ext uri="{BB962C8B-B14F-4D97-AF65-F5344CB8AC3E}">
-        <p14:creationId xmlns:p14="http://schemas.microsoft.com/office/powerpoint/2010/main" val="4052165035"/>
+        <p14:creationId xmlns:p14="http://schemas.microsoft.com/office/powerpoint/2010/main" val="3886861160"/>
       </p:ext>
     </p:extLst>
   </p:cSld>
@@ -954,7 +1071,53 @@
           <a:bodyPr/>
           <a:lstStyle/>
           <a:p>
+            <a:r>
+              <a:rPr lang="fr-FR" dirty="0"/>
+              <a:t>On va ici plot les deux courbes sur le même graphique [CLICK]</a:t>
+            </a:r>
+            <a:br>
+              <a:rPr lang="fr-FR" dirty="0"/>
+            </a:br>
+            <a:br>
+              <a:rPr lang="fr-FR" dirty="0"/>
+            </a:br>
+            <a:r>
+              <a:rPr lang="fr-FR" dirty="0"/>
+              <a:t>Et calculer la </a:t>
+            </a:r>
+            <a:r>
+              <a:rPr lang="fr-FR" dirty="0" err="1"/>
+              <a:t>Mean_squared_error</a:t>
+            </a:r>
+            <a:r>
+              <a:rPr lang="fr-FR" dirty="0"/>
+              <a:t> [CLICKL]</a:t>
+            </a:r>
+          </a:p>
+          <a:p>
+            <a:r>
+              <a:rPr lang="fr-FR" dirty="0"/>
+              <a:t>Qui nous donne : 219399 [CLICK] </a:t>
+            </a:r>
+          </a:p>
+          <a:p>
             <a:endParaRPr lang="fr-FR" dirty="0"/>
+          </a:p>
+          <a:p>
+            <a:r>
+              <a:rPr lang="fr-FR" dirty="0"/>
+              <a:t>Le modèle n’est donc pas satisfaisant. </a:t>
+            </a:r>
+            <a:br>
+              <a:rPr lang="fr-FR" dirty="0"/>
+            </a:br>
+            <a:br>
+              <a:rPr lang="fr-FR" dirty="0"/>
+            </a:br>
+            <a:r>
+              <a:rPr lang="fr-FR" dirty="0"/>
+              <a:t>Essayons désormais avec un modèle SARIMA : </a:t>
+            </a:r>
           </a:p>
         </p:txBody>
       </p:sp>
@@ -975,7 +1138,7 @@
           <a:p>
             <a:fld id="{325B34E7-32E1-48C9-BFA3-CE4FB073F9A9}" type="slidenum">
               <a:rPr lang="fr-FR" smtClean="0"/>
-              <a:t>21</a:t>
+              <a:t>15</a:t>
             </a:fld>
             <a:endParaRPr lang="fr-FR"/>
           </a:p>
@@ -984,7 +1147,7 @@
     </p:spTree>
     <p:extLst>
       <p:ext uri="{BB962C8B-B14F-4D97-AF65-F5344CB8AC3E}">
-        <p14:creationId xmlns:p14="http://schemas.microsoft.com/office/powerpoint/2010/main" val="326701601"/>
+        <p14:creationId xmlns:p14="http://schemas.microsoft.com/office/powerpoint/2010/main" val="3059698034"/>
       </p:ext>
     </p:extLst>
   </p:cSld>
@@ -1038,7 +1201,25 @@
           <a:bodyPr/>
           <a:lstStyle/>
           <a:p>
-            <a:endParaRPr lang="fr-FR" dirty="0"/>
+            <a:r>
+              <a:rPr lang="fr-FR" dirty="0"/>
+              <a:t>Vous pourrez voir dans le code écrit une première partie utilisant la </a:t>
+            </a:r>
+            <a:r>
+              <a:rPr lang="fr-FR" dirty="0" err="1"/>
+              <a:t>stationnarisation</a:t>
+            </a:r>
+            <a:r>
+              <a:rPr lang="fr-FR" dirty="0"/>
+              <a:t> du processus, pour ensuite appliquer les paramètres au modèle. </a:t>
+            </a:r>
+            <a:br>
+              <a:rPr lang="fr-FR" dirty="0"/>
+            </a:br>
+            <a:r>
+              <a:rPr lang="fr-FR" dirty="0"/>
+              <a:t>Dans cette présentation, il ne sera fait état que de la fonction d’optimisation. </a:t>
+            </a:r>
           </a:p>
         </p:txBody>
       </p:sp>
@@ -1057,9 +1238,9 @@
           <a:bodyPr/>
           <a:lstStyle/>
           <a:p>
-            <a:fld id="{325B34E7-32E1-48C9-BFA3-CE4FB073F9A9}" type="slidenum">
+            <a:fld id="{5F05756B-5F5C-4EED-907C-E25857D58D0B}" type="slidenum">
               <a:rPr lang="fr-FR" smtClean="0"/>
-              <a:t>22</a:t>
+              <a:t>16</a:t>
             </a:fld>
             <a:endParaRPr lang="fr-FR"/>
           </a:p>
@@ -1068,7 +1249,7 @@
     </p:spTree>
     <p:extLst>
       <p:ext uri="{BB962C8B-B14F-4D97-AF65-F5344CB8AC3E}">
-        <p14:creationId xmlns:p14="http://schemas.microsoft.com/office/powerpoint/2010/main" val="1100808127"/>
+        <p14:creationId xmlns:p14="http://schemas.microsoft.com/office/powerpoint/2010/main" val="2785738055"/>
       </p:ext>
     </p:extLst>
   </p:cSld>
@@ -1122,7 +1303,135 @@
           <a:bodyPr/>
           <a:lstStyle/>
           <a:p>
+            <a:r>
+              <a:rPr lang="fr-FR" dirty="0"/>
+              <a:t>Afin de pouvoir trouver les paramètres les plus significatifs pour le modèle, nous allons construire une fonction d’optimisation : </a:t>
+            </a:r>
+          </a:p>
+          <a:p>
             <a:endParaRPr lang="fr-FR" dirty="0"/>
+          </a:p>
+          <a:p>
+            <a:r>
+              <a:rPr lang="fr-FR" dirty="0"/>
+              <a:t>[CLICK]</a:t>
+            </a:r>
+          </a:p>
+          <a:p>
+            <a:r>
+              <a:rPr lang="fr-FR" dirty="0"/>
+              <a:t>Initialisation des paramètres de la fonction  : </a:t>
+            </a:r>
+          </a:p>
+          <a:p>
+            <a:r>
+              <a:rPr lang="fr-FR" dirty="0"/>
+              <a:t>[CLICK]</a:t>
+            </a:r>
+          </a:p>
+          <a:p>
+            <a:r>
+              <a:rPr lang="fr-FR" dirty="0"/>
+              <a:t>On donne la colonne du </a:t>
+            </a:r>
+            <a:r>
+              <a:rPr lang="fr-FR" dirty="0" err="1"/>
+              <a:t>df</a:t>
+            </a:r>
+            <a:r>
+              <a:rPr lang="fr-FR" dirty="0"/>
+              <a:t> pour le modèle SARIMA</a:t>
+            </a:r>
+          </a:p>
+          <a:p>
+            <a:r>
+              <a:rPr lang="fr-FR" dirty="0"/>
+              <a:t>Le </a:t>
+            </a:r>
+            <a:r>
+              <a:rPr lang="fr-FR" dirty="0" err="1"/>
+              <a:t>p_max</a:t>
+            </a:r>
+            <a:r>
+              <a:rPr lang="fr-FR" dirty="0"/>
+              <a:t>, </a:t>
+            </a:r>
+            <a:r>
+              <a:rPr lang="fr-FR" dirty="0" err="1"/>
+              <a:t>d_max</a:t>
+            </a:r>
+            <a:r>
+              <a:rPr lang="fr-FR" dirty="0"/>
+              <a:t>, </a:t>
+            </a:r>
+            <a:r>
+              <a:rPr lang="fr-FR" dirty="0" err="1"/>
+              <a:t>q_max</a:t>
+            </a:r>
+            <a:br>
+              <a:rPr lang="fr-FR" dirty="0"/>
+            </a:br>
+            <a:br>
+              <a:rPr lang="fr-FR" dirty="0"/>
+            </a:br>
+            <a:r>
+              <a:rPr lang="fr-FR" dirty="0"/>
+              <a:t>p, d, q vont ensuite prendre une valeur dans le range 0 à </a:t>
+            </a:r>
+            <a:r>
+              <a:rPr lang="fr-FR" dirty="0" err="1"/>
+              <a:t>p_max</a:t>
+            </a:r>
+            <a:r>
+              <a:rPr lang="fr-FR" dirty="0"/>
+              <a:t>, </a:t>
+            </a:r>
+            <a:r>
+              <a:rPr lang="fr-FR" dirty="0" err="1"/>
+              <a:t>q_max</a:t>
+            </a:r>
+            <a:r>
+              <a:rPr lang="fr-FR" dirty="0"/>
+              <a:t>, </a:t>
+            </a:r>
+            <a:r>
+              <a:rPr lang="fr-FR" dirty="0" err="1"/>
+              <a:t>d_max</a:t>
+            </a:r>
+            <a:r>
+              <a:rPr lang="fr-FR" dirty="0"/>
+              <a:t> </a:t>
+            </a:r>
+          </a:p>
+          <a:p>
+            <a:endParaRPr lang="fr-FR" dirty="0"/>
+          </a:p>
+          <a:p>
+            <a:r>
+              <a:rPr lang="fr-FR" dirty="0"/>
+              <a:t>[CLICK]</a:t>
+            </a:r>
+          </a:p>
+          <a:p>
+            <a:r>
+              <a:rPr lang="fr-FR" dirty="0"/>
+              <a:t>On crée ensuite les listes sur lesquelles on va itérer</a:t>
+            </a:r>
+          </a:p>
+          <a:p>
+            <a:endParaRPr lang="fr-FR" dirty="0"/>
+          </a:p>
+          <a:p>
+            <a:r>
+              <a:rPr lang="fr-FR" dirty="0"/>
+              <a:t>[CLICK]</a:t>
+            </a:r>
+          </a:p>
+          <a:p>
+            <a:r>
+              <a:rPr lang="fr-FR" dirty="0"/>
+              <a:t>Puis on initialise les variables qui vont récupérer les résultats</a:t>
+            </a:r>
           </a:p>
         </p:txBody>
       </p:sp>
@@ -1143,7 +1452,7 @@
           <a:p>
             <a:fld id="{325B34E7-32E1-48C9-BFA3-CE4FB073F9A9}" type="slidenum">
               <a:rPr lang="fr-FR" smtClean="0"/>
-              <a:t>23</a:t>
+              <a:t>17</a:t>
             </a:fld>
             <a:endParaRPr lang="fr-FR"/>
           </a:p>
@@ -1206,7 +1515,81 @@
           <a:bodyPr/>
           <a:lstStyle/>
           <a:p>
+            <a:r>
+              <a:rPr lang="fr-FR" dirty="0"/>
+              <a:t>Mise en place des boucles ; </a:t>
+            </a:r>
+          </a:p>
+          <a:p>
             <a:endParaRPr lang="fr-FR" dirty="0"/>
+          </a:p>
+          <a:p>
+            <a:r>
+              <a:rPr lang="fr-FR" dirty="0"/>
+              <a:t>On </a:t>
+            </a:r>
+            <a:r>
+              <a:rPr lang="fr-FR" dirty="0" err="1"/>
+              <a:t>iter</a:t>
+            </a:r>
+            <a:r>
+              <a:rPr lang="fr-FR" dirty="0"/>
+              <a:t> sur nos listes créées </a:t>
+            </a:r>
+            <a:r>
+              <a:rPr lang="fr-FR" dirty="0" err="1"/>
+              <a:t>précédement</a:t>
+            </a:r>
+            <a:r>
+              <a:rPr lang="fr-FR" dirty="0"/>
+              <a:t> ; Puis on va initier un modèle SARIMA avec les paramètres (le modèle est dans la boucle). Remarquez que </a:t>
+            </a:r>
+            <a:r>
+              <a:rPr lang="fr-FR" dirty="0" err="1"/>
+              <a:t>enforce_stationarity</a:t>
+            </a:r>
+            <a:r>
+              <a:rPr lang="fr-FR" dirty="0"/>
+              <a:t> est set sur </a:t>
+            </a:r>
+            <a:r>
+              <a:rPr lang="fr-FR" dirty="0" err="1"/>
+              <a:t>True</a:t>
+            </a:r>
+            <a:r>
+              <a:rPr lang="fr-FR" dirty="0"/>
+              <a:t>, le modèle </a:t>
+            </a:r>
+            <a:r>
+              <a:rPr lang="fr-FR" dirty="0" err="1"/>
+              <a:t>stationarise</a:t>
+            </a:r>
+            <a:r>
+              <a:rPr lang="fr-FR" dirty="0"/>
+              <a:t> donc nos données [CLICK]</a:t>
+            </a:r>
+            <a:br>
+              <a:rPr lang="fr-FR" dirty="0"/>
+            </a:br>
+            <a:br>
+              <a:rPr lang="fr-FR" dirty="0"/>
+            </a:br>
+            <a:r>
+              <a:rPr lang="fr-FR" dirty="0"/>
+              <a:t>On récupère les paramètres dans les variables [CLICK]</a:t>
+            </a:r>
+          </a:p>
+          <a:p>
+            <a:endParaRPr lang="fr-FR" dirty="0"/>
+          </a:p>
+          <a:p>
+            <a:endParaRPr lang="fr-FR" dirty="0"/>
+          </a:p>
+          <a:p>
+            <a:r>
+              <a:rPr lang="fr-FR" dirty="0"/>
+              <a:t>On va ensuite faire la prédiction pour 2018 et la comparer directement avec les données observées, afin de récupérer la MSE [CLICK]</a:t>
+            </a:r>
           </a:p>
         </p:txBody>
       </p:sp>
@@ -1227,7 +1610,7 @@
           <a:p>
             <a:fld id="{325B34E7-32E1-48C9-BFA3-CE4FB073F9A9}" type="slidenum">
               <a:rPr lang="fr-FR" smtClean="0"/>
-              <a:t>24</a:t>
+              <a:t>18</a:t>
             </a:fld>
             <a:endParaRPr lang="fr-FR"/>
           </a:p>
@@ -1236,7 +1619,7 @@
     </p:spTree>
     <p:extLst>
       <p:ext uri="{BB962C8B-B14F-4D97-AF65-F5344CB8AC3E}">
-        <p14:creationId xmlns:p14="http://schemas.microsoft.com/office/powerpoint/2010/main" val="1133824942"/>
+        <p14:creationId xmlns:p14="http://schemas.microsoft.com/office/powerpoint/2010/main" val="1120077420"/>
       </p:ext>
     </p:extLst>
   </p:cSld>
@@ -1290,7 +1673,36 @@
           <a:bodyPr/>
           <a:lstStyle/>
           <a:p>
+            <a:r>
+              <a:rPr lang="fr-FR" dirty="0"/>
+              <a:t>On crée ensuite le </a:t>
+            </a:r>
+            <a:r>
+              <a:rPr lang="fr-FR" dirty="0" err="1"/>
+              <a:t>Df</a:t>
+            </a:r>
+            <a:r>
+              <a:rPr lang="fr-FR" dirty="0"/>
+              <a:t> contenant toutes les valeurs [CLICK]</a:t>
+            </a:r>
+          </a:p>
+          <a:p>
             <a:endParaRPr lang="fr-FR" dirty="0"/>
+          </a:p>
+          <a:p>
+            <a:r>
+              <a:rPr lang="fr-FR" dirty="0"/>
+              <a:t>Pour finir on va choisir les 5 lignes contenant les MSE les plus petites [CLICK]</a:t>
+            </a:r>
+          </a:p>
+          <a:p>
+            <a:endParaRPr lang="fr-FR" dirty="0"/>
+          </a:p>
+          <a:p>
+            <a:r>
+              <a:rPr lang="fr-FR" dirty="0"/>
+              <a:t>La fonction peut varier pour récupérer l’AIC le plus faible, ici c’est la prévision qui nous intéresse, nous nous concentrerons donc sur la MSE</a:t>
+            </a:r>
           </a:p>
         </p:txBody>
       </p:sp>
@@ -1311,7 +1723,7 @@
           <a:p>
             <a:fld id="{325B34E7-32E1-48C9-BFA3-CE4FB073F9A9}" type="slidenum">
               <a:rPr lang="fr-FR" smtClean="0"/>
-              <a:t>25</a:t>
+              <a:t>19</a:t>
             </a:fld>
             <a:endParaRPr lang="fr-FR"/>
           </a:p>
@@ -1320,7 +1732,7 @@
     </p:spTree>
     <p:extLst>
       <p:ext uri="{BB962C8B-B14F-4D97-AF65-F5344CB8AC3E}">
-        <p14:creationId xmlns:p14="http://schemas.microsoft.com/office/powerpoint/2010/main" val="4070164464"/>
+        <p14:creationId xmlns:p14="http://schemas.microsoft.com/office/powerpoint/2010/main" val="3132118174"/>
       </p:ext>
     </p:extLst>
   </p:cSld>
@@ -1376,7 +1788,53 @@
           <a:p>
             <a:r>
               <a:rPr lang="fr-FR" dirty="0"/>
-              <a:t>https://www.infoclimat.fr/climatologie/annee/2018/clermont-ferrand-aulnat/valeurs/07460.html</a:t>
+              <a:t>Cette fonction nous permet donc de retrouver quelle sera la meilleure prédiction en donnant uniquement les paramètres maximums. </a:t>
+            </a:r>
+            <a:br>
+              <a:rPr lang="fr-FR" dirty="0"/>
+            </a:br>
+            <a:r>
+              <a:rPr lang="fr-FR" dirty="0"/>
+              <a:t>La série est automatiquement </a:t>
+            </a:r>
+            <a:r>
+              <a:rPr lang="fr-FR" dirty="0" err="1"/>
+              <a:t>stationarisée</a:t>
+            </a:r>
+            <a:r>
+              <a:rPr lang="fr-FR" dirty="0"/>
+              <a:t> par le modèle.</a:t>
+            </a:r>
+          </a:p>
+          <a:p>
+            <a:endParaRPr lang="fr-FR" dirty="0"/>
+          </a:p>
+          <a:p>
+            <a:r>
+              <a:rPr lang="fr-FR" dirty="0"/>
+              <a:t>Pour la présentation, nous lancerons la fonction avec 2 comme paramètre maximum pour p, d et q ; </a:t>
+            </a:r>
+          </a:p>
+          <a:p>
+            <a:r>
+              <a:rPr lang="fr-FR" dirty="0"/>
+              <a:t>A titre informatif, le test a été fait avec des paramètres allant jusqu’à 4, le résultat reste le même. </a:t>
+            </a:r>
+          </a:p>
+          <a:p>
+            <a:endParaRPr lang="fr-FR" dirty="0"/>
+          </a:p>
+          <a:p>
+            <a:r>
+              <a:rPr lang="fr-FR" dirty="0"/>
+              <a:t>En lançant la fonction avec comme paramètre 2,2,2 on obtient cette liste de paramètres ; </a:t>
+            </a:r>
+            <a:br>
+              <a:rPr lang="fr-FR" dirty="0"/>
+            </a:br>
+            <a:r>
+              <a:rPr lang="fr-FR" dirty="0"/>
+              <a:t>Le meilleur étant (0,1,0) (1,0,1)12 on va donc choisir cette ligne</a:t>
             </a:r>
           </a:p>
         </p:txBody>
@@ -1398,7 +1856,7 @@
           <a:p>
             <a:fld id="{325B34E7-32E1-48C9-BFA3-CE4FB073F9A9}" type="slidenum">
               <a:rPr lang="fr-FR" smtClean="0"/>
-              <a:t>27</a:t>
+              <a:t>20</a:t>
             </a:fld>
             <a:endParaRPr lang="fr-FR"/>
           </a:p>
@@ -1407,7 +1865,7 @@
     </p:spTree>
     <p:extLst>
       <p:ext uri="{BB962C8B-B14F-4D97-AF65-F5344CB8AC3E}">
-        <p14:creationId xmlns:p14="http://schemas.microsoft.com/office/powerpoint/2010/main" val="1235642754"/>
+        <p14:creationId xmlns:p14="http://schemas.microsoft.com/office/powerpoint/2010/main" val="1133824942"/>
       </p:ext>
     </p:extLst>
   </p:cSld>
@@ -1501,6 +1959,1005 @@
 </p:notes>
 </file>
 
+<file path=ppt/notesSlides/notesSlide20.xml><?xml version="1.0" encoding="utf-8"?>
+<p:notes xmlns:a="http://schemas.openxmlformats.org/drawingml/2006/main" xmlns:r="http://schemas.openxmlformats.org/officeDocument/2006/relationships" xmlns:p="http://schemas.openxmlformats.org/presentationml/2006/main">
+  <p:cSld>
+    <p:spTree>
+      <p:nvGrpSpPr>
+        <p:cNvPr id="1" name=""/>
+        <p:cNvGrpSpPr/>
+        <p:nvPr/>
+      </p:nvGrpSpPr>
+      <p:grpSpPr>
+        <a:xfrm>
+          <a:off x="0" y="0"/>
+          <a:ext cx="0" cy="0"/>
+          <a:chOff x="0" y="0"/>
+          <a:chExt cx="0" cy="0"/>
+        </a:xfrm>
+      </p:grpSpPr>
+      <p:sp>
+        <p:nvSpPr>
+          <p:cNvPr id="2" name="Espace réservé de l'image des diapositives 1"/>
+          <p:cNvSpPr>
+            <a:spLocks noGrp="1" noRot="1" noChangeAspect="1"/>
+          </p:cNvSpPr>
+          <p:nvPr>
+            <p:ph type="sldImg"/>
+          </p:nvPr>
+        </p:nvSpPr>
+        <p:spPr/>
+      </p:sp>
+      <p:sp>
+        <p:nvSpPr>
+          <p:cNvPr id="3" name="Espace réservé des notes 2"/>
+          <p:cNvSpPr>
+            <a:spLocks noGrp="1"/>
+          </p:cNvSpPr>
+          <p:nvPr>
+            <p:ph type="body" idx="1"/>
+          </p:nvPr>
+        </p:nvSpPr>
+        <p:spPr/>
+        <p:txBody>
+          <a:bodyPr/>
+          <a:lstStyle/>
+          <a:p>
+            <a:r>
+              <a:rPr lang="fr-FR" dirty="0"/>
+              <a:t>On paramètre le modèle avec les valeurs précédemment trouvées ; [CLICK]</a:t>
+            </a:r>
+          </a:p>
+          <a:p>
+            <a:r>
+              <a:rPr lang="fr-FR" dirty="0"/>
+              <a:t>On effectue en même temps un test de </a:t>
+            </a:r>
+            <a:r>
+              <a:rPr lang="fr-FR" dirty="0" err="1"/>
+              <a:t>ljungbox</a:t>
+            </a:r>
+            <a:r>
+              <a:rPr lang="fr-FR" dirty="0"/>
+              <a:t> ainsi qu’un test de </a:t>
+            </a:r>
+            <a:r>
+              <a:rPr lang="fr-FR" dirty="0" err="1"/>
+              <a:t>shapiro</a:t>
+            </a:r>
+            <a:r>
+              <a:rPr lang="fr-FR" dirty="0"/>
+              <a:t> sur les résidus [CLICK]</a:t>
+            </a:r>
+          </a:p>
+        </p:txBody>
+      </p:sp>
+      <p:sp>
+        <p:nvSpPr>
+          <p:cNvPr id="4" name="Espace réservé du numéro de diapositive 3"/>
+          <p:cNvSpPr>
+            <a:spLocks noGrp="1"/>
+          </p:cNvSpPr>
+          <p:nvPr>
+            <p:ph type="sldNum" sz="quarter" idx="5"/>
+          </p:nvPr>
+        </p:nvSpPr>
+        <p:spPr/>
+        <p:txBody>
+          <a:bodyPr/>
+          <a:lstStyle/>
+          <a:p>
+            <a:fld id="{325B34E7-32E1-48C9-BFA3-CE4FB073F9A9}" type="slidenum">
+              <a:rPr lang="fr-FR" smtClean="0"/>
+              <a:t>21</a:t>
+            </a:fld>
+            <a:endParaRPr lang="fr-FR"/>
+          </a:p>
+        </p:txBody>
+      </p:sp>
+    </p:spTree>
+    <p:extLst>
+      <p:ext uri="{BB962C8B-B14F-4D97-AF65-F5344CB8AC3E}">
+        <p14:creationId xmlns:p14="http://schemas.microsoft.com/office/powerpoint/2010/main" val="1081070405"/>
+      </p:ext>
+    </p:extLst>
+  </p:cSld>
+  <p:clrMapOvr>
+    <a:masterClrMapping/>
+  </p:clrMapOvr>
+</p:notes>
+</file>
+
+<file path=ppt/notesSlides/notesSlide21.xml><?xml version="1.0" encoding="utf-8"?>
+<p:notes xmlns:a="http://schemas.openxmlformats.org/drawingml/2006/main" xmlns:r="http://schemas.openxmlformats.org/officeDocument/2006/relationships" xmlns:p="http://schemas.openxmlformats.org/presentationml/2006/main">
+  <p:cSld>
+    <p:spTree>
+      <p:nvGrpSpPr>
+        <p:cNvPr id="1" name=""/>
+        <p:cNvGrpSpPr/>
+        <p:nvPr/>
+      </p:nvGrpSpPr>
+      <p:grpSpPr>
+        <a:xfrm>
+          <a:off x="0" y="0"/>
+          <a:ext cx="0" cy="0"/>
+          <a:chOff x="0" y="0"/>
+          <a:chExt cx="0" cy="0"/>
+        </a:xfrm>
+      </p:grpSpPr>
+      <p:sp>
+        <p:nvSpPr>
+          <p:cNvPr id="2" name="Espace réservé de l'image des diapositives 1"/>
+          <p:cNvSpPr>
+            <a:spLocks noGrp="1" noRot="1" noChangeAspect="1"/>
+          </p:cNvSpPr>
+          <p:nvPr>
+            <p:ph type="sldImg"/>
+          </p:nvPr>
+        </p:nvSpPr>
+        <p:spPr/>
+      </p:sp>
+      <p:sp>
+        <p:nvSpPr>
+          <p:cNvPr id="3" name="Espace réservé des notes 2"/>
+          <p:cNvSpPr>
+            <a:spLocks noGrp="1"/>
+          </p:cNvSpPr>
+          <p:nvPr>
+            <p:ph type="body" idx="1"/>
+          </p:nvPr>
+        </p:nvSpPr>
+        <p:spPr/>
+        <p:txBody>
+          <a:bodyPr/>
+          <a:lstStyle/>
+          <a:p>
+            <a:r>
+              <a:rPr lang="fr-FR" dirty="0"/>
+              <a:t>Voici le résultat de SARIMAX ; Les paramètres sont bien tous significatifs </a:t>
+            </a:r>
+            <a:br>
+              <a:rPr lang="fr-FR" dirty="0"/>
+            </a:br>
+            <a:br>
+              <a:rPr lang="fr-FR" dirty="0"/>
+            </a:br>
+            <a:r>
+              <a:rPr lang="fr-FR" dirty="0"/>
+              <a:t>###(AIC de 611, ce qui est supérieur au modèle 1, pourtant la prévision est meilleure) </a:t>
+            </a:r>
+          </a:p>
+        </p:txBody>
+      </p:sp>
+      <p:sp>
+        <p:nvSpPr>
+          <p:cNvPr id="4" name="Espace réservé du numéro de diapositive 3"/>
+          <p:cNvSpPr>
+            <a:spLocks noGrp="1"/>
+          </p:cNvSpPr>
+          <p:nvPr>
+            <p:ph type="sldNum" sz="quarter" idx="5"/>
+          </p:nvPr>
+        </p:nvSpPr>
+        <p:spPr/>
+        <p:txBody>
+          <a:bodyPr/>
+          <a:lstStyle/>
+          <a:p>
+            <a:fld id="{325B34E7-32E1-48C9-BFA3-CE4FB073F9A9}" type="slidenum">
+              <a:rPr lang="fr-FR" smtClean="0"/>
+              <a:t>22</a:t>
+            </a:fld>
+            <a:endParaRPr lang="fr-FR"/>
+          </a:p>
+        </p:txBody>
+      </p:sp>
+    </p:spTree>
+    <p:extLst>
+      <p:ext uri="{BB962C8B-B14F-4D97-AF65-F5344CB8AC3E}">
+        <p14:creationId xmlns:p14="http://schemas.microsoft.com/office/powerpoint/2010/main" val="673876005"/>
+      </p:ext>
+    </p:extLst>
+  </p:cSld>
+  <p:clrMapOvr>
+    <a:masterClrMapping/>
+  </p:clrMapOvr>
+</p:notes>
+</file>
+
+<file path=ppt/notesSlides/notesSlide22.xml><?xml version="1.0" encoding="utf-8"?>
+<p:notes xmlns:a="http://schemas.openxmlformats.org/drawingml/2006/main" xmlns:r="http://schemas.openxmlformats.org/officeDocument/2006/relationships" xmlns:p="http://schemas.openxmlformats.org/presentationml/2006/main">
+  <p:cSld>
+    <p:spTree>
+      <p:nvGrpSpPr>
+        <p:cNvPr id="1" name=""/>
+        <p:cNvGrpSpPr/>
+        <p:nvPr/>
+      </p:nvGrpSpPr>
+      <p:grpSpPr>
+        <a:xfrm>
+          <a:off x="0" y="0"/>
+          <a:ext cx="0" cy="0"/>
+          <a:chOff x="0" y="0"/>
+          <a:chExt cx="0" cy="0"/>
+        </a:xfrm>
+      </p:grpSpPr>
+      <p:sp>
+        <p:nvSpPr>
+          <p:cNvPr id="2" name="Espace réservé de l'image des diapositives 1"/>
+          <p:cNvSpPr>
+            <a:spLocks noGrp="1" noRot="1" noChangeAspect="1"/>
+          </p:cNvSpPr>
+          <p:nvPr>
+            <p:ph type="sldImg"/>
+          </p:nvPr>
+        </p:nvSpPr>
+        <p:spPr/>
+      </p:sp>
+      <p:sp>
+        <p:nvSpPr>
+          <p:cNvPr id="3" name="Espace réservé des notes 2"/>
+          <p:cNvSpPr>
+            <a:spLocks noGrp="1"/>
+          </p:cNvSpPr>
+          <p:nvPr>
+            <p:ph type="body" idx="1"/>
+          </p:nvPr>
+        </p:nvSpPr>
+        <p:spPr/>
+        <p:txBody>
+          <a:bodyPr/>
+          <a:lstStyle/>
+          <a:p>
+            <a:r>
+              <a:rPr lang="fr-FR" dirty="0"/>
+              <a:t>Le test de </a:t>
+            </a:r>
+            <a:r>
+              <a:rPr lang="fr-FR" dirty="0" err="1"/>
+              <a:t>Ljungbox</a:t>
+            </a:r>
+            <a:r>
+              <a:rPr lang="fr-FR" dirty="0"/>
+              <a:t> nous indique que le résidu est un bruit blanc</a:t>
+            </a:r>
+          </a:p>
+          <a:p>
+            <a:r>
+              <a:rPr lang="fr-FR" dirty="0"/>
+              <a:t>[CLICK]</a:t>
+            </a:r>
+            <a:br>
+              <a:rPr lang="fr-FR" dirty="0"/>
+            </a:br>
+            <a:r>
+              <a:rPr lang="fr-FR" dirty="0"/>
+              <a:t>Le test de </a:t>
+            </a:r>
+            <a:r>
+              <a:rPr lang="fr-FR" dirty="0" err="1"/>
+              <a:t>shapiro</a:t>
+            </a:r>
+            <a:r>
+              <a:rPr lang="fr-FR" dirty="0"/>
+              <a:t> confirme que les résidus suivent une loi normale</a:t>
+            </a:r>
+          </a:p>
+          <a:p>
+            <a:endParaRPr lang="fr-FR" dirty="0"/>
+          </a:p>
+          <a:p>
+            <a:r>
+              <a:rPr lang="fr-FR" dirty="0"/>
+              <a:t>Le modèle est donc bon. </a:t>
+            </a:r>
+            <a:br>
+              <a:rPr lang="fr-FR" dirty="0"/>
+            </a:br>
+            <a:br>
+              <a:rPr lang="fr-FR" dirty="0"/>
+            </a:br>
+            <a:r>
+              <a:rPr lang="fr-FR" dirty="0"/>
+              <a:t>On peut d’ailleurs afficher le diagnostic pour s’en rendre compte visuellement </a:t>
+            </a:r>
+          </a:p>
+        </p:txBody>
+      </p:sp>
+      <p:sp>
+        <p:nvSpPr>
+          <p:cNvPr id="4" name="Espace réservé du numéro de diapositive 3"/>
+          <p:cNvSpPr>
+            <a:spLocks noGrp="1"/>
+          </p:cNvSpPr>
+          <p:nvPr>
+            <p:ph type="sldNum" sz="quarter" idx="5"/>
+          </p:nvPr>
+        </p:nvSpPr>
+        <p:spPr/>
+        <p:txBody>
+          <a:bodyPr/>
+          <a:lstStyle/>
+          <a:p>
+            <a:fld id="{325B34E7-32E1-48C9-BFA3-CE4FB073F9A9}" type="slidenum">
+              <a:rPr lang="fr-FR" smtClean="0"/>
+              <a:t>23</a:t>
+            </a:fld>
+            <a:endParaRPr lang="fr-FR"/>
+          </a:p>
+        </p:txBody>
+      </p:sp>
+    </p:spTree>
+    <p:extLst>
+      <p:ext uri="{BB962C8B-B14F-4D97-AF65-F5344CB8AC3E}">
+        <p14:creationId xmlns:p14="http://schemas.microsoft.com/office/powerpoint/2010/main" val="3136780546"/>
+      </p:ext>
+    </p:extLst>
+  </p:cSld>
+  <p:clrMapOvr>
+    <a:masterClrMapping/>
+  </p:clrMapOvr>
+</p:notes>
+</file>
+
+<file path=ppt/notesSlides/notesSlide23.xml><?xml version="1.0" encoding="utf-8"?>
+<p:notes xmlns:a="http://schemas.openxmlformats.org/drawingml/2006/main" xmlns:r="http://schemas.openxmlformats.org/officeDocument/2006/relationships" xmlns:p="http://schemas.openxmlformats.org/presentationml/2006/main">
+  <p:cSld>
+    <p:spTree>
+      <p:nvGrpSpPr>
+        <p:cNvPr id="1" name=""/>
+        <p:cNvGrpSpPr/>
+        <p:nvPr/>
+      </p:nvGrpSpPr>
+      <p:grpSpPr>
+        <a:xfrm>
+          <a:off x="0" y="0"/>
+          <a:ext cx="0" cy="0"/>
+          <a:chOff x="0" y="0"/>
+          <a:chExt cx="0" cy="0"/>
+        </a:xfrm>
+      </p:grpSpPr>
+      <p:sp>
+        <p:nvSpPr>
+          <p:cNvPr id="2" name="Espace réservé de l'image des diapositives 1"/>
+          <p:cNvSpPr>
+            <a:spLocks noGrp="1" noRot="1" noChangeAspect="1"/>
+          </p:cNvSpPr>
+          <p:nvPr>
+            <p:ph type="sldImg"/>
+          </p:nvPr>
+        </p:nvSpPr>
+        <p:spPr/>
+      </p:sp>
+      <p:sp>
+        <p:nvSpPr>
+          <p:cNvPr id="3" name="Espace réservé des notes 2"/>
+          <p:cNvSpPr>
+            <a:spLocks noGrp="1"/>
+          </p:cNvSpPr>
+          <p:nvPr>
+            <p:ph type="body" idx="1"/>
+          </p:nvPr>
+        </p:nvSpPr>
+        <p:spPr/>
+        <p:txBody>
+          <a:bodyPr/>
+          <a:lstStyle/>
+          <a:p>
+            <a:r>
+              <a:rPr lang="fr-FR" dirty="0"/>
+              <a:t>Pas de trend sur les résidus (image haut gauche), ils semblent suivre une loi normale (image haut droite), le </a:t>
+            </a:r>
+            <a:r>
+              <a:rPr lang="fr-FR" dirty="0" err="1"/>
+              <a:t>correlogram</a:t>
+            </a:r>
+            <a:r>
+              <a:rPr lang="fr-FR" dirty="0"/>
+              <a:t> est bon (image bas droite), et la courbe est bonne (image bas gauche)</a:t>
+            </a:r>
+          </a:p>
+        </p:txBody>
+      </p:sp>
+      <p:sp>
+        <p:nvSpPr>
+          <p:cNvPr id="4" name="Espace réservé du numéro de diapositive 3"/>
+          <p:cNvSpPr>
+            <a:spLocks noGrp="1"/>
+          </p:cNvSpPr>
+          <p:nvPr>
+            <p:ph type="sldNum" sz="quarter" idx="5"/>
+          </p:nvPr>
+        </p:nvSpPr>
+        <p:spPr/>
+        <p:txBody>
+          <a:bodyPr/>
+          <a:lstStyle/>
+          <a:p>
+            <a:fld id="{325B34E7-32E1-48C9-BFA3-CE4FB073F9A9}" type="slidenum">
+              <a:rPr lang="fr-FR" smtClean="0"/>
+              <a:t>24</a:t>
+            </a:fld>
+            <a:endParaRPr lang="fr-FR"/>
+          </a:p>
+        </p:txBody>
+      </p:sp>
+    </p:spTree>
+    <p:extLst>
+      <p:ext uri="{BB962C8B-B14F-4D97-AF65-F5344CB8AC3E}">
+        <p14:creationId xmlns:p14="http://schemas.microsoft.com/office/powerpoint/2010/main" val="3066129412"/>
+      </p:ext>
+    </p:extLst>
+  </p:cSld>
+  <p:clrMapOvr>
+    <a:masterClrMapping/>
+  </p:clrMapOvr>
+</p:notes>
+</file>
+
+<file path=ppt/notesSlides/notesSlide24.xml><?xml version="1.0" encoding="utf-8"?>
+<p:notes xmlns:a="http://schemas.openxmlformats.org/drawingml/2006/main" xmlns:r="http://schemas.openxmlformats.org/officeDocument/2006/relationships" xmlns:p="http://schemas.openxmlformats.org/presentationml/2006/main">
+  <p:cSld>
+    <p:spTree>
+      <p:nvGrpSpPr>
+        <p:cNvPr id="1" name=""/>
+        <p:cNvGrpSpPr/>
+        <p:nvPr/>
+      </p:nvGrpSpPr>
+      <p:grpSpPr>
+        <a:xfrm>
+          <a:off x="0" y="0"/>
+          <a:ext cx="0" cy="0"/>
+          <a:chOff x="0" y="0"/>
+          <a:chExt cx="0" cy="0"/>
+        </a:xfrm>
+      </p:grpSpPr>
+      <p:sp>
+        <p:nvSpPr>
+          <p:cNvPr id="2" name="Espace réservé de l'image des diapositives 1"/>
+          <p:cNvSpPr>
+            <a:spLocks noGrp="1" noRot="1" noChangeAspect="1"/>
+          </p:cNvSpPr>
+          <p:nvPr>
+            <p:ph type="sldImg"/>
+          </p:nvPr>
+        </p:nvSpPr>
+        <p:spPr/>
+      </p:sp>
+      <p:sp>
+        <p:nvSpPr>
+          <p:cNvPr id="3" name="Espace réservé des notes 2"/>
+          <p:cNvSpPr>
+            <a:spLocks noGrp="1"/>
+          </p:cNvSpPr>
+          <p:nvPr>
+            <p:ph type="body" idx="1"/>
+          </p:nvPr>
+        </p:nvSpPr>
+        <p:spPr/>
+        <p:txBody>
+          <a:bodyPr/>
+          <a:lstStyle/>
+          <a:p>
+            <a:r>
+              <a:rPr lang="fr-FR" dirty="0"/>
+              <a:t>Voici la prédiction pour l’année 2018 </a:t>
+            </a:r>
+          </a:p>
+          <a:p>
+            <a:endParaRPr lang="fr-FR" dirty="0"/>
+          </a:p>
+          <a:p>
+            <a:r>
+              <a:rPr lang="fr-FR" dirty="0"/>
+              <a:t>Regardons maintenant la courbe avec les données observées</a:t>
+            </a:r>
+          </a:p>
+        </p:txBody>
+      </p:sp>
+      <p:sp>
+        <p:nvSpPr>
+          <p:cNvPr id="4" name="Espace réservé du numéro de diapositive 3"/>
+          <p:cNvSpPr>
+            <a:spLocks noGrp="1"/>
+          </p:cNvSpPr>
+          <p:nvPr>
+            <p:ph type="sldNum" sz="quarter" idx="5"/>
+          </p:nvPr>
+        </p:nvSpPr>
+        <p:spPr/>
+        <p:txBody>
+          <a:bodyPr/>
+          <a:lstStyle/>
+          <a:p>
+            <a:fld id="{325B34E7-32E1-48C9-BFA3-CE4FB073F9A9}" type="slidenum">
+              <a:rPr lang="fr-FR" smtClean="0"/>
+              <a:t>25</a:t>
+            </a:fld>
+            <a:endParaRPr lang="fr-FR"/>
+          </a:p>
+        </p:txBody>
+      </p:sp>
+    </p:spTree>
+    <p:extLst>
+      <p:ext uri="{BB962C8B-B14F-4D97-AF65-F5344CB8AC3E}">
+        <p14:creationId xmlns:p14="http://schemas.microsoft.com/office/powerpoint/2010/main" val="4070164464"/>
+      </p:ext>
+    </p:extLst>
+  </p:cSld>
+  <p:clrMapOvr>
+    <a:masterClrMapping/>
+  </p:clrMapOvr>
+</p:notes>
+</file>
+
+<file path=ppt/notesSlides/notesSlide25.xml><?xml version="1.0" encoding="utf-8"?>
+<p:notes xmlns:a="http://schemas.openxmlformats.org/drawingml/2006/main" xmlns:r="http://schemas.openxmlformats.org/officeDocument/2006/relationships" xmlns:p="http://schemas.openxmlformats.org/presentationml/2006/main">
+  <p:cSld>
+    <p:spTree>
+      <p:nvGrpSpPr>
+        <p:cNvPr id="1" name=""/>
+        <p:cNvGrpSpPr/>
+        <p:nvPr/>
+      </p:nvGrpSpPr>
+      <p:grpSpPr>
+        <a:xfrm>
+          <a:off x="0" y="0"/>
+          <a:ext cx="0" cy="0"/>
+          <a:chOff x="0" y="0"/>
+          <a:chExt cx="0" cy="0"/>
+        </a:xfrm>
+      </p:grpSpPr>
+      <p:sp>
+        <p:nvSpPr>
+          <p:cNvPr id="2" name="Espace réservé de l'image des diapositives 1"/>
+          <p:cNvSpPr>
+            <a:spLocks noGrp="1" noRot="1" noChangeAspect="1"/>
+          </p:cNvSpPr>
+          <p:nvPr>
+            <p:ph type="sldImg"/>
+          </p:nvPr>
+        </p:nvSpPr>
+        <p:spPr/>
+      </p:sp>
+      <p:sp>
+        <p:nvSpPr>
+          <p:cNvPr id="3" name="Espace réservé des notes 2"/>
+          <p:cNvSpPr>
+            <a:spLocks noGrp="1"/>
+          </p:cNvSpPr>
+          <p:nvPr>
+            <p:ph type="body" idx="1"/>
+          </p:nvPr>
+        </p:nvSpPr>
+        <p:spPr/>
+        <p:txBody>
+          <a:bodyPr/>
+          <a:lstStyle/>
+          <a:p>
+            <a:r>
+              <a:rPr lang="fr-FR" dirty="0"/>
+              <a:t>On voit que la courbe prédite suit beaucoup plus les valeurs observées ; Les valeurs observées restent aussi dans l’intervalle de confiance de la courbe prédite. </a:t>
+            </a:r>
+            <a:br>
+              <a:rPr lang="fr-FR" dirty="0"/>
+            </a:br>
+            <a:br>
+              <a:rPr lang="fr-FR" dirty="0"/>
+            </a:br>
+            <a:r>
+              <a:rPr lang="fr-FR" dirty="0"/>
+              <a:t>Nous avons toujours un problème avec le creux de Janvier 2018 ;Le problème vient du fait que ce creux n’apparait que pour 2018, le modèle n’a donc pas pu apprendre qu’un tel creux était possible. Il faudrait voir plus en profondeur à quoi est dû ce creux, et pousser le modèle plus loin (en corrigeant la consommation par un autre facteur en plus des </a:t>
+            </a:r>
+            <a:r>
+              <a:rPr lang="fr-FR" dirty="0" err="1"/>
+              <a:t>dju</a:t>
+            </a:r>
+            <a:r>
+              <a:rPr lang="fr-FR" dirty="0"/>
+              <a:t> par exemple). </a:t>
+            </a:r>
+            <a:br>
+              <a:rPr lang="fr-FR" dirty="0"/>
+            </a:br>
+            <a:br>
+              <a:rPr lang="fr-FR" dirty="0"/>
+            </a:br>
+            <a:r>
+              <a:rPr lang="fr-FR" dirty="0"/>
+              <a:t>Voyons désormais la MSE de ce modèle : [CLICK]</a:t>
+            </a:r>
+          </a:p>
+          <a:p>
+            <a:r>
+              <a:rPr lang="fr-FR" dirty="0"/>
+              <a:t>La MSE vaut [CLICK] 191 716 </a:t>
+            </a:r>
+            <a:br>
+              <a:rPr lang="fr-FR" dirty="0"/>
+            </a:br>
+            <a:r>
+              <a:rPr lang="fr-FR" dirty="0"/>
+              <a:t>Ce qui est inférieur au modèle précédent. Nous garderons donc ce modèle pour la prédiction.</a:t>
+            </a:r>
+          </a:p>
+        </p:txBody>
+      </p:sp>
+      <p:sp>
+        <p:nvSpPr>
+          <p:cNvPr id="4" name="Espace réservé du numéro de diapositive 3"/>
+          <p:cNvSpPr>
+            <a:spLocks noGrp="1"/>
+          </p:cNvSpPr>
+          <p:nvPr>
+            <p:ph type="sldNum" sz="quarter" idx="5"/>
+          </p:nvPr>
+        </p:nvSpPr>
+        <p:spPr/>
+        <p:txBody>
+          <a:bodyPr/>
+          <a:lstStyle/>
+          <a:p>
+            <a:fld id="{325B34E7-32E1-48C9-BFA3-CE4FB073F9A9}" type="slidenum">
+              <a:rPr lang="fr-FR" smtClean="0"/>
+              <a:t>26</a:t>
+            </a:fld>
+            <a:endParaRPr lang="fr-FR"/>
+          </a:p>
+        </p:txBody>
+      </p:sp>
+    </p:spTree>
+    <p:extLst>
+      <p:ext uri="{BB962C8B-B14F-4D97-AF65-F5344CB8AC3E}">
+        <p14:creationId xmlns:p14="http://schemas.microsoft.com/office/powerpoint/2010/main" val="819581851"/>
+      </p:ext>
+    </p:extLst>
+  </p:cSld>
+  <p:clrMapOvr>
+    <a:masterClrMapping/>
+  </p:clrMapOvr>
+</p:notes>
+</file>
+
+<file path=ppt/notesSlides/notesSlide26.xml><?xml version="1.0" encoding="utf-8"?>
+<p:notes xmlns:a="http://schemas.openxmlformats.org/drawingml/2006/main" xmlns:r="http://schemas.openxmlformats.org/officeDocument/2006/relationships" xmlns:p="http://schemas.openxmlformats.org/presentationml/2006/main">
+  <p:cSld>
+    <p:spTree>
+      <p:nvGrpSpPr>
+        <p:cNvPr id="1" name=""/>
+        <p:cNvGrpSpPr/>
+        <p:nvPr/>
+      </p:nvGrpSpPr>
+      <p:grpSpPr>
+        <a:xfrm>
+          <a:off x="0" y="0"/>
+          <a:ext cx="0" cy="0"/>
+          <a:chOff x="0" y="0"/>
+          <a:chExt cx="0" cy="0"/>
+        </a:xfrm>
+      </p:grpSpPr>
+      <p:sp>
+        <p:nvSpPr>
+          <p:cNvPr id="2" name="Espace réservé de l'image des diapositives 1"/>
+          <p:cNvSpPr>
+            <a:spLocks noGrp="1" noRot="1" noChangeAspect="1"/>
+          </p:cNvSpPr>
+          <p:nvPr>
+            <p:ph type="sldImg"/>
+          </p:nvPr>
+        </p:nvSpPr>
+        <p:spPr/>
+      </p:sp>
+      <p:sp>
+        <p:nvSpPr>
+          <p:cNvPr id="3" name="Espace réservé des notes 2"/>
+          <p:cNvSpPr>
+            <a:spLocks noGrp="1"/>
+          </p:cNvSpPr>
+          <p:nvPr>
+            <p:ph type="body" idx="1"/>
+          </p:nvPr>
+        </p:nvSpPr>
+        <p:spPr/>
+        <p:txBody>
+          <a:bodyPr/>
+          <a:lstStyle/>
+          <a:p>
+            <a:r>
+              <a:rPr lang="fr-FR" dirty="0"/>
+              <a:t>https://www.infoclimat.fr/climatologie/annee/2018/clermont-ferrand-aulnat/valeurs/07460.html</a:t>
+            </a:r>
+          </a:p>
+        </p:txBody>
+      </p:sp>
+      <p:sp>
+        <p:nvSpPr>
+          <p:cNvPr id="4" name="Espace réservé du numéro de diapositive 3"/>
+          <p:cNvSpPr>
+            <a:spLocks noGrp="1"/>
+          </p:cNvSpPr>
+          <p:nvPr>
+            <p:ph type="sldNum" sz="quarter" idx="5"/>
+          </p:nvPr>
+        </p:nvSpPr>
+        <p:spPr/>
+        <p:txBody>
+          <a:bodyPr/>
+          <a:lstStyle/>
+          <a:p>
+            <a:fld id="{325B34E7-32E1-48C9-BFA3-CE4FB073F9A9}" type="slidenum">
+              <a:rPr lang="fr-FR" smtClean="0"/>
+              <a:t>28</a:t>
+            </a:fld>
+            <a:endParaRPr lang="fr-FR"/>
+          </a:p>
+        </p:txBody>
+      </p:sp>
+    </p:spTree>
+    <p:extLst>
+      <p:ext uri="{BB962C8B-B14F-4D97-AF65-F5344CB8AC3E}">
+        <p14:creationId xmlns:p14="http://schemas.microsoft.com/office/powerpoint/2010/main" val="1235642754"/>
+      </p:ext>
+    </p:extLst>
+  </p:cSld>
+  <p:clrMapOvr>
+    <a:masterClrMapping/>
+  </p:clrMapOvr>
+</p:notes>
+</file>
+
+<file path=ppt/notesSlides/notesSlide27.xml><?xml version="1.0" encoding="utf-8"?>
+<p:notes xmlns:a="http://schemas.openxmlformats.org/drawingml/2006/main" xmlns:r="http://schemas.openxmlformats.org/officeDocument/2006/relationships" xmlns:p="http://schemas.openxmlformats.org/presentationml/2006/main">
+  <p:cSld>
+    <p:spTree>
+      <p:nvGrpSpPr>
+        <p:cNvPr id="1" name=""/>
+        <p:cNvGrpSpPr/>
+        <p:nvPr/>
+      </p:nvGrpSpPr>
+      <p:grpSpPr>
+        <a:xfrm>
+          <a:off x="0" y="0"/>
+          <a:ext cx="0" cy="0"/>
+          <a:chOff x="0" y="0"/>
+          <a:chExt cx="0" cy="0"/>
+        </a:xfrm>
+      </p:grpSpPr>
+      <p:sp>
+        <p:nvSpPr>
+          <p:cNvPr id="2" name="Espace réservé de l'image des diapositives 1"/>
+          <p:cNvSpPr>
+            <a:spLocks noGrp="1" noRot="1" noChangeAspect="1"/>
+          </p:cNvSpPr>
+          <p:nvPr>
+            <p:ph type="sldImg"/>
+          </p:nvPr>
+        </p:nvSpPr>
+        <p:spPr/>
+      </p:sp>
+      <p:sp>
+        <p:nvSpPr>
+          <p:cNvPr id="3" name="Espace réservé des notes 2"/>
+          <p:cNvSpPr>
+            <a:spLocks noGrp="1"/>
+          </p:cNvSpPr>
+          <p:nvPr>
+            <p:ph type="body" idx="1"/>
+          </p:nvPr>
+        </p:nvSpPr>
+        <p:spPr/>
+        <p:txBody>
+          <a:bodyPr/>
+          <a:lstStyle/>
+          <a:p>
+            <a:endParaRPr lang="fr-FR" dirty="0"/>
+          </a:p>
+        </p:txBody>
+      </p:sp>
+      <p:sp>
+        <p:nvSpPr>
+          <p:cNvPr id="4" name="Espace réservé du numéro de diapositive 3"/>
+          <p:cNvSpPr>
+            <a:spLocks noGrp="1"/>
+          </p:cNvSpPr>
+          <p:nvPr>
+            <p:ph type="sldNum" sz="quarter" idx="5"/>
+          </p:nvPr>
+        </p:nvSpPr>
+        <p:spPr/>
+        <p:txBody>
+          <a:bodyPr/>
+          <a:lstStyle/>
+          <a:p>
+            <a:fld id="{325B34E7-32E1-48C9-BFA3-CE4FB073F9A9}" type="slidenum">
+              <a:rPr lang="fr-FR" smtClean="0"/>
+              <a:t>29</a:t>
+            </a:fld>
+            <a:endParaRPr lang="fr-FR"/>
+          </a:p>
+        </p:txBody>
+      </p:sp>
+    </p:spTree>
+    <p:extLst>
+      <p:ext uri="{BB962C8B-B14F-4D97-AF65-F5344CB8AC3E}">
+        <p14:creationId xmlns:p14="http://schemas.microsoft.com/office/powerpoint/2010/main" val="1630352046"/>
+      </p:ext>
+    </p:extLst>
+  </p:cSld>
+  <p:clrMapOvr>
+    <a:masterClrMapping/>
+  </p:clrMapOvr>
+</p:notes>
+</file>
+
+<file path=ppt/notesSlides/notesSlide28.xml><?xml version="1.0" encoding="utf-8"?>
+<p:notes xmlns:a="http://schemas.openxmlformats.org/drawingml/2006/main" xmlns:r="http://schemas.openxmlformats.org/officeDocument/2006/relationships" xmlns:p="http://schemas.openxmlformats.org/presentationml/2006/main">
+  <p:cSld>
+    <p:spTree>
+      <p:nvGrpSpPr>
+        <p:cNvPr id="1" name=""/>
+        <p:cNvGrpSpPr/>
+        <p:nvPr/>
+      </p:nvGrpSpPr>
+      <p:grpSpPr>
+        <a:xfrm>
+          <a:off x="0" y="0"/>
+          <a:ext cx="0" cy="0"/>
+          <a:chOff x="0" y="0"/>
+          <a:chExt cx="0" cy="0"/>
+        </a:xfrm>
+      </p:grpSpPr>
+      <p:sp>
+        <p:nvSpPr>
+          <p:cNvPr id="2" name="Espace réservé de l'image des diapositives 1"/>
+          <p:cNvSpPr>
+            <a:spLocks noGrp="1" noRot="1" noChangeAspect="1"/>
+          </p:cNvSpPr>
+          <p:nvPr>
+            <p:ph type="sldImg"/>
+          </p:nvPr>
+        </p:nvSpPr>
+        <p:spPr/>
+      </p:sp>
+      <p:sp>
+        <p:nvSpPr>
+          <p:cNvPr id="3" name="Espace réservé des notes 2"/>
+          <p:cNvSpPr>
+            <a:spLocks noGrp="1"/>
+          </p:cNvSpPr>
+          <p:nvPr>
+            <p:ph type="body" idx="1"/>
+          </p:nvPr>
+        </p:nvSpPr>
+        <p:spPr/>
+        <p:txBody>
+          <a:bodyPr/>
+          <a:lstStyle/>
+          <a:p>
+            <a:endParaRPr lang="fr-FR" dirty="0"/>
+          </a:p>
+        </p:txBody>
+      </p:sp>
+      <p:sp>
+        <p:nvSpPr>
+          <p:cNvPr id="4" name="Espace réservé du numéro de diapositive 3"/>
+          <p:cNvSpPr>
+            <a:spLocks noGrp="1"/>
+          </p:cNvSpPr>
+          <p:nvPr>
+            <p:ph type="sldNum" sz="quarter" idx="5"/>
+          </p:nvPr>
+        </p:nvSpPr>
+        <p:spPr/>
+        <p:txBody>
+          <a:bodyPr/>
+          <a:lstStyle/>
+          <a:p>
+            <a:fld id="{325B34E7-32E1-48C9-BFA3-CE4FB073F9A9}" type="slidenum">
+              <a:rPr lang="fr-FR" smtClean="0"/>
+              <a:t>30</a:t>
+            </a:fld>
+            <a:endParaRPr lang="fr-FR"/>
+          </a:p>
+        </p:txBody>
+      </p:sp>
+    </p:spTree>
+    <p:extLst>
+      <p:ext uri="{BB962C8B-B14F-4D97-AF65-F5344CB8AC3E}">
+        <p14:creationId xmlns:p14="http://schemas.microsoft.com/office/powerpoint/2010/main" val="922819130"/>
+      </p:ext>
+    </p:extLst>
+  </p:cSld>
+  <p:clrMapOvr>
+    <a:masterClrMapping/>
+  </p:clrMapOvr>
+</p:notes>
+</file>
+
+<file path=ppt/notesSlides/notesSlide29.xml><?xml version="1.0" encoding="utf-8"?>
+<p:notes xmlns:a="http://schemas.openxmlformats.org/drawingml/2006/main" xmlns:r="http://schemas.openxmlformats.org/officeDocument/2006/relationships" xmlns:p="http://schemas.openxmlformats.org/presentationml/2006/main">
+  <p:cSld>
+    <p:spTree>
+      <p:nvGrpSpPr>
+        <p:cNvPr id="1" name=""/>
+        <p:cNvGrpSpPr/>
+        <p:nvPr/>
+      </p:nvGrpSpPr>
+      <p:grpSpPr>
+        <a:xfrm>
+          <a:off x="0" y="0"/>
+          <a:ext cx="0" cy="0"/>
+          <a:chOff x="0" y="0"/>
+          <a:chExt cx="0" cy="0"/>
+        </a:xfrm>
+      </p:grpSpPr>
+      <p:sp>
+        <p:nvSpPr>
+          <p:cNvPr id="2" name="Espace réservé de l'image des diapositives 1"/>
+          <p:cNvSpPr>
+            <a:spLocks noGrp="1" noRot="1" noChangeAspect="1"/>
+          </p:cNvSpPr>
+          <p:nvPr>
+            <p:ph type="sldImg"/>
+          </p:nvPr>
+        </p:nvSpPr>
+        <p:spPr/>
+      </p:sp>
+      <p:sp>
+        <p:nvSpPr>
+          <p:cNvPr id="3" name="Espace réservé des notes 2"/>
+          <p:cNvSpPr>
+            <a:spLocks noGrp="1"/>
+          </p:cNvSpPr>
+          <p:nvPr>
+            <p:ph type="body" idx="1"/>
+          </p:nvPr>
+        </p:nvSpPr>
+        <p:spPr/>
+        <p:txBody>
+          <a:bodyPr/>
+          <a:lstStyle/>
+          <a:p>
+            <a:endParaRPr lang="fr-FR" dirty="0"/>
+          </a:p>
+        </p:txBody>
+      </p:sp>
+      <p:sp>
+        <p:nvSpPr>
+          <p:cNvPr id="4" name="Espace réservé du numéro de diapositive 3"/>
+          <p:cNvSpPr>
+            <a:spLocks noGrp="1"/>
+          </p:cNvSpPr>
+          <p:nvPr>
+            <p:ph type="sldNum" sz="quarter" idx="5"/>
+          </p:nvPr>
+        </p:nvSpPr>
+        <p:spPr/>
+        <p:txBody>
+          <a:bodyPr/>
+          <a:lstStyle/>
+          <a:p>
+            <a:fld id="{325B34E7-32E1-48C9-BFA3-CE4FB073F9A9}" type="slidenum">
+              <a:rPr lang="fr-FR" smtClean="0"/>
+              <a:t>31</a:t>
+            </a:fld>
+            <a:endParaRPr lang="fr-FR"/>
+          </a:p>
+        </p:txBody>
+      </p:sp>
+    </p:spTree>
+    <p:extLst>
+      <p:ext uri="{BB962C8B-B14F-4D97-AF65-F5344CB8AC3E}">
+        <p14:creationId xmlns:p14="http://schemas.microsoft.com/office/powerpoint/2010/main" val="2825069122"/>
+      </p:ext>
+    </p:extLst>
+  </p:cSld>
+  <p:clrMapOvr>
+    <a:masterClrMapping/>
+  </p:clrMapOvr>
+</p:notes>
+</file>
+
 <file path=ppt/notesSlides/notesSlide3.xml><?xml version="1.0" encoding="utf-8"?>
 <p:notes xmlns:a="http://schemas.openxmlformats.org/drawingml/2006/main" xmlns:r="http://schemas.openxmlformats.org/officeDocument/2006/relationships" xmlns:p="http://schemas.openxmlformats.org/presentationml/2006/main">
   <p:cSld>
@@ -1545,7 +3002,84 @@
           <a:bodyPr/>
           <a:lstStyle/>
           <a:p>
+            <a:r>
+              <a:rPr lang="fr-FR" dirty="0"/>
+              <a:t>Pour cette étude nous prendrons les données de température et de consommation de </a:t>
+            </a:r>
+            <a:r>
+              <a:rPr lang="fr-FR" dirty="0" err="1"/>
+              <a:t>clermont</a:t>
+            </a:r>
+            <a:r>
+              <a:rPr lang="fr-FR" dirty="0"/>
+              <a:t> </a:t>
+            </a:r>
+            <a:r>
+              <a:rPr lang="fr-FR" dirty="0" err="1"/>
+              <a:t>ferrand</a:t>
+            </a:r>
+            <a:r>
+              <a:rPr lang="fr-FR" dirty="0"/>
+              <a:t> ;</a:t>
+            </a:r>
+          </a:p>
+          <a:p>
+            <a:br>
+              <a:rPr lang="fr-FR" dirty="0"/>
+            </a:br>
+            <a:r>
+              <a:rPr lang="fr-FR" dirty="0"/>
+              <a:t>Voici à quoi ressemble le </a:t>
+            </a:r>
+            <a:r>
+              <a:rPr lang="fr-FR" dirty="0" err="1"/>
+              <a:t>Df</a:t>
+            </a:r>
+            <a:r>
+              <a:rPr lang="fr-FR" dirty="0"/>
+              <a:t> pour la consommation [CLICK]</a:t>
+            </a:r>
+          </a:p>
+          <a:p>
+            <a:r>
+              <a:rPr lang="fr-FR" dirty="0"/>
+              <a:t>Ainsi que les DJU qui nous serviront à corriger les données de consommation [CLICK]</a:t>
+            </a:r>
+          </a:p>
+          <a:p>
             <a:endParaRPr lang="fr-FR" dirty="0"/>
+          </a:p>
+          <a:p>
+            <a:r>
+              <a:rPr lang="fr-FR" dirty="0"/>
+              <a:t>Comme vous pouvez le voir, les données commencent le 1</a:t>
+            </a:r>
+            <a:r>
+              <a:rPr lang="fr-FR" baseline="30000" dirty="0"/>
+              <a:t>er</a:t>
+            </a:r>
+            <a:r>
+              <a:rPr lang="fr-FR" dirty="0"/>
+              <a:t> Janvier 2014 et se termine le 1</a:t>
+            </a:r>
+            <a:r>
+              <a:rPr lang="fr-FR" baseline="30000" dirty="0"/>
+              <a:t>er</a:t>
+            </a:r>
+            <a:r>
+              <a:rPr lang="fr-FR" dirty="0"/>
+              <a:t> Mai 2018. </a:t>
+            </a:r>
+            <a:br>
+              <a:rPr lang="fr-FR" dirty="0"/>
+            </a:br>
+            <a:br>
+              <a:rPr lang="fr-FR" dirty="0"/>
+            </a:br>
+            <a:r>
+              <a:rPr lang="fr-FR" dirty="0"/>
+              <a:t>Visualisons maintenant ces données : </a:t>
+            </a:r>
           </a:p>
         </p:txBody>
       </p:sp>
@@ -1564,9 +3098,9 @@
           <a:bodyPr/>
           <a:lstStyle/>
           <a:p>
-            <a:fld id="{5F05756B-5F5C-4EED-907C-E25857D58D0B}" type="slidenum">
+            <a:fld id="{325B34E7-32E1-48C9-BFA3-CE4FB073F9A9}" type="slidenum">
               <a:rPr lang="fr-FR" smtClean="0"/>
-              <a:t>6</a:t>
+              <a:t>4</a:t>
             </a:fld>
             <a:endParaRPr lang="fr-FR"/>
           </a:p>
@@ -1575,7 +3109,7 @@
     </p:spTree>
     <p:extLst>
       <p:ext uri="{BB962C8B-B14F-4D97-AF65-F5344CB8AC3E}">
-        <p14:creationId xmlns:p14="http://schemas.microsoft.com/office/powerpoint/2010/main" val="1995600067"/>
+        <p14:creationId xmlns:p14="http://schemas.microsoft.com/office/powerpoint/2010/main" val="658130111"/>
       </p:ext>
     </p:extLst>
   </p:cSld>
@@ -1629,7 +3163,35 @@
           <a:bodyPr/>
           <a:lstStyle/>
           <a:p>
+            <a:r>
+              <a:rPr lang="fr-FR" dirty="0"/>
+              <a:t>Tout d’abord voici les données de consommation sur la période dont nous avons parlé juste avant </a:t>
+            </a:r>
+            <a:br>
+              <a:rPr lang="fr-FR" dirty="0"/>
+            </a:br>
+            <a:br>
+              <a:rPr lang="fr-FR" dirty="0"/>
+            </a:br>
+            <a:r>
+              <a:rPr lang="fr-FR" dirty="0"/>
+              <a:t>Et voici les DJU [CLICK] </a:t>
+            </a:r>
+          </a:p>
+          <a:p>
+            <a:r>
+              <a:rPr lang="fr-FR" dirty="0"/>
+              <a:t>On voit que les deux courbes se suivent, avec quelques différences toutefois (notable sur 2018 avec un creux en Janvier)</a:t>
+            </a:r>
+          </a:p>
+          <a:p>
             <a:endParaRPr lang="fr-FR" dirty="0"/>
+          </a:p>
+          <a:p>
+            <a:r>
+              <a:rPr lang="fr-FR" dirty="0"/>
+              <a:t>Nous allons donc procéder à une correction de la consommation :</a:t>
+            </a:r>
           </a:p>
         </p:txBody>
       </p:sp>
@@ -1648,9 +3210,9 @@
           <a:bodyPr/>
           <a:lstStyle/>
           <a:p>
-            <a:fld id="{5F05756B-5F5C-4EED-907C-E25857D58D0B}" type="slidenum">
+            <a:fld id="{325B34E7-32E1-48C9-BFA3-CE4FB073F9A9}" type="slidenum">
               <a:rPr lang="fr-FR" smtClean="0"/>
-              <a:t>9</a:t>
+              <a:t>5</a:t>
             </a:fld>
             <a:endParaRPr lang="fr-FR"/>
           </a:p>
@@ -1659,7 +3221,7 @@
     </p:spTree>
     <p:extLst>
       <p:ext uri="{BB962C8B-B14F-4D97-AF65-F5344CB8AC3E}">
-        <p14:creationId xmlns:p14="http://schemas.microsoft.com/office/powerpoint/2010/main" val="3273355427"/>
+        <p14:creationId xmlns:p14="http://schemas.microsoft.com/office/powerpoint/2010/main" val="1924248216"/>
       </p:ext>
     </p:extLst>
   </p:cSld>
@@ -1713,7 +3275,10 @@
           <a:bodyPr/>
           <a:lstStyle/>
           <a:p>
-            <a:endParaRPr lang="fr-FR" dirty="0"/>
+            <a:r>
+              <a:rPr lang="fr-FR" dirty="0"/>
+              <a:t>Et pour cette correction, nous utiliserons une régression linéaire </a:t>
+            </a:r>
           </a:p>
         </p:txBody>
       </p:sp>
@@ -1734,7 +3299,7 @@
           <a:p>
             <a:fld id="{5F05756B-5F5C-4EED-907C-E25857D58D0B}" type="slidenum">
               <a:rPr lang="fr-FR" smtClean="0"/>
-              <a:t>12</a:t>
+              <a:t>6</a:t>
             </a:fld>
             <a:endParaRPr lang="fr-FR"/>
           </a:p>
@@ -1743,7 +3308,7 @@
     </p:spTree>
     <p:extLst>
       <p:ext uri="{BB962C8B-B14F-4D97-AF65-F5344CB8AC3E}">
-        <p14:creationId xmlns:p14="http://schemas.microsoft.com/office/powerpoint/2010/main" val="3746022030"/>
+        <p14:creationId xmlns:p14="http://schemas.microsoft.com/office/powerpoint/2010/main" val="1995600067"/>
       </p:ext>
     </p:extLst>
   </p:cSld>
@@ -1797,7 +3362,77 @@
           <a:bodyPr/>
           <a:lstStyle/>
           <a:p>
+            <a:r>
+              <a:rPr lang="fr-FR" dirty="0"/>
+              <a:t>Commençons par merge nos deux </a:t>
+            </a:r>
+            <a:r>
+              <a:rPr lang="fr-FR" dirty="0" err="1"/>
+              <a:t>df</a:t>
+            </a:r>
+            <a:r>
+              <a:rPr lang="fr-FR" dirty="0"/>
+              <a:t> pour en avoir un seul ; L’index contient les dates, la colonne « Consommation » la consommation, la colonne ‘valeur’ la valeur du </a:t>
+            </a:r>
+            <a:r>
+              <a:rPr lang="fr-FR" dirty="0" err="1"/>
+              <a:t>dju</a:t>
+            </a:r>
             <a:endParaRPr lang="fr-FR" dirty="0"/>
+          </a:p>
+          <a:p>
+            <a:endParaRPr lang="fr-FR" dirty="0"/>
+          </a:p>
+          <a:p>
+            <a:r>
+              <a:rPr lang="fr-FR" dirty="0"/>
+              <a:t>On procède ensuite à la </a:t>
+            </a:r>
+            <a:r>
+              <a:rPr lang="fr-FR" dirty="0" err="1"/>
+              <a:t>regression</a:t>
+            </a:r>
+            <a:r>
+              <a:rPr lang="fr-FR" dirty="0"/>
+              <a:t> avec cette ligne : [CLICK]</a:t>
+            </a:r>
+          </a:p>
+          <a:p>
+            <a:endParaRPr lang="fr-FR" dirty="0"/>
+          </a:p>
+          <a:p>
+            <a:r>
+              <a:rPr lang="fr-FR" dirty="0"/>
+              <a:t>Dont voici le </a:t>
+            </a:r>
+            <a:r>
+              <a:rPr lang="fr-FR" dirty="0" err="1"/>
+              <a:t>summary</a:t>
+            </a:r>
+            <a:r>
+              <a:rPr lang="fr-FR" dirty="0"/>
+              <a:t> [CLICK]</a:t>
+            </a:r>
+            <a:br>
+              <a:rPr lang="fr-FR" dirty="0"/>
+            </a:br>
+            <a:br>
+              <a:rPr lang="fr-FR" dirty="0"/>
+            </a:br>
+            <a:r>
+              <a:rPr lang="fr-FR" dirty="0"/>
+              <a:t>On voit que tous les paramètres sont significatifs [CLICK] et que le R² est à 0.912 [CLICK], le modèle est donc satisfaisant.</a:t>
+            </a:r>
+            <a:br>
+              <a:rPr lang="fr-FR" dirty="0"/>
+            </a:br>
+            <a:br>
+              <a:rPr lang="fr-FR" dirty="0"/>
+            </a:br>
+            <a:r>
+              <a:rPr lang="fr-FR" dirty="0"/>
+              <a:t>Visualisons maintenant les données.</a:t>
+            </a:r>
           </a:p>
         </p:txBody>
       </p:sp>
@@ -1816,9 +3451,9 @@
           <a:bodyPr/>
           <a:lstStyle/>
           <a:p>
-            <a:fld id="{5F05756B-5F5C-4EED-907C-E25857D58D0B}" type="slidenum">
+            <a:fld id="{325B34E7-32E1-48C9-BFA3-CE4FB073F9A9}" type="slidenum">
               <a:rPr lang="fr-FR" smtClean="0"/>
-              <a:t>13</a:t>
+              <a:t>7</a:t>
             </a:fld>
             <a:endParaRPr lang="fr-FR"/>
           </a:p>
@@ -1827,7 +3462,7 @@
     </p:spTree>
     <p:extLst>
       <p:ext uri="{BB962C8B-B14F-4D97-AF65-F5344CB8AC3E}">
-        <p14:creationId xmlns:p14="http://schemas.microsoft.com/office/powerpoint/2010/main" val="3274164730"/>
+        <p14:creationId xmlns:p14="http://schemas.microsoft.com/office/powerpoint/2010/main" val="1533913093"/>
       </p:ext>
     </p:extLst>
   </p:cSld>
@@ -1881,7 +3516,54 @@
           <a:bodyPr/>
           <a:lstStyle/>
           <a:p>
+            <a:r>
+              <a:rPr lang="fr-FR" dirty="0"/>
+              <a:t>Pour cela on va récupérer les données avec un .</a:t>
+            </a:r>
+            <a:r>
+              <a:rPr lang="fr-FR" dirty="0" err="1"/>
+              <a:t>predict</a:t>
+            </a:r>
+            <a:r>
+              <a:rPr lang="fr-FR" dirty="0"/>
+              <a:t>() </a:t>
+            </a:r>
+            <a:br>
+              <a:rPr lang="fr-FR" dirty="0"/>
+            </a:br>
+            <a:r>
+              <a:rPr lang="fr-FR" dirty="0"/>
+              <a:t>On prépare ensuite le plot [CLICK] Ici le but est d’avoir les deux courbes (conso et conso corrigée) pour s’apercevoir des modifications </a:t>
+            </a:r>
+            <a:br>
+              <a:rPr lang="fr-FR" dirty="0"/>
+            </a:br>
+            <a:br>
+              <a:rPr lang="fr-FR" dirty="0"/>
+            </a:br>
+            <a:r>
+              <a:rPr lang="fr-FR" dirty="0"/>
+              <a:t>Voici les courbes [CLICK]</a:t>
+            </a:r>
+          </a:p>
+          <a:p>
             <a:endParaRPr lang="fr-FR" dirty="0"/>
+          </a:p>
+          <a:p>
+            <a:r>
+              <a:rPr lang="fr-FR" dirty="0"/>
+              <a:t>On voit bien ici que la courbe a été corrigée (on retrouve d’ailleurs notre creux en Janvier 2018)</a:t>
+            </a:r>
+            <a:br>
+              <a:rPr lang="fr-FR" dirty="0"/>
+            </a:br>
+            <a:br>
+              <a:rPr lang="fr-FR" dirty="0"/>
+            </a:br>
+            <a:r>
+              <a:rPr lang="fr-FR" dirty="0"/>
+              <a:t>Nous allons maintenant désaisonnaliser notre série, à l’aide de moyennes mobiles.</a:t>
+            </a:r>
           </a:p>
         </p:txBody>
       </p:sp>
@@ -1902,7 +3584,7 @@
           <a:p>
             <a:fld id="{325B34E7-32E1-48C9-BFA3-CE4FB073F9A9}" type="slidenum">
               <a:rPr lang="fr-FR" smtClean="0"/>
-              <a:t>14</a:t>
+              <a:t>8</a:t>
             </a:fld>
             <a:endParaRPr lang="fr-FR"/>
           </a:p>
@@ -1911,7 +3593,7 @@
     </p:spTree>
     <p:extLst>
       <p:ext uri="{BB962C8B-B14F-4D97-AF65-F5344CB8AC3E}">
-        <p14:creationId xmlns:p14="http://schemas.microsoft.com/office/powerpoint/2010/main" val="3886861160"/>
+        <p14:creationId xmlns:p14="http://schemas.microsoft.com/office/powerpoint/2010/main" val="80299532"/>
       </p:ext>
     </p:extLst>
   </p:cSld>
@@ -1984,9 +3666,9 @@
           <a:bodyPr/>
           <a:lstStyle/>
           <a:p>
-            <a:fld id="{325B34E7-32E1-48C9-BFA3-CE4FB073F9A9}" type="slidenum">
+            <a:fld id="{5F05756B-5F5C-4EED-907C-E25857D58D0B}" type="slidenum">
               <a:rPr lang="fr-FR" smtClean="0"/>
-              <a:t>15</a:t>
+              <a:t>9</a:t>
             </a:fld>
             <a:endParaRPr lang="fr-FR"/>
           </a:p>
@@ -1995,7 +3677,7 @@
     </p:spTree>
     <p:extLst>
       <p:ext uri="{BB962C8B-B14F-4D97-AF65-F5344CB8AC3E}">
-        <p14:creationId xmlns:p14="http://schemas.microsoft.com/office/powerpoint/2010/main" val="3059698034"/>
+        <p14:creationId xmlns:p14="http://schemas.microsoft.com/office/powerpoint/2010/main" val="3273355427"/>
       </p:ext>
     </p:extLst>
   </p:cSld>
@@ -2049,7 +3731,107 @@
           <a:bodyPr/>
           <a:lstStyle/>
           <a:p>
+            <a:r>
+              <a:rPr lang="fr-FR" dirty="0"/>
+              <a:t>Pour cela on va récupérer notre </a:t>
+            </a:r>
+            <a:r>
+              <a:rPr lang="fr-FR" dirty="0" err="1"/>
+              <a:t>df</a:t>
+            </a:r>
+            <a:r>
+              <a:rPr lang="fr-FR" dirty="0"/>
+              <a:t> dans une variable x ; On ne garde que la </a:t>
+            </a:r>
+            <a:r>
+              <a:rPr lang="fr-FR" dirty="0" err="1"/>
+              <a:t>prediction</a:t>
+            </a:r>
+            <a:r>
+              <a:rPr lang="fr-FR" dirty="0"/>
+              <a:t> du modèle (notre conso corrigée donc).</a:t>
+            </a:r>
+            <a:br>
+              <a:rPr lang="fr-FR" dirty="0"/>
+            </a:br>
             <a:endParaRPr lang="fr-FR" dirty="0"/>
+          </a:p>
+          <a:p>
+            <a:r>
+              <a:rPr lang="fr-FR" dirty="0"/>
+              <a:t>On applique ensuite la fonction </a:t>
+            </a:r>
+            <a:r>
+              <a:rPr lang="fr-FR" dirty="0" err="1"/>
+              <a:t>seasonal_decompose</a:t>
+            </a:r>
+            <a:r>
+              <a:rPr lang="fr-FR" dirty="0"/>
+              <a:t> [CLICK] </a:t>
+            </a:r>
+          </a:p>
+          <a:p>
+            <a:endParaRPr lang="fr-FR" dirty="0"/>
+          </a:p>
+          <a:p>
+            <a:r>
+              <a:rPr lang="fr-FR" dirty="0"/>
+              <a:t>Et on obtient le graph suivant : [CLICK]</a:t>
+            </a:r>
+            <a:br>
+              <a:rPr lang="fr-FR" dirty="0"/>
+            </a:br>
+            <a:br>
+              <a:rPr lang="fr-FR" dirty="0"/>
+            </a:br>
+            <a:r>
+              <a:rPr lang="fr-FR" dirty="0"/>
+              <a:t>Ce graph se décompose en 4 parties : </a:t>
+            </a:r>
+            <a:br>
+              <a:rPr lang="fr-FR" dirty="0"/>
+            </a:br>
+            <a:r>
+              <a:rPr lang="fr-FR" dirty="0"/>
+              <a:t>-Les données observées, les données corrigées donc</a:t>
+            </a:r>
+            <a:br>
+              <a:rPr lang="fr-FR" dirty="0"/>
+            </a:br>
+            <a:r>
+              <a:rPr lang="fr-FR" dirty="0"/>
+              <a:t>-La trend de la série, on observe ici une trend qui augmente d’abord puis diminue mi 2016</a:t>
+            </a:r>
+          </a:p>
+          <a:p>
+            <a:r>
+              <a:rPr lang="fr-FR" dirty="0"/>
+              <a:t>-La </a:t>
+            </a:r>
+            <a:r>
+              <a:rPr lang="fr-FR" dirty="0" err="1"/>
+              <a:t>saisonalité</a:t>
+            </a:r>
+            <a:r>
+              <a:rPr lang="fr-FR" dirty="0"/>
+              <a:t>, ici nous avons une saisonnalité sur 12 mois, la conso remonte chaque hiver, et baisse chaque été</a:t>
+            </a:r>
+          </a:p>
+          <a:p>
+            <a:r>
+              <a:rPr lang="fr-FR" dirty="0"/>
+              <a:t>-Les résidus, qui nous intéresserons plus tard dans la présentation.</a:t>
+            </a:r>
+            <a:br>
+              <a:rPr lang="fr-FR" dirty="0"/>
+            </a:br>
+            <a:br>
+              <a:rPr lang="fr-FR" dirty="0"/>
+            </a:br>
+            <a:r>
+              <a:rPr lang="fr-FR" dirty="0"/>
+              <a:t>Visualisons maintenant cette moyenne mobile :</a:t>
+            </a:r>
           </a:p>
         </p:txBody>
       </p:sp>
@@ -2068,9 +3850,9 @@
           <a:bodyPr/>
           <a:lstStyle/>
           <a:p>
-            <a:fld id="{5F05756B-5F5C-4EED-907C-E25857D58D0B}" type="slidenum">
+            <a:fld id="{325B34E7-32E1-48C9-BFA3-CE4FB073F9A9}" type="slidenum">
               <a:rPr lang="fr-FR" smtClean="0"/>
-              <a:t>16</a:t>
+              <a:t>10</a:t>
             </a:fld>
             <a:endParaRPr lang="fr-FR"/>
           </a:p>
@@ -2079,7 +3861,7 @@
     </p:spTree>
     <p:extLst>
       <p:ext uri="{BB962C8B-B14F-4D97-AF65-F5344CB8AC3E}">
-        <p14:creationId xmlns:p14="http://schemas.microsoft.com/office/powerpoint/2010/main" val="2785738055"/>
+        <p14:creationId xmlns:p14="http://schemas.microsoft.com/office/powerpoint/2010/main" val="1011038852"/>
       </p:ext>
     </p:extLst>
   </p:cSld>
@@ -2236,7 +4018,7 @@
           <a:p>
             <a:fld id="{2D857B19-A201-4351-B69C-6F9100DB4F49}" type="datetimeFigureOut">
               <a:rPr lang="fr-FR" smtClean="0"/>
-              <a:t>12/08/2019</a:t>
+              <a:t>13/08/2019</a:t>
             </a:fld>
             <a:endParaRPr lang="fr-FR"/>
           </a:p>
@@ -2434,7 +4216,7 @@
           <a:p>
             <a:fld id="{2D857B19-A201-4351-B69C-6F9100DB4F49}" type="datetimeFigureOut">
               <a:rPr lang="fr-FR" smtClean="0"/>
-              <a:t>12/08/2019</a:t>
+              <a:t>13/08/2019</a:t>
             </a:fld>
             <a:endParaRPr lang="fr-FR"/>
           </a:p>
@@ -2642,7 +4424,7 @@
           <a:p>
             <a:fld id="{2D857B19-A201-4351-B69C-6F9100DB4F49}" type="datetimeFigureOut">
               <a:rPr lang="fr-FR" smtClean="0"/>
-              <a:t>12/08/2019</a:t>
+              <a:t>13/08/2019</a:t>
             </a:fld>
             <a:endParaRPr lang="fr-FR"/>
           </a:p>
@@ -2840,7 +4622,7 @@
           <a:p>
             <a:fld id="{2D857B19-A201-4351-B69C-6F9100DB4F49}" type="datetimeFigureOut">
               <a:rPr lang="fr-FR" smtClean="0"/>
-              <a:t>12/08/2019</a:t>
+              <a:t>13/08/2019</a:t>
             </a:fld>
             <a:endParaRPr lang="fr-FR"/>
           </a:p>
@@ -3115,7 +4897,7 @@
           <a:p>
             <a:fld id="{2D857B19-A201-4351-B69C-6F9100DB4F49}" type="datetimeFigureOut">
               <a:rPr lang="fr-FR" smtClean="0"/>
-              <a:t>12/08/2019</a:t>
+              <a:t>13/08/2019</a:t>
             </a:fld>
             <a:endParaRPr lang="fr-FR"/>
           </a:p>
@@ -3380,7 +5162,7 @@
           <a:p>
             <a:fld id="{2D857B19-A201-4351-B69C-6F9100DB4F49}" type="datetimeFigureOut">
               <a:rPr lang="fr-FR" smtClean="0"/>
-              <a:t>12/08/2019</a:t>
+              <a:t>13/08/2019</a:t>
             </a:fld>
             <a:endParaRPr lang="fr-FR"/>
           </a:p>
@@ -3792,7 +5574,7 @@
           <a:p>
             <a:fld id="{2D857B19-A201-4351-B69C-6F9100DB4F49}" type="datetimeFigureOut">
               <a:rPr lang="fr-FR" smtClean="0"/>
-              <a:t>12/08/2019</a:t>
+              <a:t>13/08/2019</a:t>
             </a:fld>
             <a:endParaRPr lang="fr-FR"/>
           </a:p>
@@ -3933,7 +5715,7 @@
           <a:p>
             <a:fld id="{2D857B19-A201-4351-B69C-6F9100DB4F49}" type="datetimeFigureOut">
               <a:rPr lang="fr-FR" smtClean="0"/>
-              <a:t>12/08/2019</a:t>
+              <a:t>13/08/2019</a:t>
             </a:fld>
             <a:endParaRPr lang="fr-FR"/>
           </a:p>
@@ -4046,7 +5828,7 @@
           <a:p>
             <a:fld id="{2D857B19-A201-4351-B69C-6F9100DB4F49}" type="datetimeFigureOut">
               <a:rPr lang="fr-FR" smtClean="0"/>
-              <a:t>12/08/2019</a:t>
+              <a:t>13/08/2019</a:t>
             </a:fld>
             <a:endParaRPr lang="fr-FR"/>
           </a:p>
@@ -4357,7 +6139,7 @@
           <a:p>
             <a:fld id="{2D857B19-A201-4351-B69C-6F9100DB4F49}" type="datetimeFigureOut">
               <a:rPr lang="fr-FR" smtClean="0"/>
-              <a:t>12/08/2019</a:t>
+              <a:t>13/08/2019</a:t>
             </a:fld>
             <a:endParaRPr lang="fr-FR"/>
           </a:p>
@@ -4645,7 +6427,7 @@
           <a:p>
             <a:fld id="{2D857B19-A201-4351-B69C-6F9100DB4F49}" type="datetimeFigureOut">
               <a:rPr lang="fr-FR" smtClean="0"/>
-              <a:t>12/08/2019</a:t>
+              <a:t>13/08/2019</a:t>
             </a:fld>
             <a:endParaRPr lang="fr-FR"/>
           </a:p>
@@ -4886,7 +6668,7 @@
           <a:p>
             <a:fld id="{2D857B19-A201-4351-B69C-6F9100DB4F49}" type="datetimeFigureOut">
               <a:rPr lang="fr-FR" smtClean="0"/>
-              <a:t>12/08/2019</a:t>
+              <a:t>13/08/2019</a:t>
             </a:fld>
             <a:endParaRPr lang="fr-FR"/>
           </a:p>
@@ -5698,7 +7480,7 @@
           <p:nvPr/>
         </p:nvPicPr>
         <p:blipFill>
-          <a:blip r:embed="rId2">
+          <a:blip r:embed="rId3">
             <a:extLst>
               <a:ext uri="{28A0092B-C50C-407E-A947-70E740481C1C}">
                 <a14:useLocalDpi xmlns:a14="http://schemas.microsoft.com/office/drawing/2010/main" val="0"/>
@@ -5734,7 +7516,7 @@
           <p:nvPr/>
         </p:nvPicPr>
         <p:blipFill>
-          <a:blip r:embed="rId3"/>
+          <a:blip r:embed="rId4"/>
           <a:stretch>
             <a:fillRect/>
           </a:stretch>
@@ -5764,7 +7546,7 @@
           <p:nvPr/>
         </p:nvPicPr>
         <p:blipFill rotWithShape="1">
-          <a:blip r:embed="rId4">
+          <a:blip r:embed="rId5">
             <a:extLst>
               <a:ext uri="{28A0092B-C50C-407E-A947-70E740481C1C}">
                 <a14:useLocalDpi xmlns:a14="http://schemas.microsoft.com/office/drawing/2010/main" val="0"/>
@@ -5799,7 +7581,7 @@
           <p:nvPr/>
         </p:nvPicPr>
         <p:blipFill>
-          <a:blip r:embed="rId5"/>
+          <a:blip r:embed="rId6"/>
           <a:stretch>
             <a:fillRect/>
           </a:stretch>
@@ -5824,6 +7606,126 @@
   <p:clrMapOvr>
     <a:masterClrMapping/>
   </p:clrMapOvr>
+  <p:timing>
+    <p:tnLst>
+      <p:par>
+        <p:cTn id="1" dur="indefinite" restart="never" nodeType="tmRoot">
+          <p:childTnLst>
+            <p:seq concurrent="1" nextAc="seek">
+              <p:cTn id="2" dur="indefinite" nodeType="mainSeq">
+                <p:childTnLst>
+                  <p:par>
+                    <p:cTn id="3" fill="hold">
+                      <p:stCondLst>
+                        <p:cond delay="indefinite"/>
+                      </p:stCondLst>
+                      <p:childTnLst>
+                        <p:par>
+                          <p:cTn id="4" fill="hold">
+                            <p:stCondLst>
+                              <p:cond delay="0"/>
+                            </p:stCondLst>
+                            <p:childTnLst>
+                              <p:par>
+                                <p:cTn id="5" presetID="1" presetClass="entr" presetSubtype="0" fill="hold" nodeType="clickEffect">
+                                  <p:stCondLst>
+                                    <p:cond delay="0"/>
+                                  </p:stCondLst>
+                                  <p:childTnLst>
+                                    <p:set>
+                                      <p:cBhvr>
+                                        <p:cTn id="6" dur="1" fill="hold">
+                                          <p:stCondLst>
+                                            <p:cond delay="0"/>
+                                          </p:stCondLst>
+                                        </p:cTn>
+                                        <p:tgtEl>
+                                          <p:spTgt spid="7"/>
+                                        </p:tgtEl>
+                                        <p:attrNameLst>
+                                          <p:attrName>style.visibility</p:attrName>
+                                        </p:attrNameLst>
+                                      </p:cBhvr>
+                                      <p:to>
+                                        <p:strVal val="visible"/>
+                                      </p:to>
+                                    </p:set>
+                                  </p:childTnLst>
+                                </p:cTn>
+                              </p:par>
+                            </p:childTnLst>
+                          </p:cTn>
+                        </p:par>
+                      </p:childTnLst>
+                    </p:cTn>
+                  </p:par>
+                  <p:par>
+                    <p:cTn id="7" fill="hold">
+                      <p:stCondLst>
+                        <p:cond delay="indefinite"/>
+                      </p:stCondLst>
+                      <p:childTnLst>
+                        <p:par>
+                          <p:cTn id="8" fill="hold">
+                            <p:stCondLst>
+                              <p:cond delay="0"/>
+                            </p:stCondLst>
+                            <p:childTnLst>
+                              <p:par>
+                                <p:cTn id="9" presetID="1" presetClass="entr" presetSubtype="0" fill="hold" nodeType="clickEffect">
+                                  <p:stCondLst>
+                                    <p:cond delay="0"/>
+                                  </p:stCondLst>
+                                  <p:childTnLst>
+                                    <p:set>
+                                      <p:cBhvr>
+                                        <p:cTn id="10" dur="1" fill="hold">
+                                          <p:stCondLst>
+                                            <p:cond delay="0"/>
+                                          </p:stCondLst>
+                                        </p:cTn>
+                                        <p:tgtEl>
+                                          <p:spTgt spid="6"/>
+                                        </p:tgtEl>
+                                        <p:attrNameLst>
+                                          <p:attrName>style.visibility</p:attrName>
+                                        </p:attrNameLst>
+                                      </p:cBhvr>
+                                      <p:to>
+                                        <p:strVal val="visible"/>
+                                      </p:to>
+                                    </p:set>
+                                  </p:childTnLst>
+                                </p:cTn>
+                              </p:par>
+                            </p:childTnLst>
+                          </p:cTn>
+                        </p:par>
+                      </p:childTnLst>
+                    </p:cTn>
+                  </p:par>
+                </p:childTnLst>
+              </p:cTn>
+              <p:prevCondLst>
+                <p:cond evt="onPrev" delay="0">
+                  <p:tgtEl>
+                    <p:sldTgt/>
+                  </p:tgtEl>
+                </p:cond>
+              </p:prevCondLst>
+              <p:nextCondLst>
+                <p:cond evt="onNext" delay="0">
+                  <p:tgtEl>
+                    <p:sldTgt/>
+                  </p:tgtEl>
+                </p:cond>
+              </p:nextCondLst>
+            </p:seq>
+          </p:childTnLst>
+        </p:cTn>
+      </p:par>
+    </p:tnLst>
+  </p:timing>
 </p:sld>
 </file>
 
@@ -5859,7 +7761,7 @@
           <p:nvPr/>
         </p:nvPicPr>
         <p:blipFill>
-          <a:blip r:embed="rId2">
+          <a:blip r:embed="rId3">
             <a:extLst>
               <a:ext uri="{28A0092B-C50C-407E-A947-70E740481C1C}">
                 <a14:useLocalDpi xmlns:a14="http://schemas.microsoft.com/office/drawing/2010/main" val="0"/>
@@ -5895,7 +7797,7 @@
           <p:nvPr/>
         </p:nvPicPr>
         <p:blipFill>
-          <a:blip r:embed="rId3"/>
+          <a:blip r:embed="rId4"/>
           <a:stretch>
             <a:fillRect/>
           </a:stretch>
@@ -5925,7 +7827,7 @@
           <p:nvPr/>
         </p:nvPicPr>
         <p:blipFill>
-          <a:blip r:embed="rId4"/>
+          <a:blip r:embed="rId5"/>
           <a:stretch>
             <a:fillRect/>
           </a:stretch>
@@ -5955,7 +7857,7 @@
           <p:nvPr/>
         </p:nvPicPr>
         <p:blipFill rotWithShape="1">
-          <a:blip r:embed="rId5">
+          <a:blip r:embed="rId6">
             <a:extLst>
               <a:ext uri="{28A0092B-C50C-407E-A947-70E740481C1C}">
                 <a14:useLocalDpi xmlns:a14="http://schemas.microsoft.com/office/drawing/2010/main" val="0"/>
@@ -5985,6 +7887,108 @@
   <p:clrMapOvr>
     <a:masterClrMapping/>
   </p:clrMapOvr>
+  <p:timing>
+    <p:tnLst>
+      <p:par>
+        <p:cTn id="1" dur="indefinite" restart="never" nodeType="tmRoot">
+          <p:childTnLst>
+            <p:seq concurrent="1" nextAc="seek">
+              <p:cTn id="2" dur="indefinite" nodeType="mainSeq">
+                <p:childTnLst>
+                  <p:par>
+                    <p:cTn id="3" fill="hold">
+                      <p:stCondLst>
+                        <p:cond delay="indefinite"/>
+                      </p:stCondLst>
+                      <p:childTnLst>
+                        <p:par>
+                          <p:cTn id="4" fill="hold">
+                            <p:stCondLst>
+                              <p:cond delay="0"/>
+                            </p:stCondLst>
+                            <p:childTnLst>
+                              <p:par>
+                                <p:cTn id="5" presetID="1" presetClass="entr" presetSubtype="0" fill="hold" nodeType="clickEffect">
+                                  <p:stCondLst>
+                                    <p:cond delay="0"/>
+                                  </p:stCondLst>
+                                  <p:childTnLst>
+                                    <p:set>
+                                      <p:cBhvr>
+                                        <p:cTn id="6" dur="1" fill="hold">
+                                          <p:stCondLst>
+                                            <p:cond delay="0"/>
+                                          </p:stCondLst>
+                                        </p:cTn>
+                                        <p:tgtEl>
+                                          <p:spTgt spid="5"/>
+                                        </p:tgtEl>
+                                        <p:attrNameLst>
+                                          <p:attrName>style.visibility</p:attrName>
+                                        </p:attrNameLst>
+                                      </p:cBhvr>
+                                      <p:to>
+                                        <p:strVal val="visible"/>
+                                      </p:to>
+                                    </p:set>
+                                  </p:childTnLst>
+                                </p:cTn>
+                              </p:par>
+                              <p:par>
+                                <p:cTn id="7" presetID="1" presetClass="entr" presetSubtype="0" fill="hold" nodeType="withEffect">
+                                  <p:stCondLst>
+                                    <p:cond delay="0"/>
+                                  </p:stCondLst>
+                                  <p:childTnLst>
+                                    <p:set>
+                                      <p:cBhvr>
+                                        <p:cTn id="8" dur="1" fill="hold">
+                                          <p:stCondLst>
+                                            <p:cond delay="0"/>
+                                          </p:stCondLst>
+                                        </p:cTn>
+                                        <p:tgtEl>
+                                          <p:spTgt spid="7"/>
+                                        </p:tgtEl>
+                                        <p:attrNameLst>
+                                          <p:attrName>style.visibility</p:attrName>
+                                        </p:attrNameLst>
+                                      </p:cBhvr>
+                                      <p:to>
+                                        <p:strVal val="visible"/>
+                                      </p:to>
+                                    </p:set>
+                                  </p:childTnLst>
+                                </p:cTn>
+                              </p:par>
+                            </p:childTnLst>
+                          </p:cTn>
+                        </p:par>
+                      </p:childTnLst>
+                    </p:cTn>
+                  </p:par>
+                </p:childTnLst>
+              </p:cTn>
+              <p:prevCondLst>
+                <p:cond evt="onPrev" delay="0">
+                  <p:tgtEl>
+                    <p:sldTgt/>
+                  </p:tgtEl>
+                </p:cond>
+              </p:prevCondLst>
+              <p:nextCondLst>
+                <p:cond evt="onNext" delay="0">
+                  <p:tgtEl>
+                    <p:sldTgt/>
+                  </p:tgtEl>
+                </p:cond>
+              </p:nextCondLst>
+            </p:seq>
+          </p:childTnLst>
+        </p:cTn>
+      </p:par>
+    </p:tnLst>
+  </p:timing>
 </p:sld>
 </file>
 
@@ -7204,6 +9208,126 @@
   <p:clrMapOvr>
     <a:masterClrMapping/>
   </p:clrMapOvr>
+  <p:timing>
+    <p:tnLst>
+      <p:par>
+        <p:cTn id="1" dur="indefinite" restart="never" nodeType="tmRoot">
+          <p:childTnLst>
+            <p:seq concurrent="1" nextAc="seek">
+              <p:cTn id="2" dur="indefinite" nodeType="mainSeq">
+                <p:childTnLst>
+                  <p:par>
+                    <p:cTn id="3" fill="hold">
+                      <p:stCondLst>
+                        <p:cond delay="indefinite"/>
+                      </p:stCondLst>
+                      <p:childTnLst>
+                        <p:par>
+                          <p:cTn id="4" fill="hold">
+                            <p:stCondLst>
+                              <p:cond delay="0"/>
+                            </p:stCondLst>
+                            <p:childTnLst>
+                              <p:par>
+                                <p:cTn id="5" presetID="1" presetClass="entr" presetSubtype="0" fill="hold" nodeType="clickEffect">
+                                  <p:stCondLst>
+                                    <p:cond delay="0"/>
+                                  </p:stCondLst>
+                                  <p:childTnLst>
+                                    <p:set>
+                                      <p:cBhvr>
+                                        <p:cTn id="6" dur="1" fill="hold">
+                                          <p:stCondLst>
+                                            <p:cond delay="0"/>
+                                          </p:stCondLst>
+                                        </p:cTn>
+                                        <p:tgtEl>
+                                          <p:spTgt spid="6"/>
+                                        </p:tgtEl>
+                                        <p:attrNameLst>
+                                          <p:attrName>style.visibility</p:attrName>
+                                        </p:attrNameLst>
+                                      </p:cBhvr>
+                                      <p:to>
+                                        <p:strVal val="visible"/>
+                                      </p:to>
+                                    </p:set>
+                                  </p:childTnLst>
+                                </p:cTn>
+                              </p:par>
+                            </p:childTnLst>
+                          </p:cTn>
+                        </p:par>
+                      </p:childTnLst>
+                    </p:cTn>
+                  </p:par>
+                  <p:par>
+                    <p:cTn id="7" fill="hold">
+                      <p:stCondLst>
+                        <p:cond delay="indefinite"/>
+                      </p:stCondLst>
+                      <p:childTnLst>
+                        <p:par>
+                          <p:cTn id="8" fill="hold">
+                            <p:stCondLst>
+                              <p:cond delay="0"/>
+                            </p:stCondLst>
+                            <p:childTnLst>
+                              <p:par>
+                                <p:cTn id="9" presetID="1" presetClass="entr" presetSubtype="0" fill="hold" nodeType="clickEffect">
+                                  <p:stCondLst>
+                                    <p:cond delay="0"/>
+                                  </p:stCondLst>
+                                  <p:childTnLst>
+                                    <p:set>
+                                      <p:cBhvr>
+                                        <p:cTn id="10" dur="1" fill="hold">
+                                          <p:stCondLst>
+                                            <p:cond delay="0"/>
+                                          </p:stCondLst>
+                                        </p:cTn>
+                                        <p:tgtEl>
+                                          <p:spTgt spid="8"/>
+                                        </p:tgtEl>
+                                        <p:attrNameLst>
+                                          <p:attrName>style.visibility</p:attrName>
+                                        </p:attrNameLst>
+                                      </p:cBhvr>
+                                      <p:to>
+                                        <p:strVal val="visible"/>
+                                      </p:to>
+                                    </p:set>
+                                  </p:childTnLst>
+                                </p:cTn>
+                              </p:par>
+                            </p:childTnLst>
+                          </p:cTn>
+                        </p:par>
+                      </p:childTnLst>
+                    </p:cTn>
+                  </p:par>
+                </p:childTnLst>
+              </p:cTn>
+              <p:prevCondLst>
+                <p:cond evt="onPrev" delay="0">
+                  <p:tgtEl>
+                    <p:sldTgt/>
+                  </p:tgtEl>
+                </p:cond>
+              </p:prevCondLst>
+              <p:nextCondLst>
+                <p:cond evt="onNext" delay="0">
+                  <p:tgtEl>
+                    <p:sldTgt/>
+                  </p:tgtEl>
+                </p:cond>
+              </p:nextCondLst>
+            </p:seq>
+          </p:childTnLst>
+        </p:cTn>
+      </p:par>
+    </p:tnLst>
+  </p:timing>
 </p:sld>
 </file>
 
@@ -7395,6 +9519,171 @@
   <p:clrMapOvr>
     <a:masterClrMapping/>
   </p:clrMapOvr>
+  <p:timing>
+    <p:tnLst>
+      <p:par>
+        <p:cTn id="1" dur="indefinite" restart="never" nodeType="tmRoot">
+          <p:childTnLst>
+            <p:seq concurrent="1" nextAc="seek">
+              <p:cTn id="2" dur="indefinite" nodeType="mainSeq">
+                <p:childTnLst>
+                  <p:par>
+                    <p:cTn id="3" fill="hold">
+                      <p:stCondLst>
+                        <p:cond delay="indefinite"/>
+                      </p:stCondLst>
+                      <p:childTnLst>
+                        <p:par>
+                          <p:cTn id="4" fill="hold">
+                            <p:stCondLst>
+                              <p:cond delay="0"/>
+                            </p:stCondLst>
+                            <p:childTnLst>
+                              <p:par>
+                                <p:cTn id="5" presetID="1" presetClass="entr" presetSubtype="0" fill="hold" nodeType="clickEffect">
+                                  <p:stCondLst>
+                                    <p:cond delay="0"/>
+                                  </p:stCondLst>
+                                  <p:childTnLst>
+                                    <p:set>
+                                      <p:cBhvr>
+                                        <p:cTn id="6" dur="1" fill="hold">
+                                          <p:stCondLst>
+                                            <p:cond delay="0"/>
+                                          </p:stCondLst>
+                                        </p:cTn>
+                                        <p:tgtEl>
+                                          <p:spTgt spid="6"/>
+                                        </p:tgtEl>
+                                        <p:attrNameLst>
+                                          <p:attrName>style.visibility</p:attrName>
+                                        </p:attrNameLst>
+                                      </p:cBhvr>
+                                      <p:to>
+                                        <p:strVal val="visible"/>
+                                      </p:to>
+                                    </p:set>
+                                  </p:childTnLst>
+                                </p:cTn>
+                              </p:par>
+                            </p:childTnLst>
+                          </p:cTn>
+                        </p:par>
+                      </p:childTnLst>
+                    </p:cTn>
+                  </p:par>
+                  <p:par>
+                    <p:cTn id="7" fill="hold">
+                      <p:stCondLst>
+                        <p:cond delay="indefinite"/>
+                      </p:stCondLst>
+                      <p:childTnLst>
+                        <p:par>
+                          <p:cTn id="8" fill="hold">
+                            <p:stCondLst>
+                              <p:cond delay="0"/>
+                            </p:stCondLst>
+                            <p:childTnLst>
+                              <p:par>
+                                <p:cTn id="9" presetID="1" presetClass="entr" presetSubtype="0" fill="hold" nodeType="clickEffect">
+                                  <p:stCondLst>
+                                    <p:cond delay="0"/>
+                                  </p:stCondLst>
+                                  <p:childTnLst>
+                                    <p:set>
+                                      <p:cBhvr>
+                                        <p:cTn id="10" dur="1" fill="hold">
+                                          <p:stCondLst>
+                                            <p:cond delay="0"/>
+                                          </p:stCondLst>
+                                        </p:cTn>
+                                        <p:tgtEl>
+                                          <p:spTgt spid="7"/>
+                                        </p:tgtEl>
+                                        <p:attrNameLst>
+                                          <p:attrName>style.visibility</p:attrName>
+                                        </p:attrNameLst>
+                                      </p:cBhvr>
+                                      <p:to>
+                                        <p:strVal val="visible"/>
+                                      </p:to>
+                                    </p:set>
+                                  </p:childTnLst>
+                                </p:cTn>
+                              </p:par>
+                            </p:childTnLst>
+                          </p:cTn>
+                        </p:par>
+                      </p:childTnLst>
+                    </p:cTn>
+                  </p:par>
+                  <p:par>
+                    <p:cTn id="11" fill="hold">
+                      <p:stCondLst>
+                        <p:cond delay="indefinite"/>
+                      </p:stCondLst>
+                      <p:childTnLst>
+                        <p:par>
+                          <p:cTn id="12" fill="hold">
+                            <p:stCondLst>
+                              <p:cond delay="0"/>
+                            </p:stCondLst>
+                            <p:childTnLst>
+                              <p:par>
+                                <p:cTn id="13" presetID="1" presetClass="entr" presetSubtype="0" fill="hold" nodeType="clickEffect">
+                                  <p:stCondLst>
+                                    <p:cond delay="0"/>
+                                  </p:stCondLst>
+                                  <p:childTnLst>
+                                    <p:set>
+                                      <p:cBhvr>
+                                        <p:cTn id="14" dur="1" fill="hold">
+                                          <p:stCondLst>
+                                            <p:cond delay="0"/>
+                                          </p:stCondLst>
+                                        </p:cTn>
+                                        <p:tgtEl>
+                                          <p:spTgt spid="8"/>
+                                        </p:tgtEl>
+                                        <p:attrNameLst>
+                                          <p:attrName>style.visibility</p:attrName>
+                                        </p:attrNameLst>
+                                      </p:cBhvr>
+                                      <p:to>
+                                        <p:strVal val="visible"/>
+                                      </p:to>
+                                    </p:set>
+                                  </p:childTnLst>
+                                </p:cTn>
+                              </p:par>
+                            </p:childTnLst>
+                          </p:cTn>
+                        </p:par>
+                      </p:childTnLst>
+                    </p:cTn>
+                  </p:par>
+                </p:childTnLst>
+              </p:cTn>
+              <p:prevCondLst>
+                <p:cond evt="onPrev" delay="0">
+                  <p:tgtEl>
+                    <p:sldTgt/>
+                  </p:tgtEl>
+                </p:cond>
+              </p:prevCondLst>
+              <p:nextCondLst>
+                <p:cond evt="onNext" delay="0">
+                  <p:tgtEl>
+                    <p:sldTgt/>
+                  </p:tgtEl>
+                </p:cond>
+              </p:nextCondLst>
+            </p:seq>
+          </p:childTnLst>
+        </p:cTn>
+      </p:par>
+    </p:tnLst>
+  </p:timing>
 </p:sld>
 </file>
 
@@ -7952,6 +10241,35 @@
           <a:chExt cx="0" cy="0"/>
         </a:xfrm>
       </p:grpSpPr>
+      <p:sp>
+        <p:nvSpPr>
+          <p:cNvPr id="2" name="Titre 1">
+            <a:extLst>
+              <a:ext uri="{FF2B5EF4-FFF2-40B4-BE49-F238E27FC236}">
+                <a16:creationId xmlns:a16="http://schemas.microsoft.com/office/drawing/2014/main" id="{97FA8879-5ADD-4153-9C4A-CF78B1D5CA27}"/>
+              </a:ext>
+            </a:extLst>
+          </p:cNvPr>
+          <p:cNvSpPr>
+            <a:spLocks noGrp="1"/>
+          </p:cNvSpPr>
+          <p:nvPr>
+            <p:ph type="title"/>
+          </p:nvPr>
+        </p:nvSpPr>
+        <p:spPr/>
+        <p:txBody>
+          <a:bodyPr/>
+          <a:lstStyle/>
+          <a:p>
+            <a:pPr algn="ctr"/>
+            <a:r>
+              <a:rPr lang="fr-FR" dirty="0"/>
+              <a:t>Création d’une fonction d’optimisation</a:t>
+            </a:r>
+          </a:p>
+        </p:txBody>
+      </p:sp>
       <p:pic>
         <p:nvPicPr>
           <p:cNvPr id="3" name="Image 2">
@@ -7988,50 +10306,12 @@
           </a:prstGeom>
         </p:spPr>
       </p:pic>
-      <p:sp>
-        <p:nvSpPr>
-          <p:cNvPr id="4" name="Titre 1">
-            <a:extLst>
-              <a:ext uri="{FF2B5EF4-FFF2-40B4-BE49-F238E27FC236}">
-                <a16:creationId xmlns:a16="http://schemas.microsoft.com/office/drawing/2014/main" id="{716076EC-5DC0-4512-9FBE-7C14CD2C5872}"/>
-              </a:ext>
-            </a:extLst>
-          </p:cNvPr>
-          <p:cNvSpPr>
-            <a:spLocks noGrp="1"/>
-          </p:cNvSpPr>
-          <p:nvPr>
-            <p:ph type="title"/>
-          </p:nvPr>
-        </p:nvSpPr>
-        <p:spPr>
-          <a:xfrm>
-            <a:off x="838200" y="365125"/>
-            <a:ext cx="10515600" cy="1325563"/>
-          </a:xfrm>
-        </p:spPr>
-        <p:txBody>
-          <a:bodyPr/>
-          <a:lstStyle/>
-          <a:p>
-            <a:pPr algn="ctr"/>
-            <a:r>
-              <a:rPr lang="fr-FR" dirty="0" err="1"/>
-              <a:t>Stationnarisation</a:t>
-            </a:r>
-            <a:r>
-              <a:rPr lang="fr-FR" dirty="0"/>
-              <a:t> de la série</a:t>
-            </a:r>
-          </a:p>
-        </p:txBody>
-      </p:sp>
       <p:pic>
         <p:nvPicPr>
-          <p:cNvPr id="5" name="Image 4">
-            <a:extLst>
-              <a:ext uri="{FF2B5EF4-FFF2-40B4-BE49-F238E27FC236}">
-                <a16:creationId xmlns:a16="http://schemas.microsoft.com/office/drawing/2014/main" id="{331638C1-A044-4EFD-A22B-DF2A728DFBCC}"/>
+          <p:cNvPr id="4" name="Image 3">
+            <a:extLst>
+              <a:ext uri="{FF2B5EF4-FFF2-40B4-BE49-F238E27FC236}">
+                <a16:creationId xmlns:a16="http://schemas.microsoft.com/office/drawing/2014/main" id="{9CDDCA5E-6460-4291-87ED-0216CF0E1335}"/>
               </a:ext>
             </a:extLst>
           </p:cNvPr>
@@ -8048,48 +10328,226 @@
         </p:blipFill>
         <p:spPr>
           <a:xfrm>
-            <a:off x="1233714" y="2427576"/>
-            <a:ext cx="9535886" cy="4065299"/>
+            <a:off x="1863223" y="1797511"/>
+            <a:ext cx="8465554" cy="3638089"/>
           </a:xfrm>
           <a:prstGeom prst="rect">
             <a:avLst/>
           </a:prstGeom>
         </p:spPr>
       </p:pic>
-      <p:pic>
-        <p:nvPicPr>
-          <p:cNvPr id="6" name="Image 5">
-            <a:extLst>
-              <a:ext uri="{FF2B5EF4-FFF2-40B4-BE49-F238E27FC236}">
-                <a16:creationId xmlns:a16="http://schemas.microsoft.com/office/drawing/2014/main" id="{DB012E2D-B2DB-4D8D-B6E0-B466B5434037}"/>
-              </a:ext>
-            </a:extLst>
-          </p:cNvPr>
-          <p:cNvPicPr>
-            <a:picLocks noChangeAspect="1"/>
-          </p:cNvPicPr>
+      <p:sp>
+        <p:nvSpPr>
+          <p:cNvPr id="5" name="Rectangle 4">
+            <a:extLst>
+              <a:ext uri="{FF2B5EF4-FFF2-40B4-BE49-F238E27FC236}">
+                <a16:creationId xmlns:a16="http://schemas.microsoft.com/office/drawing/2014/main" id="{6EFBBDBC-A41C-4D93-9960-A8AB181FEF91}"/>
+              </a:ext>
+            </a:extLst>
+          </p:cNvPr>
+          <p:cNvSpPr/>
           <p:nvPr/>
-        </p:nvPicPr>
-        <p:blipFill>
-          <a:blip r:embed="rId5"/>
-          <a:stretch>
-            <a:fillRect/>
-          </a:stretch>
-        </p:blipFill>
+        </p:nvSpPr>
         <p:spPr>
           <a:xfrm>
-            <a:off x="3043237" y="1878157"/>
-            <a:ext cx="6105525" cy="361950"/>
+            <a:off x="1863223" y="1797511"/>
+            <a:ext cx="4585078" cy="280671"/>
           </a:xfrm>
           <a:prstGeom prst="rect">
             <a:avLst/>
           </a:prstGeom>
+          <a:noFill/>
+          <a:ln>
+            <a:solidFill>
+              <a:srgbClr val="FF0000"/>
+            </a:solidFill>
+          </a:ln>
         </p:spPr>
-      </p:pic>
+        <p:style>
+          <a:lnRef idx="2">
+            <a:schemeClr val="accent1">
+              <a:shade val="50000"/>
+            </a:schemeClr>
+          </a:lnRef>
+          <a:fillRef idx="1">
+            <a:schemeClr val="accent1"/>
+          </a:fillRef>
+          <a:effectRef idx="0">
+            <a:schemeClr val="accent1"/>
+          </a:effectRef>
+          <a:fontRef idx="minor">
+            <a:schemeClr val="lt1"/>
+          </a:fontRef>
+        </p:style>
+        <p:txBody>
+          <a:bodyPr rtlCol="0" anchor="ctr"/>
+          <a:lstStyle/>
+          <a:p>
+            <a:pPr algn="ctr"/>
+            <a:endParaRPr lang="fr-FR"/>
+          </a:p>
+        </p:txBody>
+      </p:sp>
+      <p:sp>
+        <p:nvSpPr>
+          <p:cNvPr id="6" name="Rectangle 5">
+            <a:extLst>
+              <a:ext uri="{FF2B5EF4-FFF2-40B4-BE49-F238E27FC236}">
+                <a16:creationId xmlns:a16="http://schemas.microsoft.com/office/drawing/2014/main" id="{A131346C-2598-4963-8D13-ECDDE79C091F}"/>
+              </a:ext>
+            </a:extLst>
+          </p:cNvPr>
+          <p:cNvSpPr/>
+          <p:nvPr/>
+        </p:nvSpPr>
+        <p:spPr>
+          <a:xfrm>
+            <a:off x="2220686" y="2846460"/>
+            <a:ext cx="2208810" cy="582540"/>
+          </a:xfrm>
+          <a:prstGeom prst="rect">
+            <a:avLst/>
+          </a:prstGeom>
+          <a:noFill/>
+          <a:ln>
+            <a:solidFill>
+              <a:srgbClr val="FF0000"/>
+            </a:solidFill>
+          </a:ln>
+        </p:spPr>
+        <p:style>
+          <a:lnRef idx="2">
+            <a:schemeClr val="accent1">
+              <a:shade val="50000"/>
+            </a:schemeClr>
+          </a:lnRef>
+          <a:fillRef idx="1">
+            <a:schemeClr val="accent1"/>
+          </a:fillRef>
+          <a:effectRef idx="0">
+            <a:schemeClr val="accent1"/>
+          </a:effectRef>
+          <a:fontRef idx="minor">
+            <a:schemeClr val="lt1"/>
+          </a:fontRef>
+        </p:style>
+        <p:txBody>
+          <a:bodyPr rtlCol="0" anchor="ctr"/>
+          <a:lstStyle/>
+          <a:p>
+            <a:pPr algn="ctr"/>
+            <a:endParaRPr lang="fr-FR"/>
+          </a:p>
+        </p:txBody>
+      </p:sp>
+      <p:sp>
+        <p:nvSpPr>
+          <p:cNvPr id="7" name="Rectangle 6">
+            <a:extLst>
+              <a:ext uri="{FF2B5EF4-FFF2-40B4-BE49-F238E27FC236}">
+                <a16:creationId xmlns:a16="http://schemas.microsoft.com/office/drawing/2014/main" id="{4F46EAA2-D7E4-41EE-818E-82930B19F7D0}"/>
+              </a:ext>
+            </a:extLst>
+          </p:cNvPr>
+          <p:cNvSpPr/>
+          <p:nvPr/>
+        </p:nvSpPr>
+        <p:spPr>
+          <a:xfrm>
+            <a:off x="2220685" y="3802461"/>
+            <a:ext cx="8108091" cy="496407"/>
+          </a:xfrm>
+          <a:prstGeom prst="rect">
+            <a:avLst/>
+          </a:prstGeom>
+          <a:noFill/>
+          <a:ln>
+            <a:solidFill>
+              <a:srgbClr val="FF0000"/>
+            </a:solidFill>
+          </a:ln>
+        </p:spPr>
+        <p:style>
+          <a:lnRef idx="2">
+            <a:schemeClr val="accent1">
+              <a:shade val="50000"/>
+            </a:schemeClr>
+          </a:lnRef>
+          <a:fillRef idx="1">
+            <a:schemeClr val="accent1"/>
+          </a:fillRef>
+          <a:effectRef idx="0">
+            <a:schemeClr val="accent1"/>
+          </a:effectRef>
+          <a:fontRef idx="minor">
+            <a:schemeClr val="lt1"/>
+          </a:fontRef>
+        </p:style>
+        <p:txBody>
+          <a:bodyPr rtlCol="0" anchor="ctr"/>
+          <a:lstStyle/>
+          <a:p>
+            <a:pPr algn="ctr"/>
+            <a:endParaRPr lang="fr-FR"/>
+          </a:p>
+        </p:txBody>
+      </p:sp>
+      <p:sp>
+        <p:nvSpPr>
+          <p:cNvPr id="8" name="Rectangle 7">
+            <a:extLst>
+              <a:ext uri="{FF2B5EF4-FFF2-40B4-BE49-F238E27FC236}">
+                <a16:creationId xmlns:a16="http://schemas.microsoft.com/office/drawing/2014/main" id="{1BFD387B-B8D2-450D-8A23-8FA16B79A2CD}"/>
+              </a:ext>
+            </a:extLst>
+          </p:cNvPr>
+          <p:cNvSpPr/>
+          <p:nvPr/>
+        </p:nvSpPr>
+        <p:spPr>
+          <a:xfrm>
+            <a:off x="2220685" y="4586562"/>
+            <a:ext cx="1995055" cy="847388"/>
+          </a:xfrm>
+          <a:prstGeom prst="rect">
+            <a:avLst/>
+          </a:prstGeom>
+          <a:noFill/>
+          <a:ln>
+            <a:solidFill>
+              <a:srgbClr val="FF0000"/>
+            </a:solidFill>
+          </a:ln>
+        </p:spPr>
+        <p:style>
+          <a:lnRef idx="2">
+            <a:schemeClr val="accent1">
+              <a:shade val="50000"/>
+            </a:schemeClr>
+          </a:lnRef>
+          <a:fillRef idx="1">
+            <a:schemeClr val="accent1"/>
+          </a:fillRef>
+          <a:effectRef idx="0">
+            <a:schemeClr val="accent1"/>
+          </a:effectRef>
+          <a:fontRef idx="minor">
+            <a:schemeClr val="lt1"/>
+          </a:fontRef>
+        </p:style>
+        <p:txBody>
+          <a:bodyPr rtlCol="0" anchor="ctr"/>
+          <a:lstStyle/>
+          <a:p>
+            <a:pPr algn="ctr"/>
+            <a:endParaRPr lang="fr-FR"/>
+          </a:p>
+        </p:txBody>
+      </p:sp>
     </p:spTree>
     <p:extLst>
       <p:ext uri="{BB962C8B-B14F-4D97-AF65-F5344CB8AC3E}">
-        <p14:creationId xmlns:p14="http://schemas.microsoft.com/office/powerpoint/2010/main" val="2214910988"/>
+        <p14:creationId xmlns:p14="http://schemas.microsoft.com/office/powerpoint/2010/main" val="2262185835"/>
       </p:ext>
     </p:extLst>
   </p:cSld>
@@ -8130,7 +10588,187 @@
                                           </p:stCondLst>
                                         </p:cTn>
                                         <p:tgtEl>
+                                          <p:spTgt spid="4"/>
+                                        </p:tgtEl>
+                                        <p:attrNameLst>
+                                          <p:attrName>style.visibility</p:attrName>
+                                        </p:attrNameLst>
+                                      </p:cBhvr>
+                                      <p:to>
+                                        <p:strVal val="visible"/>
+                                      </p:to>
+                                    </p:set>
+                                  </p:childTnLst>
+                                </p:cTn>
+                              </p:par>
+                            </p:childTnLst>
+                          </p:cTn>
+                        </p:par>
+                      </p:childTnLst>
+                    </p:cTn>
+                  </p:par>
+                  <p:par>
+                    <p:cTn id="7" fill="hold">
+                      <p:stCondLst>
+                        <p:cond delay="indefinite"/>
+                      </p:stCondLst>
+                      <p:childTnLst>
+                        <p:par>
+                          <p:cTn id="8" fill="hold">
+                            <p:stCondLst>
+                              <p:cond delay="0"/>
+                            </p:stCondLst>
+                            <p:childTnLst>
+                              <p:par>
+                                <p:cTn id="9" presetID="1" presetClass="entr" presetSubtype="0" fill="hold" grpId="0" nodeType="clickEffect">
+                                  <p:stCondLst>
+                                    <p:cond delay="0"/>
+                                  </p:stCondLst>
+                                  <p:childTnLst>
+                                    <p:set>
+                                      <p:cBhvr>
+                                        <p:cTn id="10" dur="1" fill="hold">
+                                          <p:stCondLst>
+                                            <p:cond delay="0"/>
+                                          </p:stCondLst>
+                                        </p:cTn>
+                                        <p:tgtEl>
                                           <p:spTgt spid="5"/>
+                                        </p:tgtEl>
+                                        <p:attrNameLst>
+                                          <p:attrName>style.visibility</p:attrName>
+                                        </p:attrNameLst>
+                                      </p:cBhvr>
+                                      <p:to>
+                                        <p:strVal val="visible"/>
+                                      </p:to>
+                                    </p:set>
+                                  </p:childTnLst>
+                                </p:cTn>
+                              </p:par>
+                            </p:childTnLst>
+                          </p:cTn>
+                        </p:par>
+                      </p:childTnLst>
+                    </p:cTn>
+                  </p:par>
+                  <p:par>
+                    <p:cTn id="11" fill="hold">
+                      <p:stCondLst>
+                        <p:cond delay="indefinite"/>
+                      </p:stCondLst>
+                      <p:childTnLst>
+                        <p:par>
+                          <p:cTn id="12" fill="hold">
+                            <p:stCondLst>
+                              <p:cond delay="0"/>
+                            </p:stCondLst>
+                            <p:childTnLst>
+                              <p:par>
+                                <p:cTn id="13" presetID="1" presetClass="entr" presetSubtype="0" fill="hold" grpId="0" nodeType="clickEffect">
+                                  <p:stCondLst>
+                                    <p:cond delay="0"/>
+                                  </p:stCondLst>
+                                  <p:childTnLst>
+                                    <p:set>
+                                      <p:cBhvr>
+                                        <p:cTn id="14" dur="1" fill="hold">
+                                          <p:stCondLst>
+                                            <p:cond delay="0"/>
+                                          </p:stCondLst>
+                                        </p:cTn>
+                                        <p:tgtEl>
+                                          <p:spTgt spid="6"/>
+                                        </p:tgtEl>
+                                        <p:attrNameLst>
+                                          <p:attrName>style.visibility</p:attrName>
+                                        </p:attrNameLst>
+                                      </p:cBhvr>
+                                      <p:to>
+                                        <p:strVal val="visible"/>
+                                      </p:to>
+                                    </p:set>
+                                  </p:childTnLst>
+                                </p:cTn>
+                              </p:par>
+                            </p:childTnLst>
+                          </p:cTn>
+                        </p:par>
+                      </p:childTnLst>
+                    </p:cTn>
+                  </p:par>
+                  <p:par>
+                    <p:cTn id="15" fill="hold">
+                      <p:stCondLst>
+                        <p:cond delay="indefinite"/>
+                      </p:stCondLst>
+                      <p:childTnLst>
+                        <p:par>
+                          <p:cTn id="16" fill="hold">
+                            <p:stCondLst>
+                              <p:cond delay="0"/>
+                            </p:stCondLst>
+                            <p:childTnLst>
+                              <p:par>
+                                <p:cTn id="17" presetID="1" presetClass="entr" presetSubtype="0" fill="hold" grpId="0" nodeType="clickEffect">
+                                  <p:stCondLst>
+                                    <p:cond delay="0"/>
+                                  </p:stCondLst>
+                                  <p:childTnLst>
+                                    <p:set>
+                                      <p:cBhvr>
+                                        <p:cTn id="18" dur="1" fill="hold">
+                                          <p:stCondLst>
+                                            <p:cond delay="0"/>
+                                          </p:stCondLst>
+                                        </p:cTn>
+                                        <p:tgtEl>
+                                          <p:spTgt spid="7"/>
+                                        </p:tgtEl>
+                                        <p:attrNameLst>
+                                          <p:attrName>style.visibility</p:attrName>
+                                        </p:attrNameLst>
+                                      </p:cBhvr>
+                                      <p:to>
+                                        <p:strVal val="visible"/>
+                                      </p:to>
+                                    </p:set>
+                                  </p:childTnLst>
+                                </p:cTn>
+                              </p:par>
+                            </p:childTnLst>
+                          </p:cTn>
+                        </p:par>
+                      </p:childTnLst>
+                    </p:cTn>
+                  </p:par>
+                  <p:par>
+                    <p:cTn id="19" fill="hold">
+                      <p:stCondLst>
+                        <p:cond delay="indefinite"/>
+                      </p:stCondLst>
+                      <p:childTnLst>
+                        <p:par>
+                          <p:cTn id="20" fill="hold">
+                            <p:stCondLst>
+                              <p:cond delay="0"/>
+                            </p:stCondLst>
+                            <p:childTnLst>
+                              <p:par>
+                                <p:cTn id="21" presetID="1" presetClass="entr" presetSubtype="0" fill="hold" grpId="0" nodeType="clickEffect">
+                                  <p:stCondLst>
+                                    <p:cond delay="0"/>
+                                  </p:stCondLst>
+                                  <p:childTnLst>
+                                    <p:set>
+                                      <p:cBhvr>
+                                        <p:cTn id="22" dur="1" fill="hold">
+                                          <p:stCondLst>
+                                            <p:cond delay="0"/>
+                                          </p:stCondLst>
+                                        </p:cTn>
+                                        <p:tgtEl>
+                                          <p:spTgt spid="8"/>
                                         </p:tgtEl>
                                         <p:attrNameLst>
                                           <p:attrName>style.visibility</p:attrName>
@@ -8170,6 +10808,12 @@
         </p:cTn>
       </p:par>
     </p:tnLst>
+    <p:bldLst>
+      <p:bldP spid="5" grpId="0" animBg="1"/>
+      <p:bldP spid="6" grpId="0" animBg="1"/>
+      <p:bldP spid="7" grpId="0" animBg="1"/>
+      <p:bldP spid="8" grpId="0" animBg="1"/>
+    </p:bldLst>
   </p:timing>
 </p:sld>
 </file>
@@ -8191,6 +10835,35 @@
           <a:chExt cx="0" cy="0"/>
         </a:xfrm>
       </p:grpSpPr>
+      <p:sp>
+        <p:nvSpPr>
+          <p:cNvPr id="2" name="Titre 1">
+            <a:extLst>
+              <a:ext uri="{FF2B5EF4-FFF2-40B4-BE49-F238E27FC236}">
+                <a16:creationId xmlns:a16="http://schemas.microsoft.com/office/drawing/2014/main" id="{97FA8879-5ADD-4153-9C4A-CF78B1D5CA27}"/>
+              </a:ext>
+            </a:extLst>
+          </p:cNvPr>
+          <p:cNvSpPr>
+            <a:spLocks noGrp="1"/>
+          </p:cNvSpPr>
+          <p:nvPr>
+            <p:ph type="title"/>
+          </p:nvPr>
+        </p:nvSpPr>
+        <p:spPr/>
+        <p:txBody>
+          <a:bodyPr/>
+          <a:lstStyle/>
+          <a:p>
+            <a:pPr algn="ctr"/>
+            <a:r>
+              <a:rPr lang="fr-FR" dirty="0"/>
+              <a:t>Création d’une fonction d’optimisation</a:t>
+            </a:r>
+          </a:p>
+        </p:txBody>
+      </p:sp>
       <p:pic>
         <p:nvPicPr>
           <p:cNvPr id="3" name="Image 2">
@@ -8229,10 +10902,10 @@
       </p:pic>
       <p:pic>
         <p:nvPicPr>
-          <p:cNvPr id="2" name="Image 1">
-            <a:extLst>
-              <a:ext uri="{FF2B5EF4-FFF2-40B4-BE49-F238E27FC236}">
-                <a16:creationId xmlns:a16="http://schemas.microsoft.com/office/drawing/2014/main" id="{43045A50-7724-47D6-B4EE-88D5DD92F8AC}"/>
+          <p:cNvPr id="5" name="Image 4">
+            <a:extLst>
+              <a:ext uri="{FF2B5EF4-FFF2-40B4-BE49-F238E27FC236}">
+                <a16:creationId xmlns:a16="http://schemas.microsoft.com/office/drawing/2014/main" id="{B0C43195-375B-4B61-8827-04AA333BE107}"/>
               </a:ext>
             </a:extLst>
           </p:cNvPr>
@@ -8249,8 +10922,8 @@
         </p:blipFill>
         <p:spPr>
           <a:xfrm>
-            <a:off x="3586161" y="1849582"/>
-            <a:ext cx="5019675" cy="390525"/>
+            <a:off x="2476685" y="1708567"/>
+            <a:ext cx="7238630" cy="3727033"/>
           </a:xfrm>
           <a:prstGeom prst="rect">
             <a:avLst/>
@@ -8259,76 +10932,164 @@
       </p:pic>
       <p:sp>
         <p:nvSpPr>
-          <p:cNvPr id="5" name="Titre 1">
-            <a:extLst>
-              <a:ext uri="{FF2B5EF4-FFF2-40B4-BE49-F238E27FC236}">
-                <a16:creationId xmlns:a16="http://schemas.microsoft.com/office/drawing/2014/main" id="{FBC14A29-806B-4698-9F5B-E538B0B858A4}"/>
-              </a:ext>
-            </a:extLst>
-          </p:cNvPr>
-          <p:cNvSpPr>
-            <a:spLocks noGrp="1"/>
-          </p:cNvSpPr>
-          <p:nvPr>
-            <p:ph type="title"/>
-          </p:nvPr>
+          <p:cNvPr id="6" name="Rectangle 5">
+            <a:extLst>
+              <a:ext uri="{FF2B5EF4-FFF2-40B4-BE49-F238E27FC236}">
+                <a16:creationId xmlns:a16="http://schemas.microsoft.com/office/drawing/2014/main" id="{CA5FAF69-F7EA-4F04-9C9B-0B9B38E6A457}"/>
+              </a:ext>
+            </a:extLst>
+          </p:cNvPr>
+          <p:cNvSpPr/>
+          <p:nvPr/>
         </p:nvSpPr>
         <p:spPr>
           <a:xfrm>
-            <a:off x="838200" y="365125"/>
-            <a:ext cx="10515600" cy="1325563"/>
-          </a:xfrm>
-        </p:spPr>
-        <p:txBody>
-          <a:bodyPr/>
-          <a:lstStyle/>
-          <a:p>
-            <a:pPr algn="ctr"/>
-            <a:r>
-              <a:rPr lang="fr-FR" dirty="0" err="1"/>
-              <a:t>Stationnarisation</a:t>
-            </a:r>
-            <a:r>
-              <a:rPr lang="fr-FR" dirty="0"/>
-              <a:t> de la série</a:t>
-            </a:r>
-          </a:p>
-        </p:txBody>
-      </p:sp>
-      <p:pic>
-        <p:nvPicPr>
-          <p:cNvPr id="7" name="Image 6">
-            <a:extLst>
-              <a:ext uri="{FF2B5EF4-FFF2-40B4-BE49-F238E27FC236}">
-                <a16:creationId xmlns:a16="http://schemas.microsoft.com/office/drawing/2014/main" id="{2AE24727-B7F9-4432-BC57-9EFFC802EAF0}"/>
-              </a:ext>
-            </a:extLst>
-          </p:cNvPr>
-          <p:cNvPicPr>
-            <a:picLocks noChangeAspect="1"/>
-          </p:cNvPicPr>
-          <p:nvPr/>
-        </p:nvPicPr>
-        <p:blipFill>
-          <a:blip r:embed="rId5"/>
-          <a:stretch>
-            <a:fillRect/>
-          </a:stretch>
-        </p:blipFill>
-        <p:spPr>
-          <a:xfrm>
-            <a:off x="1466246" y="2399001"/>
-            <a:ext cx="9259503" cy="4042982"/>
+            <a:off x="3537643" y="2268188"/>
+            <a:ext cx="5689483" cy="1113312"/>
           </a:xfrm>
           <a:prstGeom prst="rect">
             <a:avLst/>
           </a:prstGeom>
+          <a:noFill/>
+          <a:ln>
+            <a:solidFill>
+              <a:srgbClr val="FF0000"/>
+            </a:solidFill>
+          </a:ln>
         </p:spPr>
-      </p:pic>
+        <p:style>
+          <a:lnRef idx="2">
+            <a:schemeClr val="accent1">
+              <a:shade val="50000"/>
+            </a:schemeClr>
+          </a:lnRef>
+          <a:fillRef idx="1">
+            <a:schemeClr val="accent1"/>
+          </a:fillRef>
+          <a:effectRef idx="0">
+            <a:schemeClr val="accent1"/>
+          </a:effectRef>
+          <a:fontRef idx="minor">
+            <a:schemeClr val="lt1"/>
+          </a:fontRef>
+        </p:style>
+        <p:txBody>
+          <a:bodyPr rtlCol="0" anchor="ctr"/>
+          <a:lstStyle/>
+          <a:p>
+            <a:pPr algn="ctr"/>
+            <a:endParaRPr lang="fr-FR"/>
+          </a:p>
+        </p:txBody>
+      </p:sp>
+      <p:sp>
+        <p:nvSpPr>
+          <p:cNvPr id="7" name="Rectangle 6">
+            <a:extLst>
+              <a:ext uri="{FF2B5EF4-FFF2-40B4-BE49-F238E27FC236}">
+                <a16:creationId xmlns:a16="http://schemas.microsoft.com/office/drawing/2014/main" id="{50CC94DE-DCEE-4CA8-94B9-F0EF81636E8E}"/>
+              </a:ext>
+            </a:extLst>
+          </p:cNvPr>
+          <p:cNvSpPr/>
+          <p:nvPr/>
+        </p:nvSpPr>
+        <p:spPr>
+          <a:xfrm>
+            <a:off x="3537643" y="3384465"/>
+            <a:ext cx="3397547" cy="556656"/>
+          </a:xfrm>
+          <a:prstGeom prst="rect">
+            <a:avLst/>
+          </a:prstGeom>
+          <a:noFill/>
+          <a:ln>
+            <a:solidFill>
+              <a:srgbClr val="FF0000"/>
+            </a:solidFill>
+          </a:ln>
+        </p:spPr>
+        <p:style>
+          <a:lnRef idx="2">
+            <a:schemeClr val="accent1">
+              <a:shade val="50000"/>
+            </a:schemeClr>
+          </a:lnRef>
+          <a:fillRef idx="1">
+            <a:schemeClr val="accent1"/>
+          </a:fillRef>
+          <a:effectRef idx="0">
+            <a:schemeClr val="accent1"/>
+          </a:effectRef>
+          <a:fontRef idx="minor">
+            <a:schemeClr val="lt1"/>
+          </a:fontRef>
+        </p:style>
+        <p:txBody>
+          <a:bodyPr rtlCol="0" anchor="ctr"/>
+          <a:lstStyle/>
+          <a:p>
+            <a:pPr algn="ctr"/>
+            <a:endParaRPr lang="fr-FR"/>
+          </a:p>
+        </p:txBody>
+      </p:sp>
+      <p:sp>
+        <p:nvSpPr>
+          <p:cNvPr id="8" name="Rectangle 7">
+            <a:extLst>
+              <a:ext uri="{FF2B5EF4-FFF2-40B4-BE49-F238E27FC236}">
+                <a16:creationId xmlns:a16="http://schemas.microsoft.com/office/drawing/2014/main" id="{6CE249F6-6D98-4E4A-AD3A-8D6EB2A29FBB}"/>
+              </a:ext>
+            </a:extLst>
+          </p:cNvPr>
+          <p:cNvSpPr/>
+          <p:nvPr/>
+        </p:nvSpPr>
+        <p:spPr>
+          <a:xfrm>
+            <a:off x="3537643" y="4273135"/>
+            <a:ext cx="6177672" cy="738252"/>
+          </a:xfrm>
+          <a:prstGeom prst="rect">
+            <a:avLst/>
+          </a:prstGeom>
+          <a:noFill/>
+          <a:ln>
+            <a:solidFill>
+              <a:srgbClr val="FF0000"/>
+            </a:solidFill>
+          </a:ln>
+        </p:spPr>
+        <p:style>
+          <a:lnRef idx="2">
+            <a:schemeClr val="accent1">
+              <a:shade val="50000"/>
+            </a:schemeClr>
+          </a:lnRef>
+          <a:fillRef idx="1">
+            <a:schemeClr val="accent1"/>
+          </a:fillRef>
+          <a:effectRef idx="0">
+            <a:schemeClr val="accent1"/>
+          </a:effectRef>
+          <a:fontRef idx="minor">
+            <a:schemeClr val="lt1"/>
+          </a:fontRef>
+        </p:style>
+        <p:txBody>
+          <a:bodyPr rtlCol="0" anchor="ctr"/>
+          <a:lstStyle/>
+          <a:p>
+            <a:pPr algn="ctr"/>
+            <a:endParaRPr lang="fr-FR"/>
+          </a:p>
+        </p:txBody>
+      </p:sp>
     </p:spTree>
     <p:extLst>
       <p:ext uri="{BB962C8B-B14F-4D97-AF65-F5344CB8AC3E}">
-        <p14:creationId xmlns:p14="http://schemas.microsoft.com/office/powerpoint/2010/main" val="1953302396"/>
+        <p14:creationId xmlns:p14="http://schemas.microsoft.com/office/powerpoint/2010/main" val="3357223051"/>
       </p:ext>
     </p:extLst>
   </p:cSld>
@@ -8356,7 +11117,7 @@
                             </p:stCondLst>
                             <p:childTnLst>
                               <p:par>
-                                <p:cTn id="5" presetID="1" presetClass="entr" presetSubtype="0" fill="hold" nodeType="clickEffect">
+                                <p:cTn id="5" presetID="1" presetClass="entr" presetSubtype="0" fill="hold" grpId="0" nodeType="clickEffect">
                                   <p:stCondLst>
                                     <p:cond delay="0"/>
                                   </p:stCondLst>
@@ -8369,7 +11130,97 @@
                                           </p:stCondLst>
                                         </p:cTn>
                                         <p:tgtEl>
+                                          <p:spTgt spid="6"/>
+                                        </p:tgtEl>
+                                        <p:attrNameLst>
+                                          <p:attrName>style.visibility</p:attrName>
+                                        </p:attrNameLst>
+                                      </p:cBhvr>
+                                      <p:to>
+                                        <p:strVal val="visible"/>
+                                      </p:to>
+                                    </p:set>
+                                  </p:childTnLst>
+                                </p:cTn>
+                              </p:par>
+                            </p:childTnLst>
+                          </p:cTn>
+                        </p:par>
+                      </p:childTnLst>
+                    </p:cTn>
+                  </p:par>
+                  <p:par>
+                    <p:cTn id="7" fill="hold">
+                      <p:stCondLst>
+                        <p:cond delay="indefinite"/>
+                      </p:stCondLst>
+                      <p:childTnLst>
+                        <p:par>
+                          <p:cTn id="8" fill="hold">
+                            <p:stCondLst>
+                              <p:cond delay="0"/>
+                            </p:stCondLst>
+                            <p:childTnLst>
+                              <p:par>
+                                <p:cTn id="9" presetID="1" presetClass="entr" presetSubtype="0" fill="hold" grpId="0" nodeType="clickEffect">
+                                  <p:stCondLst>
+                                    <p:cond delay="0"/>
+                                  </p:stCondLst>
+                                  <p:childTnLst>
+                                    <p:set>
+                                      <p:cBhvr>
+                                        <p:cTn id="10" dur="1" fill="hold">
+                                          <p:stCondLst>
+                                            <p:cond delay="0"/>
+                                          </p:stCondLst>
+                                        </p:cTn>
+                                        <p:tgtEl>
                                           <p:spTgt spid="7"/>
+                                        </p:tgtEl>
+                                        <p:attrNameLst>
+                                          <p:attrName>style.visibility</p:attrName>
+                                        </p:attrNameLst>
+                                      </p:cBhvr>
+                                      <p:to>
+                                        <p:strVal val="visible"/>
+                                      </p:to>
+                                    </p:set>
+                                  </p:childTnLst>
+                                </p:cTn>
+                              </p:par>
+                            </p:childTnLst>
+                          </p:cTn>
+                        </p:par>
+                      </p:childTnLst>
+                    </p:cTn>
+                  </p:par>
+                  <p:par>
+                    <p:cTn id="11" fill="hold">
+                      <p:stCondLst>
+                        <p:cond delay="indefinite"/>
+                      </p:stCondLst>
+                      <p:childTnLst>
+                        <p:par>
+                          <p:cTn id="12" fill="hold">
+                            <p:stCondLst>
+                              <p:cond delay="0"/>
+                            </p:stCondLst>
+                            <p:childTnLst>
+                              <p:par>
+                                <p:cTn id="13" presetID="1" presetClass="entr" presetSubtype="0" fill="hold" grpId="0" nodeType="clickEffect">
+                                  <p:stCondLst>
+                                    <p:cond delay="0"/>
+                                  </p:stCondLst>
+                                  <p:childTnLst>
+                                    <p:set>
+                                      <p:cBhvr>
+                                        <p:cTn id="14" dur="1" fill="hold">
+                                          <p:stCondLst>
+                                            <p:cond delay="0"/>
+                                          </p:stCondLst>
+                                        </p:cTn>
+                                        <p:tgtEl>
+                                          <p:spTgt spid="8"/>
                                         </p:tgtEl>
                                         <p:attrNameLst>
                                           <p:attrName>style.visibility</p:attrName>
@@ -8409,6 +11260,11 @@
         </p:cTn>
       </p:par>
     </p:tnLst>
+    <p:bldLst>
+      <p:bldP spid="6" grpId="0" animBg="1"/>
+      <p:bldP spid="7" grpId="0" animBg="1"/>
+      <p:bldP spid="8" grpId="0" animBg="1"/>
+    </p:bldLst>
   </p:timing>
 </p:sld>
 </file>
@@ -8430,6 +11286,35 @@
           <a:chExt cx="0" cy="0"/>
         </a:xfrm>
       </p:grpSpPr>
+      <p:sp>
+        <p:nvSpPr>
+          <p:cNvPr id="2" name="Titre 1">
+            <a:extLst>
+              <a:ext uri="{FF2B5EF4-FFF2-40B4-BE49-F238E27FC236}">
+                <a16:creationId xmlns:a16="http://schemas.microsoft.com/office/drawing/2014/main" id="{97FA8879-5ADD-4153-9C4A-CF78B1D5CA27}"/>
+              </a:ext>
+            </a:extLst>
+          </p:cNvPr>
+          <p:cNvSpPr>
+            <a:spLocks noGrp="1"/>
+          </p:cNvSpPr>
+          <p:nvPr>
+            <p:ph type="title"/>
+          </p:nvPr>
+        </p:nvSpPr>
+        <p:spPr/>
+        <p:txBody>
+          <a:bodyPr/>
+          <a:lstStyle/>
+          <a:p>
+            <a:pPr algn="ctr"/>
+            <a:r>
+              <a:rPr lang="fr-FR" dirty="0"/>
+              <a:t>Création d’une fonction d’optimisation</a:t>
+            </a:r>
+          </a:p>
+        </p:txBody>
+      </p:sp>
       <p:pic>
         <p:nvPicPr>
           <p:cNvPr id="3" name="Image 2">
@@ -8468,10 +11353,10 @@
       </p:pic>
       <p:pic>
         <p:nvPicPr>
-          <p:cNvPr id="2" name="Image 1">
-            <a:extLst>
-              <a:ext uri="{FF2B5EF4-FFF2-40B4-BE49-F238E27FC236}">
-                <a16:creationId xmlns:a16="http://schemas.microsoft.com/office/drawing/2014/main" id="{BBFE89FF-D17B-48B6-AFCC-61B56A08B013}"/>
+          <p:cNvPr id="4" name="Image 3">
+            <a:extLst>
+              <a:ext uri="{FF2B5EF4-FFF2-40B4-BE49-F238E27FC236}">
+                <a16:creationId xmlns:a16="http://schemas.microsoft.com/office/drawing/2014/main" id="{9D5B3CAF-372A-44F9-9880-CE3B95DE6AD2}"/>
               </a:ext>
             </a:extLst>
           </p:cNvPr>
@@ -8488,8 +11373,8 @@
         </p:blipFill>
         <p:spPr>
           <a:xfrm>
-            <a:off x="2934264" y="2055720"/>
-            <a:ext cx="6323471" cy="2746558"/>
+            <a:off x="1257300" y="1843087"/>
+            <a:ext cx="9677400" cy="3171825"/>
           </a:xfrm>
           <a:prstGeom prst="rect">
             <a:avLst/>
@@ -8498,107 +11383,112 @@
       </p:pic>
       <p:sp>
         <p:nvSpPr>
-          <p:cNvPr id="4" name="Titre 1">
-            <a:extLst>
-              <a:ext uri="{FF2B5EF4-FFF2-40B4-BE49-F238E27FC236}">
-                <a16:creationId xmlns:a16="http://schemas.microsoft.com/office/drawing/2014/main" id="{F6CF86FE-6E1C-4FDE-824D-556995E42BC3}"/>
-              </a:ext>
-            </a:extLst>
-          </p:cNvPr>
-          <p:cNvSpPr>
-            <a:spLocks noGrp="1"/>
-          </p:cNvSpPr>
-          <p:nvPr>
-            <p:ph type="title"/>
-          </p:nvPr>
+          <p:cNvPr id="5" name="Rectangle 4">
+            <a:extLst>
+              <a:ext uri="{FF2B5EF4-FFF2-40B4-BE49-F238E27FC236}">
+                <a16:creationId xmlns:a16="http://schemas.microsoft.com/office/drawing/2014/main" id="{EEA5D7E7-0CB7-4002-A477-34BF93E3C8CE}"/>
+              </a:ext>
+            </a:extLst>
+          </p:cNvPr>
+          <p:cNvSpPr/>
+          <p:nvPr/>
         </p:nvSpPr>
         <p:spPr>
           <a:xfrm>
-            <a:off x="838200" y="365125"/>
-            <a:ext cx="10515600" cy="1325563"/>
-          </a:xfrm>
-        </p:spPr>
-        <p:txBody>
-          <a:bodyPr/>
-          <a:lstStyle/>
-          <a:p>
-            <a:pPr algn="ctr"/>
-            <a:r>
-              <a:rPr lang="fr-FR" dirty="0"/>
-              <a:t>Test de Dickey-Fuller</a:t>
-            </a:r>
-          </a:p>
-        </p:txBody>
-      </p:sp>
-      <p:pic>
-        <p:nvPicPr>
-          <p:cNvPr id="5" name="Image 4">
-            <a:extLst>
-              <a:ext uri="{FF2B5EF4-FFF2-40B4-BE49-F238E27FC236}">
-                <a16:creationId xmlns:a16="http://schemas.microsoft.com/office/drawing/2014/main" id="{249CA543-2A1D-4355-A082-9580759A982E}"/>
-              </a:ext>
-            </a:extLst>
-          </p:cNvPr>
-          <p:cNvPicPr>
-            <a:picLocks noChangeAspect="1"/>
-          </p:cNvPicPr>
-          <p:nvPr/>
-        </p:nvPicPr>
-        <p:blipFill>
-          <a:blip r:embed="rId5"/>
-          <a:stretch>
-            <a:fillRect/>
-          </a:stretch>
-        </p:blipFill>
-        <p:spPr>
-          <a:xfrm>
-            <a:off x="7556728" y="2405062"/>
-            <a:ext cx="3924072" cy="2047875"/>
-          </a:xfrm>
-          <a:prstGeom prst="rect">
-            <a:avLst/>
-          </a:prstGeom>
-        </p:spPr>
-      </p:pic>
-      <p:sp>
-        <p:nvSpPr>
-          <p:cNvPr id="6" name="ZoneTexte 5">
-            <a:extLst>
-              <a:ext uri="{FF2B5EF4-FFF2-40B4-BE49-F238E27FC236}">
-                <a16:creationId xmlns:a16="http://schemas.microsoft.com/office/drawing/2014/main" id="{4C050C86-D61F-4F71-8622-52DFDD0962FD}"/>
-              </a:ext>
-            </a:extLst>
-          </p:cNvPr>
-          <p:cNvSpPr txBox="1"/>
-          <p:nvPr/>
-        </p:nvSpPr>
-        <p:spPr>
-          <a:xfrm>
-            <a:off x="4370591" y="5516652"/>
-            <a:ext cx="3450816" cy="369332"/>
+            <a:off x="1257300" y="1843087"/>
+            <a:ext cx="9677400" cy="1945142"/>
           </a:xfrm>
           <a:prstGeom prst="rect">
             <a:avLst/>
           </a:prstGeom>
           <a:noFill/>
+          <a:ln>
+            <a:solidFill>
+              <a:srgbClr val="FF0000"/>
+            </a:solidFill>
+          </a:ln>
         </p:spPr>
-        <p:txBody>
-          <a:bodyPr wrap="none" rtlCol="0">
-            <a:spAutoFit/>
-          </a:bodyPr>
+        <p:style>
+          <a:lnRef idx="2">
+            <a:schemeClr val="accent1">
+              <a:shade val="50000"/>
+            </a:schemeClr>
+          </a:lnRef>
+          <a:fillRef idx="1">
+            <a:schemeClr val="accent1"/>
+          </a:fillRef>
+          <a:effectRef idx="0">
+            <a:schemeClr val="accent1"/>
+          </a:effectRef>
+          <a:fontRef idx="minor">
+            <a:schemeClr val="lt1"/>
+          </a:fontRef>
+        </p:style>
+        <p:txBody>
+          <a:bodyPr rtlCol="0" anchor="ctr"/>
           <a:lstStyle/>
           <a:p>
-            <a:r>
-              <a:rPr lang="fr-FR" dirty="0"/>
-              <a:t>Le processus est donc stationnaire</a:t>
-            </a:r>
+            <a:pPr algn="ctr"/>
+            <a:endParaRPr lang="fr-FR"/>
+          </a:p>
+        </p:txBody>
+      </p:sp>
+      <p:sp>
+        <p:nvSpPr>
+          <p:cNvPr id="6" name="Rectangle 5">
+            <a:extLst>
+              <a:ext uri="{FF2B5EF4-FFF2-40B4-BE49-F238E27FC236}">
+                <a16:creationId xmlns:a16="http://schemas.microsoft.com/office/drawing/2014/main" id="{C7353A81-0451-40C9-AAD7-E9DB1D405039}"/>
+              </a:ext>
+            </a:extLst>
+          </p:cNvPr>
+          <p:cNvSpPr/>
+          <p:nvPr/>
+        </p:nvSpPr>
+        <p:spPr>
+          <a:xfrm>
+            <a:off x="1257300" y="4215740"/>
+            <a:ext cx="8611095" cy="368135"/>
+          </a:xfrm>
+          <a:prstGeom prst="rect">
+            <a:avLst/>
+          </a:prstGeom>
+          <a:noFill/>
+          <a:ln>
+            <a:solidFill>
+              <a:srgbClr val="FF0000"/>
+            </a:solidFill>
+          </a:ln>
+        </p:spPr>
+        <p:style>
+          <a:lnRef idx="2">
+            <a:schemeClr val="accent1">
+              <a:shade val="50000"/>
+            </a:schemeClr>
+          </a:lnRef>
+          <a:fillRef idx="1">
+            <a:schemeClr val="accent1"/>
+          </a:fillRef>
+          <a:effectRef idx="0">
+            <a:schemeClr val="accent1"/>
+          </a:effectRef>
+          <a:fontRef idx="minor">
+            <a:schemeClr val="lt1"/>
+          </a:fontRef>
+        </p:style>
+        <p:txBody>
+          <a:bodyPr rtlCol="0" anchor="ctr"/>
+          <a:lstStyle/>
+          <a:p>
+            <a:pPr algn="ctr"/>
+            <a:endParaRPr lang="fr-FR"/>
           </a:p>
         </p:txBody>
       </p:sp>
     </p:spTree>
     <p:extLst>
       <p:ext uri="{BB962C8B-B14F-4D97-AF65-F5344CB8AC3E}">
-        <p14:creationId xmlns:p14="http://schemas.microsoft.com/office/powerpoint/2010/main" val="817556231"/>
+        <p14:creationId xmlns:p14="http://schemas.microsoft.com/office/powerpoint/2010/main" val="2356424038"/>
       </p:ext>
     </p:extLst>
   </p:cSld>
@@ -8626,45 +11516,14 @@
                             </p:stCondLst>
                             <p:childTnLst>
                               <p:par>
-                                <p:cTn id="5" presetID="42" presetClass="path" presetSubtype="0" accel="50000" decel="50000" fill="hold" nodeType="clickEffect">
-                                  <p:stCondLst>
-                                    <p:cond delay="0"/>
-                                  </p:stCondLst>
-                                  <p:childTnLst>
-                                    <p:animMotion origin="layout" path="M 0 0 L -0.16602 0 " pathEditMode="relative" rAng="0" ptsTypes="AA">
-                                      <p:cBhvr>
-                                        <p:cTn id="6" dur="2000" fill="hold"/>
-                                        <p:tgtEl>
-                                          <p:spTgt spid="2"/>
-                                        </p:tgtEl>
-                                        <p:attrNameLst>
-                                          <p:attrName>ppt_x</p:attrName>
-                                          <p:attrName>ppt_y</p:attrName>
-                                        </p:attrNameLst>
-                                      </p:cBhvr>
-                                      <p:rCtr x="-8307" y="0"/>
-                                    </p:animMotion>
-                                  </p:childTnLst>
-                                </p:cTn>
-                              </p:par>
-                            </p:childTnLst>
-                          </p:cTn>
-                        </p:par>
-                        <p:par>
-                          <p:cTn id="7" fill="hold">
-                            <p:stCondLst>
-                              <p:cond delay="2000"/>
-                            </p:stCondLst>
-                            <p:childTnLst>
-                              <p:par>
-                                <p:cTn id="8" presetID="1" presetClass="entr" presetSubtype="0" fill="hold" nodeType="afterEffect">
+                                <p:cTn id="5" presetID="1" presetClass="entr" presetSubtype="0" fill="hold" grpId="0" nodeType="clickEffect">
                                   <p:stCondLst>
                                     <p:cond delay="0"/>
                                   </p:stCondLst>
                                   <p:childTnLst>
                                     <p:set>
                                       <p:cBhvr>
-                                        <p:cTn id="9" dur="1" fill="hold">
+                                        <p:cTn id="6" dur="1" fill="hold">
                                           <p:stCondLst>
                                             <p:cond delay="0"/>
                                           </p:stCondLst>
@@ -8690,26 +11549,26 @@
                     </p:cTn>
                   </p:par>
                   <p:par>
-                    <p:cTn id="10" fill="hold">
+                    <p:cTn id="7" fill="hold">
                       <p:stCondLst>
                         <p:cond delay="indefinite"/>
                       </p:stCondLst>
                       <p:childTnLst>
                         <p:par>
-                          <p:cTn id="11" fill="hold">
+                          <p:cTn id="8" fill="hold">
                             <p:stCondLst>
                               <p:cond delay="0"/>
                             </p:stCondLst>
                             <p:childTnLst>
                               <p:par>
-                                <p:cTn id="12" presetID="1" presetClass="entr" presetSubtype="0" fill="hold" grpId="0" nodeType="clickEffect">
+                                <p:cTn id="9" presetID="1" presetClass="entr" presetSubtype="0" fill="hold" grpId="0" nodeType="clickEffect">
                                   <p:stCondLst>
                                     <p:cond delay="0"/>
                                   </p:stCondLst>
                                   <p:childTnLst>
                                     <p:set>
                                       <p:cBhvr>
-                                        <p:cTn id="13" dur="1" fill="hold">
+                                        <p:cTn id="10" dur="1" fill="hold">
                                           <p:stCondLst>
                                             <p:cond delay="0"/>
                                           </p:stCondLst>
@@ -8756,7 +11615,8 @@
       </p:par>
     </p:tnLst>
     <p:bldLst>
-      <p:bldP spid="6" grpId="0"/>
+      <p:bldP spid="5" grpId="0" animBg="1"/>
+      <p:bldP spid="6" grpId="0" animBg="1"/>
     </p:bldLst>
   </p:timing>
 </p:sld>
@@ -9611,6 +12471,35 @@
           <a:chExt cx="0" cy="0"/>
         </a:xfrm>
       </p:grpSpPr>
+      <p:sp>
+        <p:nvSpPr>
+          <p:cNvPr id="2" name="Titre 1">
+            <a:extLst>
+              <a:ext uri="{FF2B5EF4-FFF2-40B4-BE49-F238E27FC236}">
+                <a16:creationId xmlns:a16="http://schemas.microsoft.com/office/drawing/2014/main" id="{97FA8879-5ADD-4153-9C4A-CF78B1D5CA27}"/>
+              </a:ext>
+            </a:extLst>
+          </p:cNvPr>
+          <p:cNvSpPr>
+            <a:spLocks noGrp="1"/>
+          </p:cNvSpPr>
+          <p:nvPr>
+            <p:ph type="title"/>
+          </p:nvPr>
+        </p:nvSpPr>
+        <p:spPr/>
+        <p:txBody>
+          <a:bodyPr/>
+          <a:lstStyle/>
+          <a:p>
+            <a:pPr algn="ctr"/>
+            <a:r>
+              <a:rPr lang="fr-FR" dirty="0"/>
+              <a:t>Test du modèle</a:t>
+            </a:r>
+          </a:p>
+        </p:txBody>
+      </p:sp>
       <p:pic>
         <p:nvPicPr>
           <p:cNvPr id="3" name="Image 2">
@@ -9647,50 +12536,221 @@
           </a:prstGeom>
         </p:spPr>
       </p:pic>
-      <p:sp>
-        <p:nvSpPr>
-          <p:cNvPr id="4" name="Titre 1">
-            <a:extLst>
-              <a:ext uri="{FF2B5EF4-FFF2-40B4-BE49-F238E27FC236}">
-                <a16:creationId xmlns:a16="http://schemas.microsoft.com/office/drawing/2014/main" id="{724904B1-15E4-4627-9445-4B222BFD12E7}"/>
-              </a:ext>
-            </a:extLst>
-          </p:cNvPr>
-          <p:cNvSpPr>
-            <a:spLocks noGrp="1"/>
-          </p:cNvSpPr>
-          <p:nvPr>
-            <p:ph type="title"/>
-          </p:nvPr>
-        </p:nvSpPr>
+      <p:pic>
+        <p:nvPicPr>
+          <p:cNvPr id="4" name="Image 3">
+            <a:extLst>
+              <a:ext uri="{FF2B5EF4-FFF2-40B4-BE49-F238E27FC236}">
+                <a16:creationId xmlns:a16="http://schemas.microsoft.com/office/drawing/2014/main" id="{80036FAB-5F5E-4DF9-A917-E5C3F8A2356F}"/>
+              </a:ext>
+            </a:extLst>
+          </p:cNvPr>
+          <p:cNvPicPr>
+            <a:picLocks noChangeAspect="1"/>
+          </p:cNvPicPr>
+          <p:nvPr/>
+        </p:nvPicPr>
+        <p:blipFill>
+          <a:blip r:embed="rId4"/>
+          <a:stretch>
+            <a:fillRect/>
+          </a:stretch>
+        </p:blipFill>
         <p:spPr>
           <a:xfrm>
-            <a:off x="838200" y="365125"/>
-            <a:ext cx="10515600" cy="1325563"/>
+            <a:off x="2957512" y="2047875"/>
+            <a:ext cx="6276975" cy="2762250"/>
           </a:xfrm>
+          <a:prstGeom prst="rect">
+            <a:avLst/>
+          </a:prstGeom>
         </p:spPr>
-        <p:txBody>
-          <a:bodyPr/>
+      </p:pic>
+      <p:sp>
+        <p:nvSpPr>
+          <p:cNvPr id="5" name="Rectangle 4">
+            <a:extLst>
+              <a:ext uri="{FF2B5EF4-FFF2-40B4-BE49-F238E27FC236}">
+                <a16:creationId xmlns:a16="http://schemas.microsoft.com/office/drawing/2014/main" id="{E7E4EE05-F2B9-414F-800D-08004AA43AC6}"/>
+              </a:ext>
+            </a:extLst>
+          </p:cNvPr>
+          <p:cNvSpPr/>
+          <p:nvPr/>
+        </p:nvSpPr>
+        <p:spPr>
+          <a:xfrm>
+            <a:off x="3121726" y="3195009"/>
+            <a:ext cx="6010399" cy="355714"/>
+          </a:xfrm>
+          <a:prstGeom prst="rect">
+            <a:avLst/>
+          </a:prstGeom>
+          <a:noFill/>
+          <a:ln>
+            <a:solidFill>
+              <a:srgbClr val="FF0000"/>
+            </a:solidFill>
+          </a:ln>
+        </p:spPr>
+        <p:style>
+          <a:lnRef idx="2">
+            <a:schemeClr val="accent1">
+              <a:shade val="50000"/>
+            </a:schemeClr>
+          </a:lnRef>
+          <a:fillRef idx="1">
+            <a:schemeClr val="accent1"/>
+          </a:fillRef>
+          <a:effectRef idx="0">
+            <a:schemeClr val="accent1"/>
+          </a:effectRef>
+          <a:fontRef idx="minor">
+            <a:schemeClr val="lt1"/>
+          </a:fontRef>
+        </p:style>
+        <p:txBody>
+          <a:bodyPr rtlCol="0" anchor="ctr"/>
           <a:lstStyle/>
           <a:p>
             <a:pPr algn="ctr"/>
-            <a:r>
-              <a:rPr lang="fr-FR" dirty="0"/>
-              <a:t>Identification des paramètres du modèle</a:t>
-            </a:r>
+            <a:endParaRPr lang="fr-FR"/>
           </a:p>
         </p:txBody>
       </p:sp>
     </p:spTree>
     <p:extLst>
       <p:ext uri="{BB962C8B-B14F-4D97-AF65-F5344CB8AC3E}">
-        <p14:creationId xmlns:p14="http://schemas.microsoft.com/office/powerpoint/2010/main" val="669993448"/>
+        <p14:creationId xmlns:p14="http://schemas.microsoft.com/office/powerpoint/2010/main" val="1323548186"/>
       </p:ext>
     </p:extLst>
   </p:cSld>
   <p:clrMapOvr>
     <a:masterClrMapping/>
   </p:clrMapOvr>
+  <p:timing>
+    <p:tnLst>
+      <p:par>
+        <p:cTn id="1" dur="indefinite" restart="never" nodeType="tmRoot">
+          <p:childTnLst>
+            <p:seq concurrent="1" nextAc="seek">
+              <p:cTn id="2" dur="indefinite" nodeType="mainSeq">
+                <p:childTnLst>
+                  <p:par>
+                    <p:cTn id="3" fill="hold">
+                      <p:stCondLst>
+                        <p:cond delay="indefinite"/>
+                      </p:stCondLst>
+                      <p:childTnLst>
+                        <p:par>
+                          <p:cTn id="4" fill="hold">
+                            <p:stCondLst>
+                              <p:cond delay="0"/>
+                            </p:stCondLst>
+                            <p:childTnLst>
+                              <p:par>
+                                <p:cTn id="5" presetID="1" presetClass="entr" presetSubtype="0" fill="hold" nodeType="clickEffect">
+                                  <p:stCondLst>
+                                    <p:cond delay="0"/>
+                                  </p:stCondLst>
+                                  <p:childTnLst>
+                                    <p:set>
+                                      <p:cBhvr>
+                                        <p:cTn id="6" dur="1" fill="hold">
+                                          <p:stCondLst>
+                                            <p:cond delay="0"/>
+                                          </p:stCondLst>
+                                        </p:cTn>
+                                        <p:tgtEl>
+                                          <p:spTgt spid="4"/>
+                                        </p:tgtEl>
+                                        <p:attrNameLst>
+                                          <p:attrName>style.visibility</p:attrName>
+                                        </p:attrNameLst>
+                                      </p:cBhvr>
+                                      <p:to>
+                                        <p:strVal val="visible"/>
+                                      </p:to>
+                                    </p:set>
+                                  </p:childTnLst>
+                                </p:cTn>
+                              </p:par>
+                            </p:childTnLst>
+                          </p:cTn>
+                        </p:par>
+                      </p:childTnLst>
+                    </p:cTn>
+                  </p:par>
+                  <p:par>
+                    <p:cTn id="7" fill="hold">
+                      <p:stCondLst>
+                        <p:cond delay="indefinite"/>
+                      </p:stCondLst>
+                      <p:childTnLst>
+                        <p:par>
+                          <p:cTn id="8" fill="hold">
+                            <p:stCondLst>
+                              <p:cond delay="0"/>
+                            </p:stCondLst>
+                            <p:childTnLst>
+                              <p:par>
+                                <p:cTn id="9" presetID="1" presetClass="entr" presetSubtype="0" fill="hold" grpId="0" nodeType="clickEffect">
+                                  <p:stCondLst>
+                                    <p:cond delay="0"/>
+                                  </p:stCondLst>
+                                  <p:childTnLst>
+                                    <p:set>
+                                      <p:cBhvr>
+                                        <p:cTn id="10" dur="1" fill="hold">
+                                          <p:stCondLst>
+                                            <p:cond delay="0"/>
+                                          </p:stCondLst>
+                                        </p:cTn>
+                                        <p:tgtEl>
+                                          <p:spTgt spid="5"/>
+                                        </p:tgtEl>
+                                        <p:attrNameLst>
+                                          <p:attrName>style.visibility</p:attrName>
+                                        </p:attrNameLst>
+                                      </p:cBhvr>
+                                      <p:to>
+                                        <p:strVal val="visible"/>
+                                      </p:to>
+                                    </p:set>
+                                  </p:childTnLst>
+                                </p:cTn>
+                              </p:par>
+                            </p:childTnLst>
+                          </p:cTn>
+                        </p:par>
+                      </p:childTnLst>
+                    </p:cTn>
+                  </p:par>
+                </p:childTnLst>
+              </p:cTn>
+              <p:prevCondLst>
+                <p:cond evt="onPrev" delay="0">
+                  <p:tgtEl>
+                    <p:sldTgt/>
+                  </p:tgtEl>
+                </p:cond>
+              </p:prevCondLst>
+              <p:nextCondLst>
+                <p:cond evt="onNext" delay="0">
+                  <p:tgtEl>
+                    <p:sldTgt/>
+                  </p:tgtEl>
+                </p:cond>
+              </p:nextCondLst>
+            </p:seq>
+          </p:childTnLst>
+        </p:cTn>
+      </p:par>
+    </p:tnLst>
+    <p:bldLst>
+      <p:bldP spid="5" grpId="0" animBg="1"/>
+    </p:bldLst>
+  </p:timing>
 </p:sld>
 </file>
 
@@ -9711,6 +12771,35 @@
           <a:chExt cx="0" cy="0"/>
         </a:xfrm>
       </p:grpSpPr>
+      <p:sp>
+        <p:nvSpPr>
+          <p:cNvPr id="2" name="Titre 1">
+            <a:extLst>
+              <a:ext uri="{FF2B5EF4-FFF2-40B4-BE49-F238E27FC236}">
+                <a16:creationId xmlns:a16="http://schemas.microsoft.com/office/drawing/2014/main" id="{97FA8879-5ADD-4153-9C4A-CF78B1D5CA27}"/>
+              </a:ext>
+            </a:extLst>
+          </p:cNvPr>
+          <p:cNvSpPr>
+            <a:spLocks noGrp="1"/>
+          </p:cNvSpPr>
+          <p:nvPr>
+            <p:ph type="title"/>
+          </p:nvPr>
+        </p:nvSpPr>
+        <p:spPr/>
+        <p:txBody>
+          <a:bodyPr/>
+          <a:lstStyle/>
+          <a:p>
+            <a:pPr algn="ctr"/>
+            <a:r>
+              <a:rPr lang="fr-FR" dirty="0"/>
+              <a:t>Test d’un nouveau modèle</a:t>
+            </a:r>
+          </a:p>
+        </p:txBody>
+      </p:sp>
       <p:pic>
         <p:nvPicPr>
           <p:cNvPr id="3" name="Image 2">
@@ -9747,50 +12836,274 @@
           </a:prstGeom>
         </p:spPr>
       </p:pic>
-      <p:sp>
-        <p:nvSpPr>
-          <p:cNvPr id="4" name="Titre 1">
-            <a:extLst>
-              <a:ext uri="{FF2B5EF4-FFF2-40B4-BE49-F238E27FC236}">
-                <a16:creationId xmlns:a16="http://schemas.microsoft.com/office/drawing/2014/main" id="{01A94B9E-2A17-46DC-9628-71607BBD4D26}"/>
-              </a:ext>
-            </a:extLst>
-          </p:cNvPr>
-          <p:cNvSpPr>
-            <a:spLocks noGrp="1"/>
-          </p:cNvSpPr>
-          <p:nvPr>
-            <p:ph type="title"/>
-          </p:nvPr>
-        </p:nvSpPr>
+      <p:pic>
+        <p:nvPicPr>
+          <p:cNvPr id="5" name="Image 4">
+            <a:extLst>
+              <a:ext uri="{FF2B5EF4-FFF2-40B4-BE49-F238E27FC236}">
+                <a16:creationId xmlns:a16="http://schemas.microsoft.com/office/drawing/2014/main" id="{AC6C6DF7-5105-4125-ABF3-85D49C893A5F}"/>
+              </a:ext>
+            </a:extLst>
+          </p:cNvPr>
+          <p:cNvPicPr>
+            <a:picLocks noChangeAspect="1"/>
+          </p:cNvPicPr>
+          <p:nvPr/>
+        </p:nvPicPr>
+        <p:blipFill>
+          <a:blip r:embed="rId4"/>
+          <a:stretch>
+            <a:fillRect/>
+          </a:stretch>
+        </p:blipFill>
         <p:spPr>
           <a:xfrm>
-            <a:off x="838200" y="365125"/>
-            <a:ext cx="10515600" cy="1325563"/>
+            <a:off x="1000125" y="1685925"/>
+            <a:ext cx="10191750" cy="3486150"/>
           </a:xfrm>
+          <a:prstGeom prst="rect">
+            <a:avLst/>
+          </a:prstGeom>
         </p:spPr>
-        <p:txBody>
-          <a:bodyPr/>
+      </p:pic>
+      <p:sp>
+        <p:nvSpPr>
+          <p:cNvPr id="6" name="Rectangle 5">
+            <a:extLst>
+              <a:ext uri="{FF2B5EF4-FFF2-40B4-BE49-F238E27FC236}">
+                <a16:creationId xmlns:a16="http://schemas.microsoft.com/office/drawing/2014/main" id="{712FA37B-D263-45F0-BAB1-A74B5F76ED50}"/>
+              </a:ext>
+            </a:extLst>
+          </p:cNvPr>
+          <p:cNvSpPr/>
+          <p:nvPr/>
+        </p:nvSpPr>
+        <p:spPr>
+          <a:xfrm flipV="1">
+            <a:off x="5248895" y="1685925"/>
+            <a:ext cx="3301340" cy="1325562"/>
+          </a:xfrm>
+          <a:prstGeom prst="rect">
+            <a:avLst/>
+          </a:prstGeom>
+          <a:noFill/>
+          <a:ln>
+            <a:solidFill>
+              <a:srgbClr val="FF0000"/>
+            </a:solidFill>
+          </a:ln>
+        </p:spPr>
+        <p:style>
+          <a:lnRef idx="2">
+            <a:schemeClr val="accent1">
+              <a:shade val="50000"/>
+            </a:schemeClr>
+          </a:lnRef>
+          <a:fillRef idx="1">
+            <a:schemeClr val="accent1"/>
+          </a:fillRef>
+          <a:effectRef idx="0">
+            <a:schemeClr val="accent1"/>
+          </a:effectRef>
+          <a:fontRef idx="minor">
+            <a:schemeClr val="lt1"/>
+          </a:fontRef>
+        </p:style>
+        <p:txBody>
+          <a:bodyPr rtlCol="0" anchor="ctr"/>
           <a:lstStyle/>
           <a:p>
             <a:pPr algn="ctr"/>
-            <a:r>
-              <a:rPr lang="fr-FR" dirty="0"/>
-              <a:t>Identification des paramètres du modèle</a:t>
-            </a:r>
+            <a:endParaRPr lang="fr-FR"/>
+          </a:p>
+        </p:txBody>
+      </p:sp>
+      <p:sp>
+        <p:nvSpPr>
+          <p:cNvPr id="7" name="Rectangle 6">
+            <a:extLst>
+              <a:ext uri="{FF2B5EF4-FFF2-40B4-BE49-F238E27FC236}">
+                <a16:creationId xmlns:a16="http://schemas.microsoft.com/office/drawing/2014/main" id="{C03BCDF8-F0CC-44E3-A3C3-0C93344B31A4}"/>
+              </a:ext>
+            </a:extLst>
+          </p:cNvPr>
+          <p:cNvSpPr/>
+          <p:nvPr/>
+        </p:nvSpPr>
+        <p:spPr>
+          <a:xfrm>
+            <a:off x="1000125" y="3913923"/>
+            <a:ext cx="10191750" cy="1258151"/>
+          </a:xfrm>
+          <a:prstGeom prst="rect">
+            <a:avLst/>
+          </a:prstGeom>
+          <a:noFill/>
+          <a:ln>
+            <a:solidFill>
+              <a:srgbClr val="FF0000"/>
+            </a:solidFill>
+          </a:ln>
+        </p:spPr>
+        <p:style>
+          <a:lnRef idx="2">
+            <a:schemeClr val="accent1">
+              <a:shade val="50000"/>
+            </a:schemeClr>
+          </a:lnRef>
+          <a:fillRef idx="1">
+            <a:schemeClr val="accent1"/>
+          </a:fillRef>
+          <a:effectRef idx="0">
+            <a:schemeClr val="accent1"/>
+          </a:effectRef>
+          <a:fontRef idx="minor">
+            <a:schemeClr val="lt1"/>
+          </a:fontRef>
+        </p:style>
+        <p:txBody>
+          <a:bodyPr rtlCol="0" anchor="ctr"/>
+          <a:lstStyle/>
+          <a:p>
+            <a:pPr algn="ctr"/>
+            <a:endParaRPr lang="fr-FR"/>
           </a:p>
         </p:txBody>
       </p:sp>
     </p:spTree>
     <p:extLst>
       <p:ext uri="{BB962C8B-B14F-4D97-AF65-F5344CB8AC3E}">
-        <p14:creationId xmlns:p14="http://schemas.microsoft.com/office/powerpoint/2010/main" val="2343999178"/>
+        <p14:creationId xmlns:p14="http://schemas.microsoft.com/office/powerpoint/2010/main" val="2949068772"/>
       </p:ext>
     </p:extLst>
   </p:cSld>
   <p:clrMapOvr>
     <a:masterClrMapping/>
   </p:clrMapOvr>
+  <p:timing>
+    <p:tnLst>
+      <p:par>
+        <p:cTn id="1" dur="indefinite" restart="never" nodeType="tmRoot">
+          <p:childTnLst>
+            <p:seq concurrent="1" nextAc="seek">
+              <p:cTn id="2" dur="indefinite" nodeType="mainSeq">
+                <p:childTnLst>
+                  <p:par>
+                    <p:cTn id="3" fill="hold">
+                      <p:stCondLst>
+                        <p:cond delay="indefinite"/>
+                      </p:stCondLst>
+                      <p:childTnLst>
+                        <p:par>
+                          <p:cTn id="4" fill="hold">
+                            <p:stCondLst>
+                              <p:cond delay="0"/>
+                            </p:stCondLst>
+                            <p:childTnLst>
+                              <p:par>
+                                <p:cTn id="5" presetID="1" presetClass="entr" presetSubtype="0" fill="hold" grpId="0" nodeType="clickEffect">
+                                  <p:stCondLst>
+                                    <p:cond delay="0"/>
+                                  </p:stCondLst>
+                                  <p:childTnLst>
+                                    <p:set>
+                                      <p:cBhvr>
+                                        <p:cTn id="6" dur="1" fill="hold">
+                                          <p:stCondLst>
+                                            <p:cond delay="0"/>
+                                          </p:stCondLst>
+                                        </p:cTn>
+                                        <p:tgtEl>
+                                          <p:spTgt spid="6"/>
+                                        </p:tgtEl>
+                                        <p:attrNameLst>
+                                          <p:attrName>style.visibility</p:attrName>
+                                        </p:attrNameLst>
+                                      </p:cBhvr>
+                                      <p:to>
+                                        <p:strVal val="visible"/>
+                                      </p:to>
+                                    </p:set>
+                                  </p:childTnLst>
+                                </p:cTn>
+                              </p:par>
+                            </p:childTnLst>
+                          </p:cTn>
+                        </p:par>
+                      </p:childTnLst>
+                    </p:cTn>
+                  </p:par>
+                  <p:par>
+                    <p:cTn id="7" fill="hold">
+                      <p:stCondLst>
+                        <p:cond delay="indefinite"/>
+                      </p:stCondLst>
+                      <p:childTnLst>
+                        <p:par>
+                          <p:cTn id="8" fill="hold">
+                            <p:stCondLst>
+                              <p:cond delay="0"/>
+                            </p:stCondLst>
+                            <p:childTnLst>
+                              <p:par>
+                                <p:cTn id="9" presetID="1" presetClass="entr" presetSubtype="0" fill="hold" grpId="0" nodeType="clickEffect">
+                                  <p:stCondLst>
+                                    <p:cond delay="0"/>
+                                  </p:stCondLst>
+                                  <p:childTnLst>
+                                    <p:set>
+                                      <p:cBhvr>
+                                        <p:cTn id="10" dur="1" fill="hold">
+                                          <p:stCondLst>
+                                            <p:cond delay="0"/>
+                                          </p:stCondLst>
+                                        </p:cTn>
+                                        <p:tgtEl>
+                                          <p:spTgt spid="7"/>
+                                        </p:tgtEl>
+                                        <p:attrNameLst>
+                                          <p:attrName>style.visibility</p:attrName>
+                                        </p:attrNameLst>
+                                      </p:cBhvr>
+                                      <p:to>
+                                        <p:strVal val="visible"/>
+                                      </p:to>
+                                    </p:set>
+                                  </p:childTnLst>
+                                </p:cTn>
+                              </p:par>
+                            </p:childTnLst>
+                          </p:cTn>
+                        </p:par>
+                      </p:childTnLst>
+                    </p:cTn>
+                  </p:par>
+                </p:childTnLst>
+              </p:cTn>
+              <p:prevCondLst>
+                <p:cond evt="onPrev" delay="0">
+                  <p:tgtEl>
+                    <p:sldTgt/>
+                  </p:tgtEl>
+                </p:cond>
+              </p:prevCondLst>
+              <p:nextCondLst>
+                <p:cond evt="onNext" delay="0">
+                  <p:tgtEl>
+                    <p:sldTgt/>
+                  </p:tgtEl>
+                </p:cond>
+              </p:nextCondLst>
+            </p:seq>
+          </p:childTnLst>
+        </p:cTn>
+      </p:par>
+    </p:tnLst>
+    <p:bldLst>
+      <p:bldP spid="6" grpId="0" animBg="1"/>
+      <p:bldP spid="7" grpId="0" animBg="1"/>
+    </p:bldLst>
+  </p:timing>
 </p:sld>
 </file>
 
@@ -9835,7 +13148,7 @@
             <a:pPr algn="ctr"/>
             <a:r>
               <a:rPr lang="fr-FR" dirty="0"/>
-              <a:t>Test du premier modèle</a:t>
+              <a:t>Test d’un nouveau modèle</a:t>
             </a:r>
           </a:p>
         </p:txBody>
@@ -9876,16 +13189,176 @@
           </a:prstGeom>
         </p:spPr>
       </p:pic>
+      <p:pic>
+        <p:nvPicPr>
+          <p:cNvPr id="4" name="Image 3">
+            <a:extLst>
+              <a:ext uri="{FF2B5EF4-FFF2-40B4-BE49-F238E27FC236}">
+                <a16:creationId xmlns:a16="http://schemas.microsoft.com/office/drawing/2014/main" id="{A9A6A9DD-46F8-4CA5-9151-4A4DA62E12F4}"/>
+              </a:ext>
+            </a:extLst>
+          </p:cNvPr>
+          <p:cNvPicPr>
+            <a:picLocks noChangeAspect="1"/>
+          </p:cNvPicPr>
+          <p:nvPr/>
+        </p:nvPicPr>
+        <p:blipFill>
+          <a:blip r:embed="rId4"/>
+          <a:stretch>
+            <a:fillRect/>
+          </a:stretch>
+        </p:blipFill>
+        <p:spPr>
+          <a:xfrm>
+            <a:off x="1618447" y="1889803"/>
+            <a:ext cx="8955105" cy="3922227"/>
+          </a:xfrm>
+          <a:prstGeom prst="rect">
+            <a:avLst/>
+          </a:prstGeom>
+        </p:spPr>
+      </p:pic>
+      <p:sp>
+        <p:nvSpPr>
+          <p:cNvPr id="5" name="Rectangle 4">
+            <a:extLst>
+              <a:ext uri="{FF2B5EF4-FFF2-40B4-BE49-F238E27FC236}">
+                <a16:creationId xmlns:a16="http://schemas.microsoft.com/office/drawing/2014/main" id="{B4C1C60A-2F61-4312-8C52-8097335675B0}"/>
+              </a:ext>
+            </a:extLst>
+          </p:cNvPr>
+          <p:cNvSpPr/>
+          <p:nvPr/>
+        </p:nvSpPr>
+        <p:spPr>
+          <a:xfrm>
+            <a:off x="6388925" y="3429000"/>
+            <a:ext cx="653143" cy="1142999"/>
+          </a:xfrm>
+          <a:prstGeom prst="rect">
+            <a:avLst/>
+          </a:prstGeom>
+          <a:noFill/>
+          <a:ln>
+            <a:solidFill>
+              <a:srgbClr val="FF0000"/>
+            </a:solidFill>
+          </a:ln>
+        </p:spPr>
+        <p:style>
+          <a:lnRef idx="2">
+            <a:schemeClr val="accent1">
+              <a:shade val="50000"/>
+            </a:schemeClr>
+          </a:lnRef>
+          <a:fillRef idx="1">
+            <a:schemeClr val="accent1"/>
+          </a:fillRef>
+          <a:effectRef idx="0">
+            <a:schemeClr val="accent1"/>
+          </a:effectRef>
+          <a:fontRef idx="minor">
+            <a:schemeClr val="lt1"/>
+          </a:fontRef>
+        </p:style>
+        <p:txBody>
+          <a:bodyPr rtlCol="0" anchor="ctr"/>
+          <a:lstStyle/>
+          <a:p>
+            <a:pPr algn="ctr"/>
+            <a:endParaRPr lang="fr-FR"/>
+          </a:p>
+        </p:txBody>
+      </p:sp>
     </p:spTree>
     <p:extLst>
       <p:ext uri="{BB962C8B-B14F-4D97-AF65-F5344CB8AC3E}">
-        <p14:creationId xmlns:p14="http://schemas.microsoft.com/office/powerpoint/2010/main" val="3790482417"/>
+        <p14:creationId xmlns:p14="http://schemas.microsoft.com/office/powerpoint/2010/main" val="1465178527"/>
       </p:ext>
     </p:extLst>
   </p:cSld>
   <p:clrMapOvr>
     <a:masterClrMapping/>
   </p:clrMapOvr>
+  <p:timing>
+    <p:tnLst>
+      <p:par>
+        <p:cTn id="1" dur="indefinite" restart="never" nodeType="tmRoot">
+          <p:childTnLst>
+            <p:seq concurrent="1" nextAc="seek">
+              <p:cTn id="2" dur="indefinite" nodeType="mainSeq">
+                <p:childTnLst>
+                  <p:par>
+                    <p:cTn id="3" fill="hold">
+                      <p:stCondLst>
+                        <p:cond delay="indefinite"/>
+                      </p:stCondLst>
+                      <p:childTnLst>
+                        <p:par>
+                          <p:cTn id="4" fill="hold">
+                            <p:stCondLst>
+                              <p:cond delay="0"/>
+                            </p:stCondLst>
+                            <p:childTnLst>
+                              <p:par>
+                                <p:cTn id="5" presetID="1" presetClass="entr" presetSubtype="0" fill="hold" grpId="0" nodeType="clickEffect">
+                                  <p:stCondLst>
+                                    <p:cond delay="0"/>
+                                  </p:stCondLst>
+                                  <p:childTnLst>
+                                    <p:set>
+                                      <p:cBhvr>
+                                        <p:cTn id="6" dur="1" fill="hold">
+                                          <p:stCondLst>
+                                            <p:cond delay="0"/>
+                                          </p:stCondLst>
+                                        </p:cTn>
+                                        <p:tgtEl>
+                                          <p:spTgt spid="5"/>
+                                        </p:tgtEl>
+                                        <p:attrNameLst>
+                                          <p:attrName>style.visibility</p:attrName>
+                                        </p:attrNameLst>
+                                      </p:cBhvr>
+                                      <p:to>
+                                        <p:strVal val="visible"/>
+                                      </p:to>
+                                    </p:set>
+                                  </p:childTnLst>
+                                </p:cTn>
+                              </p:par>
+                            </p:childTnLst>
+                          </p:cTn>
+                        </p:par>
+                      </p:childTnLst>
+                    </p:cTn>
+                  </p:par>
+                </p:childTnLst>
+              </p:cTn>
+              <p:prevCondLst>
+                <p:cond evt="onPrev" delay="0">
+                  <p:tgtEl>
+                    <p:sldTgt/>
+                  </p:tgtEl>
+                </p:cond>
+              </p:prevCondLst>
+              <p:nextCondLst>
+                <p:cond evt="onNext" delay="0">
+                  <p:tgtEl>
+                    <p:sldTgt/>
+                  </p:tgtEl>
+                </p:cond>
+              </p:nextCondLst>
+            </p:seq>
+          </p:childTnLst>
+        </p:cTn>
+      </p:par>
+    </p:tnLst>
+    <p:bldLst>
+      <p:bldP spid="5" grpId="0" animBg="1"/>
+    </p:bldLst>
+  </p:timing>
 </p:sld>
 </file>
 
@@ -9930,7 +13403,7 @@
             <a:pPr algn="ctr"/>
             <a:r>
               <a:rPr lang="fr-FR" dirty="0"/>
-              <a:t>Création d’une fonction d’optimisation</a:t>
+              <a:t>Test d’un nouveau modèle</a:t>
             </a:r>
           </a:p>
         </p:txBody>
@@ -9971,16 +13444,255 @@
           </a:prstGeom>
         </p:spPr>
       </p:pic>
+      <p:pic>
+        <p:nvPicPr>
+          <p:cNvPr id="4" name="Image 3">
+            <a:extLst>
+              <a:ext uri="{FF2B5EF4-FFF2-40B4-BE49-F238E27FC236}">
+                <a16:creationId xmlns:a16="http://schemas.microsoft.com/office/drawing/2014/main" id="{FE41AC3A-A482-410D-99FB-CB878CC9AD8F}"/>
+              </a:ext>
+            </a:extLst>
+          </p:cNvPr>
+          <p:cNvPicPr>
+            <a:picLocks noChangeAspect="1"/>
+          </p:cNvPicPr>
+          <p:nvPr/>
+        </p:nvPicPr>
+        <p:blipFill>
+          <a:blip r:embed="rId4"/>
+          <a:stretch>
+            <a:fillRect/>
+          </a:stretch>
+        </p:blipFill>
+        <p:spPr>
+          <a:xfrm>
+            <a:off x="4619624" y="2225077"/>
+            <a:ext cx="2952750" cy="1752600"/>
+          </a:xfrm>
+          <a:prstGeom prst="rect">
+            <a:avLst/>
+          </a:prstGeom>
+        </p:spPr>
+      </p:pic>
+      <p:pic>
+        <p:nvPicPr>
+          <p:cNvPr id="5" name="Image 4">
+            <a:extLst>
+              <a:ext uri="{FF2B5EF4-FFF2-40B4-BE49-F238E27FC236}">
+                <a16:creationId xmlns:a16="http://schemas.microsoft.com/office/drawing/2014/main" id="{B578230A-411A-4B19-A288-6E0B371A5C12}"/>
+              </a:ext>
+            </a:extLst>
+          </p:cNvPr>
+          <p:cNvPicPr>
+            <a:picLocks noChangeAspect="1"/>
+          </p:cNvPicPr>
+          <p:nvPr/>
+        </p:nvPicPr>
+        <p:blipFill>
+          <a:blip r:embed="rId5"/>
+          <a:stretch>
+            <a:fillRect/>
+          </a:stretch>
+        </p:blipFill>
+        <p:spPr>
+          <a:xfrm>
+            <a:off x="3395662" y="4968875"/>
+            <a:ext cx="5400675" cy="466725"/>
+          </a:xfrm>
+          <a:prstGeom prst="rect">
+            <a:avLst/>
+          </a:prstGeom>
+        </p:spPr>
+      </p:pic>
+      <p:sp>
+        <p:nvSpPr>
+          <p:cNvPr id="6" name="ZoneTexte 5">
+            <a:extLst>
+              <a:ext uri="{FF2B5EF4-FFF2-40B4-BE49-F238E27FC236}">
+                <a16:creationId xmlns:a16="http://schemas.microsoft.com/office/drawing/2014/main" id="{A547F03F-CA9E-48CA-87E0-2A13B86418AC}"/>
+              </a:ext>
+            </a:extLst>
+          </p:cNvPr>
+          <p:cNvSpPr txBox="1"/>
+          <p:nvPr/>
+        </p:nvSpPr>
+        <p:spPr>
+          <a:xfrm>
+            <a:off x="5294305" y="1730706"/>
+            <a:ext cx="1603388" cy="369332"/>
+          </a:xfrm>
+          <a:prstGeom prst="rect">
+            <a:avLst/>
+          </a:prstGeom>
+          <a:noFill/>
+        </p:spPr>
+        <p:txBody>
+          <a:bodyPr wrap="none" rtlCol="0">
+            <a:spAutoFit/>
+          </a:bodyPr>
+          <a:lstStyle/>
+          <a:p>
+            <a:r>
+              <a:rPr lang="fr-FR" dirty="0" err="1"/>
+              <a:t>Ljungbox</a:t>
+            </a:r>
+            <a:r>
+              <a:rPr lang="fr-FR" dirty="0"/>
+              <a:t> test : </a:t>
+            </a:r>
+          </a:p>
+        </p:txBody>
+      </p:sp>
+      <p:sp>
+        <p:nvSpPr>
+          <p:cNvPr id="7" name="ZoneTexte 6">
+            <a:extLst>
+              <a:ext uri="{FF2B5EF4-FFF2-40B4-BE49-F238E27FC236}">
+                <a16:creationId xmlns:a16="http://schemas.microsoft.com/office/drawing/2014/main" id="{C2EA7523-1789-468A-9688-5B7ED2AEEF18}"/>
+              </a:ext>
+            </a:extLst>
+          </p:cNvPr>
+          <p:cNvSpPr txBox="1"/>
+          <p:nvPr/>
+        </p:nvSpPr>
+        <p:spPr>
+          <a:xfrm>
+            <a:off x="5360445" y="4599543"/>
+            <a:ext cx="1471108" cy="369332"/>
+          </a:xfrm>
+          <a:prstGeom prst="rect">
+            <a:avLst/>
+          </a:prstGeom>
+          <a:noFill/>
+        </p:spPr>
+        <p:txBody>
+          <a:bodyPr wrap="none" rtlCol="0">
+            <a:spAutoFit/>
+          </a:bodyPr>
+          <a:lstStyle/>
+          <a:p>
+            <a:r>
+              <a:rPr lang="fr-FR" dirty="0"/>
+              <a:t>Shapiro test : </a:t>
+            </a:r>
+          </a:p>
+        </p:txBody>
+      </p:sp>
     </p:spTree>
     <p:extLst>
       <p:ext uri="{BB962C8B-B14F-4D97-AF65-F5344CB8AC3E}">
-        <p14:creationId xmlns:p14="http://schemas.microsoft.com/office/powerpoint/2010/main" val="2262185835"/>
+        <p14:creationId xmlns:p14="http://schemas.microsoft.com/office/powerpoint/2010/main" val="552908218"/>
       </p:ext>
     </p:extLst>
   </p:cSld>
   <p:clrMapOvr>
     <a:masterClrMapping/>
   </p:clrMapOvr>
+  <p:timing>
+    <p:tnLst>
+      <p:par>
+        <p:cTn id="1" dur="indefinite" restart="never" nodeType="tmRoot">
+          <p:childTnLst>
+            <p:seq concurrent="1" nextAc="seek">
+              <p:cTn id="2" dur="indefinite" nodeType="mainSeq">
+                <p:childTnLst>
+                  <p:par>
+                    <p:cTn id="3" fill="hold">
+                      <p:stCondLst>
+                        <p:cond delay="indefinite"/>
+                      </p:stCondLst>
+                      <p:childTnLst>
+                        <p:par>
+                          <p:cTn id="4" fill="hold">
+                            <p:stCondLst>
+                              <p:cond delay="0"/>
+                            </p:stCondLst>
+                            <p:childTnLst>
+                              <p:par>
+                                <p:cTn id="5" presetID="1" presetClass="entr" presetSubtype="0" fill="hold" grpId="0" nodeType="clickEffect">
+                                  <p:stCondLst>
+                                    <p:cond delay="0"/>
+                                  </p:stCondLst>
+                                  <p:childTnLst>
+                                    <p:set>
+                                      <p:cBhvr>
+                                        <p:cTn id="6" dur="1" fill="hold">
+                                          <p:stCondLst>
+                                            <p:cond delay="0"/>
+                                          </p:stCondLst>
+                                        </p:cTn>
+                                        <p:tgtEl>
+                                          <p:spTgt spid="7"/>
+                                        </p:tgtEl>
+                                        <p:attrNameLst>
+                                          <p:attrName>style.visibility</p:attrName>
+                                        </p:attrNameLst>
+                                      </p:cBhvr>
+                                      <p:to>
+                                        <p:strVal val="visible"/>
+                                      </p:to>
+                                    </p:set>
+                                  </p:childTnLst>
+                                </p:cTn>
+                              </p:par>
+                              <p:par>
+                                <p:cTn id="7" presetID="1" presetClass="entr" presetSubtype="0" fill="hold" nodeType="withEffect">
+                                  <p:stCondLst>
+                                    <p:cond delay="0"/>
+                                  </p:stCondLst>
+                                  <p:childTnLst>
+                                    <p:set>
+                                      <p:cBhvr>
+                                        <p:cTn id="8" dur="1" fill="hold">
+                                          <p:stCondLst>
+                                            <p:cond delay="0"/>
+                                          </p:stCondLst>
+                                        </p:cTn>
+                                        <p:tgtEl>
+                                          <p:spTgt spid="5"/>
+                                        </p:tgtEl>
+                                        <p:attrNameLst>
+                                          <p:attrName>style.visibility</p:attrName>
+                                        </p:attrNameLst>
+                                      </p:cBhvr>
+                                      <p:to>
+                                        <p:strVal val="visible"/>
+                                      </p:to>
+                                    </p:set>
+                                  </p:childTnLst>
+                                </p:cTn>
+                              </p:par>
+                            </p:childTnLst>
+                          </p:cTn>
+                        </p:par>
+                      </p:childTnLst>
+                    </p:cTn>
+                  </p:par>
+                </p:childTnLst>
+              </p:cTn>
+              <p:prevCondLst>
+                <p:cond evt="onPrev" delay="0">
+                  <p:tgtEl>
+                    <p:sldTgt/>
+                  </p:tgtEl>
+                </p:cond>
+              </p:prevCondLst>
+              <p:nextCondLst>
+                <p:cond evt="onNext" delay="0">
+                  <p:tgtEl>
+                    <p:sldTgt/>
+                  </p:tgtEl>
+                </p:cond>
+              </p:nextCondLst>
+            </p:seq>
+          </p:childTnLst>
+        </p:cTn>
+      </p:par>
+    </p:tnLst>
+    <p:bldLst>
+      <p:bldP spid="7" grpId="0"/>
+    </p:bldLst>
+  </p:timing>
 </p:sld>
 </file>
 
@@ -10001,41 +13713,12 @@
           <a:chExt cx="0" cy="0"/>
         </a:xfrm>
       </p:grpSpPr>
-      <p:sp>
-        <p:nvSpPr>
-          <p:cNvPr id="2" name="Titre 1">
-            <a:extLst>
-              <a:ext uri="{FF2B5EF4-FFF2-40B4-BE49-F238E27FC236}">
-                <a16:creationId xmlns:a16="http://schemas.microsoft.com/office/drawing/2014/main" id="{97FA8879-5ADD-4153-9C4A-CF78B1D5CA27}"/>
-              </a:ext>
-            </a:extLst>
-          </p:cNvPr>
-          <p:cNvSpPr>
-            <a:spLocks noGrp="1"/>
-          </p:cNvSpPr>
-          <p:nvPr>
-            <p:ph type="title"/>
-          </p:nvPr>
-        </p:nvSpPr>
-        <p:spPr/>
-        <p:txBody>
-          <a:bodyPr/>
-          <a:lstStyle/>
-          <a:p>
-            <a:pPr algn="ctr"/>
-            <a:r>
-              <a:rPr lang="fr-FR" dirty="0"/>
-              <a:t>Test d’un nouveau modèle</a:t>
-            </a:r>
-          </a:p>
-        </p:txBody>
-      </p:sp>
       <p:pic>
         <p:nvPicPr>
-          <p:cNvPr id="3" name="Image 2">
-            <a:extLst>
-              <a:ext uri="{FF2B5EF4-FFF2-40B4-BE49-F238E27FC236}">
-                <a16:creationId xmlns:a16="http://schemas.microsoft.com/office/drawing/2014/main" id="{0FF4B3BB-055B-47BF-B548-DF65C111BFFB}"/>
+          <p:cNvPr id="5" name="Image 4">
+            <a:extLst>
+              <a:ext uri="{FF2B5EF4-FFF2-40B4-BE49-F238E27FC236}">
+                <a16:creationId xmlns:a16="http://schemas.microsoft.com/office/drawing/2014/main" id="{4F868F5C-EFE0-43DB-88EF-60B8FE0A5454}"/>
               </a:ext>
             </a:extLst>
           </p:cNvPr>
@@ -10058,8 +13741,8 @@
         </p:blipFill>
         <p:spPr>
           <a:xfrm>
-            <a:off x="10769600" y="5435600"/>
-            <a:ext cx="1422400" cy="1422400"/>
+            <a:off x="188167" y="475083"/>
+            <a:ext cx="11815666" cy="5907833"/>
           </a:xfrm>
           <a:prstGeom prst="rect">
             <a:avLst/>
@@ -10069,7 +13752,7 @@
     </p:spTree>
     <p:extLst>
       <p:ext uri="{BB962C8B-B14F-4D97-AF65-F5344CB8AC3E}">
-        <p14:creationId xmlns:p14="http://schemas.microsoft.com/office/powerpoint/2010/main" val="1323548186"/>
+        <p14:creationId xmlns:p14="http://schemas.microsoft.com/office/powerpoint/2010/main" val="3253220978"/>
       </p:ext>
     </p:extLst>
   </p:cSld>
@@ -10120,7 +13803,7 @@
             <a:pPr algn="ctr"/>
             <a:r>
               <a:rPr lang="fr-FR" dirty="0"/>
-              <a:t>Analyse du modèle</a:t>
+              <a:t>Analyse des résultats du modèle</a:t>
             </a:r>
           </a:p>
         </p:txBody>
@@ -10155,6 +13838,41 @@
           <a:xfrm>
             <a:off x="10769600" y="5435600"/>
             <a:ext cx="1422400" cy="1422400"/>
+          </a:xfrm>
+          <a:prstGeom prst="rect">
+            <a:avLst/>
+          </a:prstGeom>
+        </p:spPr>
+      </p:pic>
+      <p:pic>
+        <p:nvPicPr>
+          <p:cNvPr id="6" name="Image 5">
+            <a:extLst>
+              <a:ext uri="{FF2B5EF4-FFF2-40B4-BE49-F238E27FC236}">
+                <a16:creationId xmlns:a16="http://schemas.microsoft.com/office/drawing/2014/main" id="{E2542393-9E11-466F-AB73-3BB5619521CA}"/>
+              </a:ext>
+            </a:extLst>
+          </p:cNvPr>
+          <p:cNvPicPr>
+            <a:picLocks noChangeAspect="1"/>
+          </p:cNvPicPr>
+          <p:nvPr/>
+        </p:nvPicPr>
+        <p:blipFill rotWithShape="1">
+          <a:blip r:embed="rId4">
+            <a:extLst>
+              <a:ext uri="{28A0092B-C50C-407E-A947-70E740481C1C}">
+                <a14:useLocalDpi xmlns:a14="http://schemas.microsoft.com/office/drawing/2010/main" val="0"/>
+              </a:ext>
+            </a:extLst>
+          </a:blip>
+          <a:srcRect l="8766" t="11649" r="8442" b="6988"/>
+          <a:stretch/>
+        </p:blipFill>
+        <p:spPr>
+          <a:xfrm>
+            <a:off x="1650224" y="1690688"/>
+            <a:ext cx="8891551" cy="3744912"/>
           </a:xfrm>
           <a:prstGeom prst="rect">
             <a:avLst/>
@@ -10175,6 +13893,316 @@
 </file>
 
 <file path=ppt/slides/slide26.xml><?xml version="1.0" encoding="utf-8"?>
+<p:sld xmlns:a="http://schemas.openxmlformats.org/drawingml/2006/main" xmlns:r="http://schemas.openxmlformats.org/officeDocument/2006/relationships" xmlns:p="http://schemas.openxmlformats.org/presentationml/2006/main">
+  <p:cSld>
+    <p:spTree>
+      <p:nvGrpSpPr>
+        <p:cNvPr id="1" name=""/>
+        <p:cNvGrpSpPr/>
+        <p:nvPr/>
+      </p:nvGrpSpPr>
+      <p:grpSpPr>
+        <a:xfrm>
+          <a:off x="0" y="0"/>
+          <a:ext cx="0" cy="0"/>
+          <a:chOff x="0" y="0"/>
+          <a:chExt cx="0" cy="0"/>
+        </a:xfrm>
+      </p:grpSpPr>
+      <p:sp>
+        <p:nvSpPr>
+          <p:cNvPr id="2" name="Titre 1">
+            <a:extLst>
+              <a:ext uri="{FF2B5EF4-FFF2-40B4-BE49-F238E27FC236}">
+                <a16:creationId xmlns:a16="http://schemas.microsoft.com/office/drawing/2014/main" id="{97FA8879-5ADD-4153-9C4A-CF78B1D5CA27}"/>
+              </a:ext>
+            </a:extLst>
+          </p:cNvPr>
+          <p:cNvSpPr>
+            <a:spLocks noGrp="1"/>
+          </p:cNvSpPr>
+          <p:nvPr>
+            <p:ph type="title"/>
+          </p:nvPr>
+        </p:nvSpPr>
+        <p:spPr/>
+        <p:txBody>
+          <a:bodyPr/>
+          <a:lstStyle/>
+          <a:p>
+            <a:pPr algn="ctr"/>
+            <a:r>
+              <a:rPr lang="fr-FR" dirty="0"/>
+              <a:t>Analyse des résultats du modèle</a:t>
+            </a:r>
+          </a:p>
+        </p:txBody>
+      </p:sp>
+      <p:pic>
+        <p:nvPicPr>
+          <p:cNvPr id="3" name="Image 2">
+            <a:extLst>
+              <a:ext uri="{FF2B5EF4-FFF2-40B4-BE49-F238E27FC236}">
+                <a16:creationId xmlns:a16="http://schemas.microsoft.com/office/drawing/2014/main" id="{0FF4B3BB-055B-47BF-B548-DF65C111BFFB}"/>
+              </a:ext>
+            </a:extLst>
+          </p:cNvPr>
+          <p:cNvPicPr>
+            <a:picLocks noChangeAspect="1"/>
+          </p:cNvPicPr>
+          <p:nvPr/>
+        </p:nvPicPr>
+        <p:blipFill>
+          <a:blip r:embed="rId3">
+            <a:extLst>
+              <a:ext uri="{28A0092B-C50C-407E-A947-70E740481C1C}">
+                <a14:useLocalDpi xmlns:a14="http://schemas.microsoft.com/office/drawing/2010/main" val="0"/>
+              </a:ext>
+            </a:extLst>
+          </a:blip>
+          <a:stretch>
+            <a:fillRect/>
+          </a:stretch>
+        </p:blipFill>
+        <p:spPr>
+          <a:xfrm>
+            <a:off x="10769600" y="5435600"/>
+            <a:ext cx="1422400" cy="1422400"/>
+          </a:xfrm>
+          <a:prstGeom prst="rect">
+            <a:avLst/>
+          </a:prstGeom>
+        </p:spPr>
+      </p:pic>
+      <p:pic>
+        <p:nvPicPr>
+          <p:cNvPr id="5" name="Image 4">
+            <a:extLst>
+              <a:ext uri="{FF2B5EF4-FFF2-40B4-BE49-F238E27FC236}">
+                <a16:creationId xmlns:a16="http://schemas.microsoft.com/office/drawing/2014/main" id="{0DA3CC0D-D5AE-4D7D-A1B9-4424EF9A7C66}"/>
+              </a:ext>
+            </a:extLst>
+          </p:cNvPr>
+          <p:cNvPicPr>
+            <a:picLocks noChangeAspect="1"/>
+          </p:cNvPicPr>
+          <p:nvPr/>
+        </p:nvPicPr>
+        <p:blipFill rotWithShape="1">
+          <a:blip r:embed="rId4">
+            <a:extLst>
+              <a:ext uri="{28A0092B-C50C-407E-A947-70E740481C1C}">
+                <a14:useLocalDpi xmlns:a14="http://schemas.microsoft.com/office/drawing/2010/main" val="0"/>
+              </a:ext>
+            </a:extLst>
+          </a:blip>
+          <a:srcRect l="8863" t="11393" r="9709" b="7444"/>
+          <a:stretch/>
+        </p:blipFill>
+        <p:spPr>
+          <a:xfrm>
+            <a:off x="1515351" y="1690688"/>
+            <a:ext cx="9161297" cy="3913527"/>
+          </a:xfrm>
+          <a:prstGeom prst="rect">
+            <a:avLst/>
+          </a:prstGeom>
+        </p:spPr>
+      </p:pic>
+      <p:pic>
+        <p:nvPicPr>
+          <p:cNvPr id="6" name="Image 5">
+            <a:extLst>
+              <a:ext uri="{FF2B5EF4-FFF2-40B4-BE49-F238E27FC236}">
+                <a16:creationId xmlns:a16="http://schemas.microsoft.com/office/drawing/2014/main" id="{AAB63F5E-7D6E-4FAD-864F-BF633217F04C}"/>
+              </a:ext>
+            </a:extLst>
+          </p:cNvPr>
+          <p:cNvPicPr>
+            <a:picLocks noChangeAspect="1"/>
+          </p:cNvPicPr>
+          <p:nvPr/>
+        </p:nvPicPr>
+        <p:blipFill>
+          <a:blip r:embed="rId5"/>
+          <a:stretch>
+            <a:fillRect/>
+          </a:stretch>
+        </p:blipFill>
+        <p:spPr>
+          <a:xfrm>
+            <a:off x="3248024" y="5822455"/>
+            <a:ext cx="5695950" cy="285750"/>
+          </a:xfrm>
+          <a:prstGeom prst="rect">
+            <a:avLst/>
+          </a:prstGeom>
+        </p:spPr>
+      </p:pic>
+      <p:pic>
+        <p:nvPicPr>
+          <p:cNvPr id="7" name="Image 6">
+            <a:extLst>
+              <a:ext uri="{FF2B5EF4-FFF2-40B4-BE49-F238E27FC236}">
+                <a16:creationId xmlns:a16="http://schemas.microsoft.com/office/drawing/2014/main" id="{B493BECE-B938-4C26-A8AC-9B0889FAC007}"/>
+              </a:ext>
+            </a:extLst>
+          </p:cNvPr>
+          <p:cNvPicPr>
+            <a:picLocks noChangeAspect="1"/>
+          </p:cNvPicPr>
+          <p:nvPr/>
+        </p:nvPicPr>
+        <p:blipFill>
+          <a:blip r:embed="rId6"/>
+          <a:stretch>
+            <a:fillRect/>
+          </a:stretch>
+        </p:blipFill>
+        <p:spPr>
+          <a:xfrm>
+            <a:off x="3862386" y="6316662"/>
+            <a:ext cx="4467225" cy="352425"/>
+          </a:xfrm>
+          <a:prstGeom prst="rect">
+            <a:avLst/>
+          </a:prstGeom>
+        </p:spPr>
+      </p:pic>
+    </p:spTree>
+    <p:extLst>
+      <p:ext uri="{BB962C8B-B14F-4D97-AF65-F5344CB8AC3E}">
+        <p14:creationId xmlns:p14="http://schemas.microsoft.com/office/powerpoint/2010/main" val="3815951436"/>
+      </p:ext>
+    </p:extLst>
+  </p:cSld>
+  <p:clrMapOvr>
+    <a:masterClrMapping/>
+  </p:clrMapOvr>
+  <p:timing>
+    <p:tnLst>
+      <p:par>
+        <p:cTn id="1" dur="indefinite" restart="never" nodeType="tmRoot">
+          <p:childTnLst>
+            <p:seq concurrent="1" nextAc="seek">
+              <p:cTn id="2" dur="indefinite" nodeType="mainSeq">
+                <p:childTnLst>
+                  <p:par>
+                    <p:cTn id="3" fill="hold">
+                      <p:stCondLst>
+                        <p:cond delay="indefinite"/>
+                      </p:stCondLst>
+                      <p:childTnLst>
+                        <p:par>
+                          <p:cTn id="4" fill="hold">
+                            <p:stCondLst>
+                              <p:cond delay="0"/>
+                            </p:stCondLst>
+                            <p:childTnLst>
+                              <p:par>
+                                <p:cTn id="5" presetID="1" presetClass="entr" presetSubtype="0" fill="hold" nodeType="clickEffect">
+                                  <p:stCondLst>
+                                    <p:cond delay="0"/>
+                                  </p:stCondLst>
+                                  <p:childTnLst>
+                                    <p:set>
+                                      <p:cBhvr>
+                                        <p:cTn id="6" dur="1" fill="hold">
+                                          <p:stCondLst>
+                                            <p:cond delay="0"/>
+                                          </p:stCondLst>
+                                        </p:cTn>
+                                        <p:tgtEl>
+                                          <p:spTgt spid="6"/>
+                                        </p:tgtEl>
+                                        <p:attrNameLst>
+                                          <p:attrName>style.visibility</p:attrName>
+                                        </p:attrNameLst>
+                                      </p:cBhvr>
+                                      <p:to>
+                                        <p:strVal val="visible"/>
+                                      </p:to>
+                                    </p:set>
+                                  </p:childTnLst>
+                                </p:cTn>
+                              </p:par>
+                            </p:childTnLst>
+                          </p:cTn>
+                        </p:par>
+                      </p:childTnLst>
+                    </p:cTn>
+                  </p:par>
+                  <p:par>
+                    <p:cTn id="7" fill="hold">
+                      <p:stCondLst>
+                        <p:cond delay="indefinite"/>
+                      </p:stCondLst>
+                      <p:childTnLst>
+                        <p:par>
+                          <p:cTn id="8" fill="hold">
+                            <p:stCondLst>
+                              <p:cond delay="0"/>
+                            </p:stCondLst>
+                            <p:childTnLst>
+                              <p:par>
+                                <p:cTn id="9" presetID="1" presetClass="entr" presetSubtype="0" fill="hold" nodeType="clickEffect">
+                                  <p:stCondLst>
+                                    <p:cond delay="0"/>
+                                  </p:stCondLst>
+                                  <p:childTnLst>
+                                    <p:set>
+                                      <p:cBhvr>
+                                        <p:cTn id="10" dur="1" fill="hold">
+                                          <p:stCondLst>
+                                            <p:cond delay="0"/>
+                                          </p:stCondLst>
+                                        </p:cTn>
+                                        <p:tgtEl>
+                                          <p:spTgt spid="7"/>
+                                        </p:tgtEl>
+                                        <p:attrNameLst>
+                                          <p:attrName>style.visibility</p:attrName>
+                                        </p:attrNameLst>
+                                      </p:cBhvr>
+                                      <p:to>
+                                        <p:strVal val="visible"/>
+                                      </p:to>
+                                    </p:set>
+                                  </p:childTnLst>
+                                </p:cTn>
+                              </p:par>
+                            </p:childTnLst>
+                          </p:cTn>
+                        </p:par>
+                      </p:childTnLst>
+                    </p:cTn>
+                  </p:par>
+                </p:childTnLst>
+              </p:cTn>
+              <p:prevCondLst>
+                <p:cond evt="onPrev" delay="0">
+                  <p:tgtEl>
+                    <p:sldTgt/>
+                  </p:tgtEl>
+                </p:cond>
+              </p:prevCondLst>
+              <p:nextCondLst>
+                <p:cond evt="onNext" delay="0">
+                  <p:tgtEl>
+                    <p:sldTgt/>
+                  </p:tgtEl>
+                </p:cond>
+              </p:nextCondLst>
+            </p:seq>
+          </p:childTnLst>
+        </p:cTn>
+      </p:par>
+    </p:tnLst>
+  </p:timing>
+</p:sld>
+</file>
+
+<file path=ppt/slides/slide27.xml><?xml version="1.0" encoding="utf-8"?>
 <p:sld xmlns:a="http://schemas.openxmlformats.org/drawingml/2006/main" xmlns:r="http://schemas.openxmlformats.org/officeDocument/2006/relationships" xmlns:p="http://schemas.openxmlformats.org/presentationml/2006/main">
   <p:cSld>
     <p:bg>
@@ -10518,7 +14546,7 @@
 </p:sld>
 </file>
 
-<file path=ppt/slides/slide27.xml><?xml version="1.0" encoding="utf-8"?>
+<file path=ppt/slides/slide28.xml><?xml version="1.0" encoding="utf-8"?>
 <p:sld xmlns:a="http://schemas.openxmlformats.org/drawingml/2006/main" xmlns:r="http://schemas.openxmlformats.org/officeDocument/2006/relationships" xmlns:p="http://schemas.openxmlformats.org/presentationml/2006/main">
   <p:cSld>
     <p:spTree>
@@ -10643,6 +14671,245 @@
 </p:sld>
 </file>
 
+<file path=ppt/slides/slide29.xml><?xml version="1.0" encoding="utf-8"?>
+<p:sld xmlns:a="http://schemas.openxmlformats.org/drawingml/2006/main" xmlns:r="http://schemas.openxmlformats.org/officeDocument/2006/relationships" xmlns:p="http://schemas.openxmlformats.org/presentationml/2006/main">
+  <p:cSld>
+    <p:spTree>
+      <p:nvGrpSpPr>
+        <p:cNvPr id="1" name=""/>
+        <p:cNvGrpSpPr/>
+        <p:nvPr/>
+      </p:nvGrpSpPr>
+      <p:grpSpPr>
+        <a:xfrm>
+          <a:off x="0" y="0"/>
+          <a:ext cx="0" cy="0"/>
+          <a:chOff x="0" y="0"/>
+          <a:chExt cx="0" cy="0"/>
+        </a:xfrm>
+      </p:grpSpPr>
+      <p:pic>
+        <p:nvPicPr>
+          <p:cNvPr id="3" name="Image 2">
+            <a:extLst>
+              <a:ext uri="{FF2B5EF4-FFF2-40B4-BE49-F238E27FC236}">
+                <a16:creationId xmlns:a16="http://schemas.microsoft.com/office/drawing/2014/main" id="{0FF4B3BB-055B-47BF-B548-DF65C111BFFB}"/>
+              </a:ext>
+            </a:extLst>
+          </p:cNvPr>
+          <p:cNvPicPr>
+            <a:picLocks noChangeAspect="1"/>
+          </p:cNvPicPr>
+          <p:nvPr/>
+        </p:nvPicPr>
+        <p:blipFill>
+          <a:blip r:embed="rId3">
+            <a:extLst>
+              <a:ext uri="{28A0092B-C50C-407E-A947-70E740481C1C}">
+                <a14:useLocalDpi xmlns:a14="http://schemas.microsoft.com/office/drawing/2010/main" val="0"/>
+              </a:ext>
+            </a:extLst>
+          </a:blip>
+          <a:stretch>
+            <a:fillRect/>
+          </a:stretch>
+        </p:blipFill>
+        <p:spPr>
+          <a:xfrm>
+            <a:off x="10769600" y="5435600"/>
+            <a:ext cx="1422400" cy="1422400"/>
+          </a:xfrm>
+          <a:prstGeom prst="rect">
+            <a:avLst/>
+          </a:prstGeom>
+        </p:spPr>
+      </p:pic>
+      <p:sp>
+        <p:nvSpPr>
+          <p:cNvPr id="4" name="Titre 1">
+            <a:extLst>
+              <a:ext uri="{FF2B5EF4-FFF2-40B4-BE49-F238E27FC236}">
+                <a16:creationId xmlns:a16="http://schemas.microsoft.com/office/drawing/2014/main" id="{716076EC-5DC0-4512-9FBE-7C14CD2C5872}"/>
+              </a:ext>
+            </a:extLst>
+          </p:cNvPr>
+          <p:cNvSpPr>
+            <a:spLocks noGrp="1"/>
+          </p:cNvSpPr>
+          <p:nvPr>
+            <p:ph type="title"/>
+          </p:nvPr>
+        </p:nvSpPr>
+        <p:spPr>
+          <a:xfrm>
+            <a:off x="838200" y="365125"/>
+            <a:ext cx="10515600" cy="1325563"/>
+          </a:xfrm>
+        </p:spPr>
+        <p:txBody>
+          <a:bodyPr/>
+          <a:lstStyle/>
+          <a:p>
+            <a:pPr algn="ctr"/>
+            <a:r>
+              <a:rPr lang="fr-FR" dirty="0" err="1"/>
+              <a:t>Stationnarisation</a:t>
+            </a:r>
+            <a:r>
+              <a:rPr lang="fr-FR" dirty="0"/>
+              <a:t> de la série</a:t>
+            </a:r>
+          </a:p>
+        </p:txBody>
+      </p:sp>
+      <p:pic>
+        <p:nvPicPr>
+          <p:cNvPr id="5" name="Image 4">
+            <a:extLst>
+              <a:ext uri="{FF2B5EF4-FFF2-40B4-BE49-F238E27FC236}">
+                <a16:creationId xmlns:a16="http://schemas.microsoft.com/office/drawing/2014/main" id="{331638C1-A044-4EFD-A22B-DF2A728DFBCC}"/>
+              </a:ext>
+            </a:extLst>
+          </p:cNvPr>
+          <p:cNvPicPr>
+            <a:picLocks noChangeAspect="1"/>
+          </p:cNvPicPr>
+          <p:nvPr/>
+        </p:nvPicPr>
+        <p:blipFill>
+          <a:blip r:embed="rId4"/>
+          <a:stretch>
+            <a:fillRect/>
+          </a:stretch>
+        </p:blipFill>
+        <p:spPr>
+          <a:xfrm>
+            <a:off x="1233714" y="2427576"/>
+            <a:ext cx="9535886" cy="4065299"/>
+          </a:xfrm>
+          <a:prstGeom prst="rect">
+            <a:avLst/>
+          </a:prstGeom>
+        </p:spPr>
+      </p:pic>
+      <p:pic>
+        <p:nvPicPr>
+          <p:cNvPr id="6" name="Image 5">
+            <a:extLst>
+              <a:ext uri="{FF2B5EF4-FFF2-40B4-BE49-F238E27FC236}">
+                <a16:creationId xmlns:a16="http://schemas.microsoft.com/office/drawing/2014/main" id="{DB012E2D-B2DB-4D8D-B6E0-B466B5434037}"/>
+              </a:ext>
+            </a:extLst>
+          </p:cNvPr>
+          <p:cNvPicPr>
+            <a:picLocks noChangeAspect="1"/>
+          </p:cNvPicPr>
+          <p:nvPr/>
+        </p:nvPicPr>
+        <p:blipFill>
+          <a:blip r:embed="rId5"/>
+          <a:stretch>
+            <a:fillRect/>
+          </a:stretch>
+        </p:blipFill>
+        <p:spPr>
+          <a:xfrm>
+            <a:off x="3043237" y="1878157"/>
+            <a:ext cx="6105525" cy="361950"/>
+          </a:xfrm>
+          <a:prstGeom prst="rect">
+            <a:avLst/>
+          </a:prstGeom>
+        </p:spPr>
+      </p:pic>
+    </p:spTree>
+    <p:extLst>
+      <p:ext uri="{BB962C8B-B14F-4D97-AF65-F5344CB8AC3E}">
+        <p14:creationId xmlns:p14="http://schemas.microsoft.com/office/powerpoint/2010/main" val="2214910988"/>
+      </p:ext>
+    </p:extLst>
+  </p:cSld>
+  <p:clrMapOvr>
+    <a:masterClrMapping/>
+  </p:clrMapOvr>
+  <p:timing>
+    <p:tnLst>
+      <p:par>
+        <p:cTn id="1" dur="indefinite" restart="never" nodeType="tmRoot">
+          <p:childTnLst>
+            <p:seq concurrent="1" nextAc="seek">
+              <p:cTn id="2" dur="indefinite" nodeType="mainSeq">
+                <p:childTnLst>
+                  <p:par>
+                    <p:cTn id="3" fill="hold">
+                      <p:stCondLst>
+                        <p:cond delay="indefinite"/>
+                      </p:stCondLst>
+                      <p:childTnLst>
+                        <p:par>
+                          <p:cTn id="4" fill="hold">
+                            <p:stCondLst>
+                              <p:cond delay="0"/>
+                            </p:stCondLst>
+                            <p:childTnLst>
+                              <p:par>
+                                <p:cTn id="5" presetID="1" presetClass="entr" presetSubtype="0" fill="hold" nodeType="clickEffect">
+                                  <p:stCondLst>
+                                    <p:cond delay="0"/>
+                                  </p:stCondLst>
+                                  <p:childTnLst>
+                                    <p:set>
+                                      <p:cBhvr>
+                                        <p:cTn id="6" dur="1" fill="hold">
+                                          <p:stCondLst>
+                                            <p:cond delay="0"/>
+                                          </p:stCondLst>
+                                        </p:cTn>
+                                        <p:tgtEl>
+                                          <p:spTgt spid="5"/>
+                                        </p:tgtEl>
+                                        <p:attrNameLst>
+                                          <p:attrName>style.visibility</p:attrName>
+                                        </p:attrNameLst>
+                                      </p:cBhvr>
+                                      <p:to>
+                                        <p:strVal val="visible"/>
+                                      </p:to>
+                                    </p:set>
+                                  </p:childTnLst>
+                                </p:cTn>
+                              </p:par>
+                            </p:childTnLst>
+                          </p:cTn>
+                        </p:par>
+                      </p:childTnLst>
+                    </p:cTn>
+                  </p:par>
+                </p:childTnLst>
+              </p:cTn>
+              <p:prevCondLst>
+                <p:cond evt="onPrev" delay="0">
+                  <p:tgtEl>
+                    <p:sldTgt/>
+                  </p:tgtEl>
+                </p:cond>
+              </p:prevCondLst>
+              <p:nextCondLst>
+                <p:cond evt="onNext" delay="0">
+                  <p:tgtEl>
+                    <p:sldTgt/>
+                  </p:tgtEl>
+                </p:cond>
+              </p:nextCondLst>
+            </p:seq>
+          </p:childTnLst>
+        </p:cTn>
+      </p:par>
+    </p:tnLst>
+  </p:timing>
+</p:sld>
+</file>
+
 <file path=ppt/slides/slide3.xml><?xml version="1.0" encoding="utf-8"?>
 <p:sld xmlns:a="http://schemas.openxmlformats.org/drawingml/2006/main" xmlns:r="http://schemas.openxmlformats.org/officeDocument/2006/relationships" xmlns:p="http://schemas.openxmlformats.org/presentationml/2006/main">
   <p:cSld>
@@ -10752,8 +15019,8 @@
         </p:nvSpPr>
         <p:spPr>
           <a:xfrm>
-            <a:off x="6746628" y="1783959"/>
-            <a:ext cx="4645250" cy="2889114"/>
+            <a:off x="6859766" y="2897513"/>
+            <a:ext cx="4645250" cy="1062974"/>
           </a:xfrm>
         </p:spPr>
         <p:txBody>
@@ -11176,6 +15443,594 @@
 </p:sld>
 </file>
 
+<file path=ppt/slides/slide30.xml><?xml version="1.0" encoding="utf-8"?>
+<p:sld xmlns:a="http://schemas.openxmlformats.org/drawingml/2006/main" xmlns:r="http://schemas.openxmlformats.org/officeDocument/2006/relationships" xmlns:p="http://schemas.openxmlformats.org/presentationml/2006/main">
+  <p:cSld>
+    <p:spTree>
+      <p:nvGrpSpPr>
+        <p:cNvPr id="1" name=""/>
+        <p:cNvGrpSpPr/>
+        <p:nvPr/>
+      </p:nvGrpSpPr>
+      <p:grpSpPr>
+        <a:xfrm>
+          <a:off x="0" y="0"/>
+          <a:ext cx="0" cy="0"/>
+          <a:chOff x="0" y="0"/>
+          <a:chExt cx="0" cy="0"/>
+        </a:xfrm>
+      </p:grpSpPr>
+      <p:pic>
+        <p:nvPicPr>
+          <p:cNvPr id="3" name="Image 2">
+            <a:extLst>
+              <a:ext uri="{FF2B5EF4-FFF2-40B4-BE49-F238E27FC236}">
+                <a16:creationId xmlns:a16="http://schemas.microsoft.com/office/drawing/2014/main" id="{0FF4B3BB-055B-47BF-B548-DF65C111BFFB}"/>
+              </a:ext>
+            </a:extLst>
+          </p:cNvPr>
+          <p:cNvPicPr>
+            <a:picLocks noChangeAspect="1"/>
+          </p:cNvPicPr>
+          <p:nvPr/>
+        </p:nvPicPr>
+        <p:blipFill>
+          <a:blip r:embed="rId3">
+            <a:extLst>
+              <a:ext uri="{28A0092B-C50C-407E-A947-70E740481C1C}">
+                <a14:useLocalDpi xmlns:a14="http://schemas.microsoft.com/office/drawing/2010/main" val="0"/>
+              </a:ext>
+            </a:extLst>
+          </a:blip>
+          <a:stretch>
+            <a:fillRect/>
+          </a:stretch>
+        </p:blipFill>
+        <p:spPr>
+          <a:xfrm>
+            <a:off x="10769600" y="5435600"/>
+            <a:ext cx="1422400" cy="1422400"/>
+          </a:xfrm>
+          <a:prstGeom prst="rect">
+            <a:avLst/>
+          </a:prstGeom>
+        </p:spPr>
+      </p:pic>
+      <p:pic>
+        <p:nvPicPr>
+          <p:cNvPr id="2" name="Image 1">
+            <a:extLst>
+              <a:ext uri="{FF2B5EF4-FFF2-40B4-BE49-F238E27FC236}">
+                <a16:creationId xmlns:a16="http://schemas.microsoft.com/office/drawing/2014/main" id="{43045A50-7724-47D6-B4EE-88D5DD92F8AC}"/>
+              </a:ext>
+            </a:extLst>
+          </p:cNvPr>
+          <p:cNvPicPr>
+            <a:picLocks noChangeAspect="1"/>
+          </p:cNvPicPr>
+          <p:nvPr/>
+        </p:nvPicPr>
+        <p:blipFill>
+          <a:blip r:embed="rId4"/>
+          <a:stretch>
+            <a:fillRect/>
+          </a:stretch>
+        </p:blipFill>
+        <p:spPr>
+          <a:xfrm>
+            <a:off x="3586161" y="1849582"/>
+            <a:ext cx="5019675" cy="390525"/>
+          </a:xfrm>
+          <a:prstGeom prst="rect">
+            <a:avLst/>
+          </a:prstGeom>
+        </p:spPr>
+      </p:pic>
+      <p:sp>
+        <p:nvSpPr>
+          <p:cNvPr id="5" name="Titre 1">
+            <a:extLst>
+              <a:ext uri="{FF2B5EF4-FFF2-40B4-BE49-F238E27FC236}">
+                <a16:creationId xmlns:a16="http://schemas.microsoft.com/office/drawing/2014/main" id="{FBC14A29-806B-4698-9F5B-E538B0B858A4}"/>
+              </a:ext>
+            </a:extLst>
+          </p:cNvPr>
+          <p:cNvSpPr>
+            <a:spLocks noGrp="1"/>
+          </p:cNvSpPr>
+          <p:nvPr>
+            <p:ph type="title"/>
+          </p:nvPr>
+        </p:nvSpPr>
+        <p:spPr>
+          <a:xfrm>
+            <a:off x="838200" y="365125"/>
+            <a:ext cx="10515600" cy="1325563"/>
+          </a:xfrm>
+        </p:spPr>
+        <p:txBody>
+          <a:bodyPr/>
+          <a:lstStyle/>
+          <a:p>
+            <a:pPr algn="ctr"/>
+            <a:r>
+              <a:rPr lang="fr-FR" dirty="0" err="1"/>
+              <a:t>Stationnarisation</a:t>
+            </a:r>
+            <a:r>
+              <a:rPr lang="fr-FR" dirty="0"/>
+              <a:t> de la série</a:t>
+            </a:r>
+          </a:p>
+        </p:txBody>
+      </p:sp>
+      <p:pic>
+        <p:nvPicPr>
+          <p:cNvPr id="7" name="Image 6">
+            <a:extLst>
+              <a:ext uri="{FF2B5EF4-FFF2-40B4-BE49-F238E27FC236}">
+                <a16:creationId xmlns:a16="http://schemas.microsoft.com/office/drawing/2014/main" id="{2AE24727-B7F9-4432-BC57-9EFFC802EAF0}"/>
+              </a:ext>
+            </a:extLst>
+          </p:cNvPr>
+          <p:cNvPicPr>
+            <a:picLocks noChangeAspect="1"/>
+          </p:cNvPicPr>
+          <p:nvPr/>
+        </p:nvPicPr>
+        <p:blipFill>
+          <a:blip r:embed="rId5"/>
+          <a:stretch>
+            <a:fillRect/>
+          </a:stretch>
+        </p:blipFill>
+        <p:spPr>
+          <a:xfrm>
+            <a:off x="1466246" y="2399001"/>
+            <a:ext cx="9259503" cy="4042982"/>
+          </a:xfrm>
+          <a:prstGeom prst="rect">
+            <a:avLst/>
+          </a:prstGeom>
+        </p:spPr>
+      </p:pic>
+    </p:spTree>
+    <p:extLst>
+      <p:ext uri="{BB962C8B-B14F-4D97-AF65-F5344CB8AC3E}">
+        <p14:creationId xmlns:p14="http://schemas.microsoft.com/office/powerpoint/2010/main" val="1631945103"/>
+      </p:ext>
+    </p:extLst>
+  </p:cSld>
+  <p:clrMapOvr>
+    <a:masterClrMapping/>
+  </p:clrMapOvr>
+  <p:timing>
+    <p:tnLst>
+      <p:par>
+        <p:cTn id="1" dur="indefinite" restart="never" nodeType="tmRoot">
+          <p:childTnLst>
+            <p:seq concurrent="1" nextAc="seek">
+              <p:cTn id="2" dur="indefinite" nodeType="mainSeq">
+                <p:childTnLst>
+                  <p:par>
+                    <p:cTn id="3" fill="hold">
+                      <p:stCondLst>
+                        <p:cond delay="indefinite"/>
+                      </p:stCondLst>
+                      <p:childTnLst>
+                        <p:par>
+                          <p:cTn id="4" fill="hold">
+                            <p:stCondLst>
+                              <p:cond delay="0"/>
+                            </p:stCondLst>
+                            <p:childTnLst>
+                              <p:par>
+                                <p:cTn id="5" presetID="1" presetClass="entr" presetSubtype="0" fill="hold" nodeType="clickEffect">
+                                  <p:stCondLst>
+                                    <p:cond delay="0"/>
+                                  </p:stCondLst>
+                                  <p:childTnLst>
+                                    <p:set>
+                                      <p:cBhvr>
+                                        <p:cTn id="6" dur="1" fill="hold">
+                                          <p:stCondLst>
+                                            <p:cond delay="0"/>
+                                          </p:stCondLst>
+                                        </p:cTn>
+                                        <p:tgtEl>
+                                          <p:spTgt spid="7"/>
+                                        </p:tgtEl>
+                                        <p:attrNameLst>
+                                          <p:attrName>style.visibility</p:attrName>
+                                        </p:attrNameLst>
+                                      </p:cBhvr>
+                                      <p:to>
+                                        <p:strVal val="visible"/>
+                                      </p:to>
+                                    </p:set>
+                                  </p:childTnLst>
+                                </p:cTn>
+                              </p:par>
+                            </p:childTnLst>
+                          </p:cTn>
+                        </p:par>
+                      </p:childTnLst>
+                    </p:cTn>
+                  </p:par>
+                </p:childTnLst>
+              </p:cTn>
+              <p:prevCondLst>
+                <p:cond evt="onPrev" delay="0">
+                  <p:tgtEl>
+                    <p:sldTgt/>
+                  </p:tgtEl>
+                </p:cond>
+              </p:prevCondLst>
+              <p:nextCondLst>
+                <p:cond evt="onNext" delay="0">
+                  <p:tgtEl>
+                    <p:sldTgt/>
+                  </p:tgtEl>
+                </p:cond>
+              </p:nextCondLst>
+            </p:seq>
+          </p:childTnLst>
+        </p:cTn>
+      </p:par>
+    </p:tnLst>
+  </p:timing>
+</p:sld>
+</file>
+
+<file path=ppt/slides/slide31.xml><?xml version="1.0" encoding="utf-8"?>
+<p:sld xmlns:a="http://schemas.openxmlformats.org/drawingml/2006/main" xmlns:r="http://schemas.openxmlformats.org/officeDocument/2006/relationships" xmlns:p="http://schemas.openxmlformats.org/presentationml/2006/main">
+  <p:cSld>
+    <p:spTree>
+      <p:nvGrpSpPr>
+        <p:cNvPr id="1" name=""/>
+        <p:cNvGrpSpPr/>
+        <p:nvPr/>
+      </p:nvGrpSpPr>
+      <p:grpSpPr>
+        <a:xfrm>
+          <a:off x="0" y="0"/>
+          <a:ext cx="0" cy="0"/>
+          <a:chOff x="0" y="0"/>
+          <a:chExt cx="0" cy="0"/>
+        </a:xfrm>
+      </p:grpSpPr>
+      <p:pic>
+        <p:nvPicPr>
+          <p:cNvPr id="3" name="Image 2">
+            <a:extLst>
+              <a:ext uri="{FF2B5EF4-FFF2-40B4-BE49-F238E27FC236}">
+                <a16:creationId xmlns:a16="http://schemas.microsoft.com/office/drawing/2014/main" id="{0FF4B3BB-055B-47BF-B548-DF65C111BFFB}"/>
+              </a:ext>
+            </a:extLst>
+          </p:cNvPr>
+          <p:cNvPicPr>
+            <a:picLocks noChangeAspect="1"/>
+          </p:cNvPicPr>
+          <p:nvPr/>
+        </p:nvPicPr>
+        <p:blipFill>
+          <a:blip r:embed="rId3">
+            <a:extLst>
+              <a:ext uri="{28A0092B-C50C-407E-A947-70E740481C1C}">
+                <a14:useLocalDpi xmlns:a14="http://schemas.microsoft.com/office/drawing/2010/main" val="0"/>
+              </a:ext>
+            </a:extLst>
+          </a:blip>
+          <a:stretch>
+            <a:fillRect/>
+          </a:stretch>
+        </p:blipFill>
+        <p:spPr>
+          <a:xfrm>
+            <a:off x="10769600" y="5435600"/>
+            <a:ext cx="1422400" cy="1422400"/>
+          </a:xfrm>
+          <a:prstGeom prst="rect">
+            <a:avLst/>
+          </a:prstGeom>
+        </p:spPr>
+      </p:pic>
+      <p:pic>
+        <p:nvPicPr>
+          <p:cNvPr id="2" name="Image 1">
+            <a:extLst>
+              <a:ext uri="{FF2B5EF4-FFF2-40B4-BE49-F238E27FC236}">
+                <a16:creationId xmlns:a16="http://schemas.microsoft.com/office/drawing/2014/main" id="{BBFE89FF-D17B-48B6-AFCC-61B56A08B013}"/>
+              </a:ext>
+            </a:extLst>
+          </p:cNvPr>
+          <p:cNvPicPr>
+            <a:picLocks noChangeAspect="1"/>
+          </p:cNvPicPr>
+          <p:nvPr/>
+        </p:nvPicPr>
+        <p:blipFill>
+          <a:blip r:embed="rId4"/>
+          <a:stretch>
+            <a:fillRect/>
+          </a:stretch>
+        </p:blipFill>
+        <p:spPr>
+          <a:xfrm>
+            <a:off x="2934264" y="2055720"/>
+            <a:ext cx="6323471" cy="2746558"/>
+          </a:xfrm>
+          <a:prstGeom prst="rect">
+            <a:avLst/>
+          </a:prstGeom>
+        </p:spPr>
+      </p:pic>
+      <p:sp>
+        <p:nvSpPr>
+          <p:cNvPr id="4" name="Titre 1">
+            <a:extLst>
+              <a:ext uri="{FF2B5EF4-FFF2-40B4-BE49-F238E27FC236}">
+                <a16:creationId xmlns:a16="http://schemas.microsoft.com/office/drawing/2014/main" id="{F6CF86FE-6E1C-4FDE-824D-556995E42BC3}"/>
+              </a:ext>
+            </a:extLst>
+          </p:cNvPr>
+          <p:cNvSpPr>
+            <a:spLocks noGrp="1"/>
+          </p:cNvSpPr>
+          <p:nvPr>
+            <p:ph type="title"/>
+          </p:nvPr>
+        </p:nvSpPr>
+        <p:spPr>
+          <a:xfrm>
+            <a:off x="838200" y="365125"/>
+            <a:ext cx="10515600" cy="1325563"/>
+          </a:xfrm>
+        </p:spPr>
+        <p:txBody>
+          <a:bodyPr/>
+          <a:lstStyle/>
+          <a:p>
+            <a:pPr algn="ctr"/>
+            <a:r>
+              <a:rPr lang="fr-FR" dirty="0"/>
+              <a:t>Test de Dickey-Fuller</a:t>
+            </a:r>
+          </a:p>
+        </p:txBody>
+      </p:sp>
+      <p:pic>
+        <p:nvPicPr>
+          <p:cNvPr id="5" name="Image 4">
+            <a:extLst>
+              <a:ext uri="{FF2B5EF4-FFF2-40B4-BE49-F238E27FC236}">
+                <a16:creationId xmlns:a16="http://schemas.microsoft.com/office/drawing/2014/main" id="{249CA543-2A1D-4355-A082-9580759A982E}"/>
+              </a:ext>
+            </a:extLst>
+          </p:cNvPr>
+          <p:cNvPicPr>
+            <a:picLocks noChangeAspect="1"/>
+          </p:cNvPicPr>
+          <p:nvPr/>
+        </p:nvPicPr>
+        <p:blipFill>
+          <a:blip r:embed="rId5"/>
+          <a:stretch>
+            <a:fillRect/>
+          </a:stretch>
+        </p:blipFill>
+        <p:spPr>
+          <a:xfrm>
+            <a:off x="7556728" y="2405062"/>
+            <a:ext cx="3924072" cy="2047875"/>
+          </a:xfrm>
+          <a:prstGeom prst="rect">
+            <a:avLst/>
+          </a:prstGeom>
+        </p:spPr>
+      </p:pic>
+      <p:sp>
+        <p:nvSpPr>
+          <p:cNvPr id="6" name="ZoneTexte 5">
+            <a:extLst>
+              <a:ext uri="{FF2B5EF4-FFF2-40B4-BE49-F238E27FC236}">
+                <a16:creationId xmlns:a16="http://schemas.microsoft.com/office/drawing/2014/main" id="{4C050C86-D61F-4F71-8622-52DFDD0962FD}"/>
+              </a:ext>
+            </a:extLst>
+          </p:cNvPr>
+          <p:cNvSpPr txBox="1"/>
+          <p:nvPr/>
+        </p:nvSpPr>
+        <p:spPr>
+          <a:xfrm>
+            <a:off x="4370591" y="5516652"/>
+            <a:ext cx="3450816" cy="369332"/>
+          </a:xfrm>
+          <a:prstGeom prst="rect">
+            <a:avLst/>
+          </a:prstGeom>
+          <a:noFill/>
+        </p:spPr>
+        <p:txBody>
+          <a:bodyPr wrap="none" rtlCol="0">
+            <a:spAutoFit/>
+          </a:bodyPr>
+          <a:lstStyle/>
+          <a:p>
+            <a:r>
+              <a:rPr lang="fr-FR" dirty="0"/>
+              <a:t>Le processus est donc stationnaire</a:t>
+            </a:r>
+          </a:p>
+        </p:txBody>
+      </p:sp>
+    </p:spTree>
+    <p:extLst>
+      <p:ext uri="{BB962C8B-B14F-4D97-AF65-F5344CB8AC3E}">
+        <p14:creationId xmlns:p14="http://schemas.microsoft.com/office/powerpoint/2010/main" val="2646283757"/>
+      </p:ext>
+    </p:extLst>
+  </p:cSld>
+  <p:clrMapOvr>
+    <a:masterClrMapping/>
+  </p:clrMapOvr>
+  <p:timing>
+    <p:tnLst>
+      <p:par>
+        <p:cTn id="1" dur="indefinite" restart="never" nodeType="tmRoot">
+          <p:childTnLst>
+            <p:seq concurrent="1" nextAc="seek">
+              <p:cTn id="2" dur="indefinite" nodeType="mainSeq">
+                <p:childTnLst>
+                  <p:par>
+                    <p:cTn id="3" fill="hold">
+                      <p:stCondLst>
+                        <p:cond delay="indefinite"/>
+                      </p:stCondLst>
+                      <p:childTnLst>
+                        <p:par>
+                          <p:cTn id="4" fill="hold">
+                            <p:stCondLst>
+                              <p:cond delay="0"/>
+                            </p:stCondLst>
+                            <p:childTnLst>
+                              <p:par>
+                                <p:cTn id="5" presetID="42" presetClass="path" presetSubtype="0" accel="50000" decel="50000" fill="hold" nodeType="clickEffect">
+                                  <p:stCondLst>
+                                    <p:cond delay="0"/>
+                                  </p:stCondLst>
+                                  <p:childTnLst>
+                                    <p:animMotion origin="layout" path="M 0 0 L -0.16602 0 " pathEditMode="relative" rAng="0" ptsTypes="AA">
+                                      <p:cBhvr>
+                                        <p:cTn id="6" dur="2000" fill="hold"/>
+                                        <p:tgtEl>
+                                          <p:spTgt spid="2"/>
+                                        </p:tgtEl>
+                                        <p:attrNameLst>
+                                          <p:attrName>ppt_x</p:attrName>
+                                          <p:attrName>ppt_y</p:attrName>
+                                        </p:attrNameLst>
+                                      </p:cBhvr>
+                                      <p:rCtr x="-8307" y="0"/>
+                                    </p:animMotion>
+                                  </p:childTnLst>
+                                </p:cTn>
+                              </p:par>
+                            </p:childTnLst>
+                          </p:cTn>
+                        </p:par>
+                        <p:par>
+                          <p:cTn id="7" fill="hold">
+                            <p:stCondLst>
+                              <p:cond delay="2000"/>
+                            </p:stCondLst>
+                            <p:childTnLst>
+                              <p:par>
+                                <p:cTn id="8" presetID="1" presetClass="entr" presetSubtype="0" fill="hold" nodeType="afterEffect">
+                                  <p:stCondLst>
+                                    <p:cond delay="0"/>
+                                  </p:stCondLst>
+                                  <p:childTnLst>
+                                    <p:set>
+                                      <p:cBhvr>
+                                        <p:cTn id="9" dur="1" fill="hold">
+                                          <p:stCondLst>
+                                            <p:cond delay="0"/>
+                                          </p:stCondLst>
+                                        </p:cTn>
+                                        <p:tgtEl>
+                                          <p:spTgt spid="5"/>
+                                        </p:tgtEl>
+                                        <p:attrNameLst>
+                                          <p:attrName>style.visibility</p:attrName>
+                                        </p:attrNameLst>
+                                      </p:cBhvr>
+                                      <p:to>
+                                        <p:strVal val="visible"/>
+                                      </p:to>
+                                    </p:set>
+                                  </p:childTnLst>
+                                </p:cTn>
+                              </p:par>
+                            </p:childTnLst>
+                          </p:cTn>
+                        </p:par>
+                      </p:childTnLst>
+                    </p:cTn>
+                  </p:par>
+                  <p:par>
+                    <p:cTn id="10" fill="hold">
+                      <p:stCondLst>
+                        <p:cond delay="indefinite"/>
+                      </p:stCondLst>
+                      <p:childTnLst>
+                        <p:par>
+                          <p:cTn id="11" fill="hold">
+                            <p:stCondLst>
+                              <p:cond delay="0"/>
+                            </p:stCondLst>
+                            <p:childTnLst>
+                              <p:par>
+                                <p:cTn id="12" presetID="1" presetClass="entr" presetSubtype="0" fill="hold" grpId="0" nodeType="clickEffect">
+                                  <p:stCondLst>
+                                    <p:cond delay="0"/>
+                                  </p:stCondLst>
+                                  <p:childTnLst>
+                                    <p:set>
+                                      <p:cBhvr>
+                                        <p:cTn id="13" dur="1" fill="hold">
+                                          <p:stCondLst>
+                                            <p:cond delay="0"/>
+                                          </p:stCondLst>
+                                        </p:cTn>
+                                        <p:tgtEl>
+                                          <p:spTgt spid="6"/>
+                                        </p:tgtEl>
+                                        <p:attrNameLst>
+                                          <p:attrName>style.visibility</p:attrName>
+                                        </p:attrNameLst>
+                                      </p:cBhvr>
+                                      <p:to>
+                                        <p:strVal val="visible"/>
+                                      </p:to>
+                                    </p:set>
+                                  </p:childTnLst>
+                                </p:cTn>
+                              </p:par>
+                            </p:childTnLst>
+                          </p:cTn>
+                        </p:par>
+                      </p:childTnLst>
+                    </p:cTn>
+                  </p:par>
+                </p:childTnLst>
+              </p:cTn>
+              <p:prevCondLst>
+                <p:cond evt="onPrev" delay="0">
+                  <p:tgtEl>
+                    <p:sldTgt/>
+                  </p:tgtEl>
+                </p:cond>
+              </p:prevCondLst>
+              <p:nextCondLst>
+                <p:cond evt="onNext" delay="0">
+                  <p:tgtEl>
+                    <p:sldTgt/>
+                  </p:tgtEl>
+                </p:cond>
+              </p:nextCondLst>
+            </p:seq>
+          </p:childTnLst>
+        </p:cTn>
+      </p:par>
+    </p:tnLst>
+    <p:bldLst>
+      <p:bldP spid="6" grpId="0"/>
+    </p:bldLst>
+  </p:timing>
+</p:sld>
+</file>
+
 <file path=ppt/slides/slide4.xml><?xml version="1.0" encoding="utf-8"?>
 <p:sld xmlns:a="http://schemas.openxmlformats.org/drawingml/2006/main" xmlns:r="http://schemas.openxmlformats.org/officeDocument/2006/relationships" xmlns:p="http://schemas.openxmlformats.org/presentationml/2006/main">
   <p:cSld>
@@ -11208,7 +16063,7 @@
           <p:nvPr/>
         </p:nvPicPr>
         <p:blipFill>
-          <a:blip r:embed="rId2">
+          <a:blip r:embed="rId3">
             <a:extLst>
               <a:ext uri="{28A0092B-C50C-407E-A947-70E740481C1C}">
                 <a14:useLocalDpi xmlns:a14="http://schemas.microsoft.com/office/drawing/2010/main" val="0"/>
@@ -11244,7 +16099,7 @@
           <p:nvPr/>
         </p:nvPicPr>
         <p:blipFill>
-          <a:blip r:embed="rId3"/>
+          <a:blip r:embed="rId4"/>
           <a:stretch>
             <a:fillRect/>
           </a:stretch>
@@ -11274,7 +16129,7 @@
           <p:nvPr/>
         </p:nvPicPr>
         <p:blipFill>
-          <a:blip r:embed="rId4"/>
+          <a:blip r:embed="rId5"/>
           <a:stretch>
             <a:fillRect/>
           </a:stretch>
@@ -11703,7 +16558,7 @@
           <p:nvPr/>
         </p:nvPicPr>
         <p:blipFill>
-          <a:blip r:embed="rId2">
+          <a:blip r:embed="rId3">
             <a:extLst>
               <a:ext uri="{28A0092B-C50C-407E-A947-70E740481C1C}">
                 <a14:useLocalDpi xmlns:a14="http://schemas.microsoft.com/office/drawing/2010/main" val="0"/>
@@ -11739,7 +16594,7 @@
           <p:nvPr/>
         </p:nvPicPr>
         <p:blipFill>
-          <a:blip r:embed="rId3">
+          <a:blip r:embed="rId4">
             <a:extLst>
               <a:ext uri="{28A0092B-C50C-407E-A947-70E740481C1C}">
                 <a14:useLocalDpi xmlns:a14="http://schemas.microsoft.com/office/drawing/2010/main" val="0"/>
@@ -11775,7 +16630,7 @@
           <p:nvPr/>
         </p:nvPicPr>
         <p:blipFill>
-          <a:blip r:embed="rId4">
+          <a:blip r:embed="rId5">
             <a:extLst>
               <a:ext uri="{28A0092B-C50C-407E-A947-70E740481C1C}">
                 <a14:useLocalDpi xmlns:a14="http://schemas.microsoft.com/office/drawing/2010/main" val="0"/>
@@ -12440,7 +17295,7 @@
           <p:nvPr/>
         </p:nvPicPr>
         <p:blipFill>
-          <a:blip r:embed="rId2">
+          <a:blip r:embed="rId3">
             <a:extLst>
               <a:ext uri="{28A0092B-C50C-407E-A947-70E740481C1C}">
                 <a14:useLocalDpi xmlns:a14="http://schemas.microsoft.com/office/drawing/2010/main" val="0"/>
@@ -12476,7 +17331,7 @@
           <p:nvPr/>
         </p:nvPicPr>
         <p:blipFill>
-          <a:blip r:embed="rId3"/>
+          <a:blip r:embed="rId4"/>
           <a:stretch>
             <a:fillRect/>
           </a:stretch>
@@ -12506,7 +17361,7 @@
           <p:nvPr/>
         </p:nvPicPr>
         <p:blipFill>
-          <a:blip r:embed="rId4"/>
+          <a:blip r:embed="rId5"/>
           <a:stretch>
             <a:fillRect/>
           </a:stretch>
@@ -12536,7 +17391,7 @@
           <p:nvPr/>
         </p:nvPicPr>
         <p:blipFill>
-          <a:blip r:embed="rId5"/>
+          <a:blip r:embed="rId6"/>
           <a:stretch>
             <a:fillRect/>
           </a:stretch>
@@ -12551,6 +17406,110 @@
           </a:prstGeom>
         </p:spPr>
       </p:pic>
+      <p:sp>
+        <p:nvSpPr>
+          <p:cNvPr id="2" name="Rectangle 1">
+            <a:extLst>
+              <a:ext uri="{FF2B5EF4-FFF2-40B4-BE49-F238E27FC236}">
+                <a16:creationId xmlns:a16="http://schemas.microsoft.com/office/drawing/2014/main" id="{20BD4487-8E00-4C5C-807E-FCDA917AB365}"/>
+              </a:ext>
+            </a:extLst>
+          </p:cNvPr>
+          <p:cNvSpPr/>
+          <p:nvPr/>
+        </p:nvSpPr>
+        <p:spPr>
+          <a:xfrm>
+            <a:off x="6911439" y="4191990"/>
+            <a:ext cx="760021" cy="866898"/>
+          </a:xfrm>
+          <a:prstGeom prst="rect">
+            <a:avLst/>
+          </a:prstGeom>
+          <a:noFill/>
+          <a:ln>
+            <a:solidFill>
+              <a:srgbClr val="FF0000"/>
+            </a:solidFill>
+          </a:ln>
+        </p:spPr>
+        <p:style>
+          <a:lnRef idx="2">
+            <a:schemeClr val="accent1">
+              <a:shade val="50000"/>
+            </a:schemeClr>
+          </a:lnRef>
+          <a:fillRef idx="1">
+            <a:schemeClr val="accent1"/>
+          </a:fillRef>
+          <a:effectRef idx="0">
+            <a:schemeClr val="accent1"/>
+          </a:effectRef>
+          <a:fontRef idx="minor">
+            <a:schemeClr val="lt1"/>
+          </a:fontRef>
+        </p:style>
+        <p:txBody>
+          <a:bodyPr rtlCol="0" anchor="ctr"/>
+          <a:lstStyle/>
+          <a:p>
+            <a:pPr algn="ctr"/>
+            <a:endParaRPr lang="fr-FR"/>
+          </a:p>
+        </p:txBody>
+      </p:sp>
+      <p:sp>
+        <p:nvSpPr>
+          <p:cNvPr id="7" name="Rectangle 6">
+            <a:extLst>
+              <a:ext uri="{FF2B5EF4-FFF2-40B4-BE49-F238E27FC236}">
+                <a16:creationId xmlns:a16="http://schemas.microsoft.com/office/drawing/2014/main" id="{F32B9C20-175D-4630-92A8-D987EF5DB013}"/>
+              </a:ext>
+            </a:extLst>
+          </p:cNvPr>
+          <p:cNvSpPr/>
+          <p:nvPr/>
+        </p:nvSpPr>
+        <p:spPr>
+          <a:xfrm>
+            <a:off x="6096001" y="2377907"/>
+            <a:ext cx="3928898" cy="288103"/>
+          </a:xfrm>
+          <a:prstGeom prst="rect">
+            <a:avLst/>
+          </a:prstGeom>
+          <a:noFill/>
+          <a:ln>
+            <a:solidFill>
+              <a:srgbClr val="FF0000"/>
+            </a:solidFill>
+          </a:ln>
+        </p:spPr>
+        <p:style>
+          <a:lnRef idx="2">
+            <a:schemeClr val="accent1">
+              <a:shade val="50000"/>
+            </a:schemeClr>
+          </a:lnRef>
+          <a:fillRef idx="1">
+            <a:schemeClr val="accent1"/>
+          </a:fillRef>
+          <a:effectRef idx="0">
+            <a:schemeClr val="accent1"/>
+          </a:effectRef>
+          <a:fontRef idx="minor">
+            <a:schemeClr val="lt1"/>
+          </a:fontRef>
+        </p:style>
+        <p:txBody>
+          <a:bodyPr rtlCol="0" anchor="ctr"/>
+          <a:lstStyle/>
+          <a:p>
+            <a:pPr algn="ctr"/>
+            <a:endParaRPr lang="fr-FR"/>
+          </a:p>
+        </p:txBody>
+      </p:sp>
     </p:spTree>
     <p:extLst>
       <p:ext uri="{BB962C8B-B14F-4D97-AF65-F5344CB8AC3E}">
@@ -12561,6 +17520,220 @@
   <p:clrMapOvr>
     <a:masterClrMapping/>
   </p:clrMapOvr>
+  <p:timing>
+    <p:tnLst>
+      <p:par>
+        <p:cTn id="1" dur="indefinite" restart="never" nodeType="tmRoot">
+          <p:childTnLst>
+            <p:seq concurrent="1" nextAc="seek">
+              <p:cTn id="2" dur="indefinite" nodeType="mainSeq">
+                <p:childTnLst>
+                  <p:par>
+                    <p:cTn id="3" fill="hold">
+                      <p:stCondLst>
+                        <p:cond delay="indefinite"/>
+                      </p:stCondLst>
+                      <p:childTnLst>
+                        <p:par>
+                          <p:cTn id="4" fill="hold">
+                            <p:stCondLst>
+                              <p:cond delay="0"/>
+                            </p:stCondLst>
+                            <p:childTnLst>
+                              <p:par>
+                                <p:cTn id="5" presetID="1" presetClass="entr" presetSubtype="0" fill="hold" nodeType="clickEffect">
+                                  <p:stCondLst>
+                                    <p:cond delay="0"/>
+                                  </p:stCondLst>
+                                  <p:childTnLst>
+                                    <p:set>
+                                      <p:cBhvr>
+                                        <p:cTn id="6" dur="1" fill="hold">
+                                          <p:stCondLst>
+                                            <p:cond delay="0"/>
+                                          </p:stCondLst>
+                                        </p:cTn>
+                                        <p:tgtEl>
+                                          <p:spTgt spid="5"/>
+                                        </p:tgtEl>
+                                        <p:attrNameLst>
+                                          <p:attrName>style.visibility</p:attrName>
+                                        </p:attrNameLst>
+                                      </p:cBhvr>
+                                      <p:to>
+                                        <p:strVal val="visible"/>
+                                      </p:to>
+                                    </p:set>
+                                  </p:childTnLst>
+                                </p:cTn>
+                              </p:par>
+                            </p:childTnLst>
+                          </p:cTn>
+                        </p:par>
+                      </p:childTnLst>
+                    </p:cTn>
+                  </p:par>
+                  <p:par>
+                    <p:cTn id="7" fill="hold">
+                      <p:stCondLst>
+                        <p:cond delay="indefinite"/>
+                      </p:stCondLst>
+                      <p:childTnLst>
+                        <p:par>
+                          <p:cTn id="8" fill="hold">
+                            <p:stCondLst>
+                              <p:cond delay="0"/>
+                            </p:stCondLst>
+                            <p:childTnLst>
+                              <p:par>
+                                <p:cTn id="9" presetID="1" presetClass="entr" presetSubtype="0" fill="hold" nodeType="clickEffect">
+                                  <p:stCondLst>
+                                    <p:cond delay="0"/>
+                                  </p:stCondLst>
+                                  <p:childTnLst>
+                                    <p:set>
+                                      <p:cBhvr>
+                                        <p:cTn id="10" dur="1" fill="hold">
+                                          <p:stCondLst>
+                                            <p:cond delay="0"/>
+                                          </p:stCondLst>
+                                        </p:cTn>
+                                        <p:tgtEl>
+                                          <p:spTgt spid="6"/>
+                                        </p:tgtEl>
+                                        <p:attrNameLst>
+                                          <p:attrName>style.visibility</p:attrName>
+                                        </p:attrNameLst>
+                                      </p:cBhvr>
+                                      <p:to>
+                                        <p:strVal val="visible"/>
+                                      </p:to>
+                                    </p:set>
+                                  </p:childTnLst>
+                                </p:cTn>
+                              </p:par>
+                            </p:childTnLst>
+                          </p:cTn>
+                        </p:par>
+                      </p:childTnLst>
+                    </p:cTn>
+                  </p:par>
+                  <p:par>
+                    <p:cTn id="11" fill="hold">
+                      <p:stCondLst>
+                        <p:cond delay="indefinite"/>
+                      </p:stCondLst>
+                      <p:childTnLst>
+                        <p:par>
+                          <p:cTn id="12" fill="hold">
+                            <p:stCondLst>
+                              <p:cond delay="0"/>
+                            </p:stCondLst>
+                            <p:childTnLst>
+                              <p:par>
+                                <p:cTn id="13" presetID="1" presetClass="entr" presetSubtype="0" fill="hold" grpId="0" nodeType="clickEffect">
+                                  <p:stCondLst>
+                                    <p:cond delay="0"/>
+                                  </p:stCondLst>
+                                  <p:childTnLst>
+                                    <p:set>
+                                      <p:cBhvr>
+                                        <p:cTn id="14" dur="1" fill="hold">
+                                          <p:stCondLst>
+                                            <p:cond delay="0"/>
+                                          </p:stCondLst>
+                                        </p:cTn>
+                                        <p:tgtEl>
+                                          <p:spTgt spid="2"/>
+                                        </p:tgtEl>
+                                        <p:attrNameLst>
+                                          <p:attrName>style.visibility</p:attrName>
+                                        </p:attrNameLst>
+                                      </p:cBhvr>
+                                      <p:to>
+                                        <p:strVal val="visible"/>
+                                      </p:to>
+                                    </p:set>
+                                  </p:childTnLst>
+                                </p:cTn>
+                              </p:par>
+                            </p:childTnLst>
+                          </p:cTn>
+                        </p:par>
+                      </p:childTnLst>
+                    </p:cTn>
+                  </p:par>
+                  <p:par>
+                    <p:cTn id="15" fill="hold">
+                      <p:stCondLst>
+                        <p:cond delay="indefinite"/>
+                      </p:stCondLst>
+                      <p:childTnLst>
+                        <p:par>
+                          <p:cTn id="16" fill="hold">
+                            <p:stCondLst>
+                              <p:cond delay="0"/>
+                            </p:stCondLst>
+                            <p:childTnLst>
+                              <p:par>
+                                <p:cTn id="17" presetID="1" presetClass="entr" presetSubtype="0" fill="hold" grpId="0" nodeType="clickEffect">
+                                  <p:stCondLst>
+                                    <p:cond delay="0"/>
+                                  </p:stCondLst>
+                                  <p:childTnLst>
+                                    <p:set>
+                                      <p:cBhvr>
+                                        <p:cTn id="18" dur="1" fill="hold">
+                                          <p:stCondLst>
+                                            <p:cond delay="0"/>
+                                          </p:stCondLst>
+                                        </p:cTn>
+                                        <p:tgtEl>
+                                          <p:spTgt spid="7"/>
+                                        </p:tgtEl>
+                                        <p:attrNameLst>
+                                          <p:attrName>style.visibility</p:attrName>
+                                        </p:attrNameLst>
+                                      </p:cBhvr>
+                                      <p:to>
+                                        <p:strVal val="visible"/>
+                                      </p:to>
+                                    </p:set>
+                                  </p:childTnLst>
+                                </p:cTn>
+                              </p:par>
+                            </p:childTnLst>
+                          </p:cTn>
+                        </p:par>
+                      </p:childTnLst>
+                    </p:cTn>
+                  </p:par>
+                </p:childTnLst>
+              </p:cTn>
+              <p:prevCondLst>
+                <p:cond evt="onPrev" delay="0">
+                  <p:tgtEl>
+                    <p:sldTgt/>
+                  </p:tgtEl>
+                </p:cond>
+              </p:prevCondLst>
+              <p:nextCondLst>
+                <p:cond evt="onNext" delay="0">
+                  <p:tgtEl>
+                    <p:sldTgt/>
+                  </p:tgtEl>
+                </p:cond>
+              </p:nextCondLst>
+            </p:seq>
+          </p:childTnLst>
+        </p:cTn>
+      </p:par>
+    </p:tnLst>
+    <p:bldLst>
+      <p:bldP spid="2" grpId="0" animBg="1"/>
+      <p:bldP spid="7" grpId="0" animBg="1"/>
+    </p:bldLst>
+  </p:timing>
 </p:sld>
 </file>
 
@@ -12596,7 +17769,7 @@
           <p:nvPr/>
         </p:nvPicPr>
         <p:blipFill>
-          <a:blip r:embed="rId2">
+          <a:blip r:embed="rId3">
             <a:extLst>
               <a:ext uri="{28A0092B-C50C-407E-A947-70E740481C1C}">
                 <a14:useLocalDpi xmlns:a14="http://schemas.microsoft.com/office/drawing/2010/main" val="0"/>
@@ -12632,7 +17805,7 @@
           <p:nvPr/>
         </p:nvPicPr>
         <p:blipFill rotWithShape="1">
-          <a:blip r:embed="rId3">
+          <a:blip r:embed="rId4">
             <a:extLst>
               <a:ext uri="{28A0092B-C50C-407E-A947-70E740481C1C}">
                 <a14:useLocalDpi xmlns:a14="http://schemas.microsoft.com/office/drawing/2010/main" val="0"/>
@@ -12667,7 +17840,7 @@
           <p:nvPr/>
         </p:nvPicPr>
         <p:blipFill>
-          <a:blip r:embed="rId4"/>
+          <a:blip r:embed="rId5"/>
           <a:stretch>
             <a:fillRect/>
           </a:stretch>
@@ -12697,7 +17870,7 @@
           <p:nvPr/>
         </p:nvPicPr>
         <p:blipFill>
-          <a:blip r:embed="rId5"/>
+          <a:blip r:embed="rId6"/>
           <a:stretch>
             <a:fillRect/>
           </a:stretch>
